--- a/Chain Reaction Game.pptx
+++ b/Chain Reaction Game.pptx
@@ -1,39 +1,39 @@
 
 <file path=ppt/presentation.xml><?xml version="1.0" encoding="utf-8"?>
-<p:presentation xmlns:a="http://schemas.openxmlformats.org/drawingml/2006/main" xmlns:r="http://schemas.openxmlformats.org/officeDocument/2006/relationships" xmlns:mc="http://schemas.openxmlformats.org/markup-compatibility/2006" xmlns:mv="urn:schemas-microsoft-com:mac:vml" xmlns:p="http://schemas.openxmlformats.org/presentationml/2006/main" xmlns:c="http://schemas.openxmlformats.org/drawingml/2006/chart" xmlns:dgm="http://schemas.openxmlformats.org/drawingml/2006/diagram" xmlns:o="urn:schemas-microsoft-com:office:office" xmlns:v="urn:schemas-microsoft-com:vml" xmlns:pvml="urn:schemas-microsoft-com:office:powerpoint" xmlns:com="http://schemas.openxmlformats.org/drawingml/2006/compatibility" xmlns:p14="http://schemas.microsoft.com/office/powerpoint/2010/main" xmlns:p15="http://schemas.microsoft.com/office/powerpoint/2012/main" autoCompressPictures="0" embedTrueTypeFonts="1" strictFirstAndLastChars="0" saveSubsetFonts="1">
+<p:presentation xmlns:a="http://schemas.openxmlformats.org/drawingml/2006/main" xmlns:r="http://schemas.openxmlformats.org/officeDocument/2006/relationships" xmlns:p="http://schemas.openxmlformats.org/presentationml/2006/main" strictFirstAndLastChars="0" embedTrueTypeFonts="1" saveSubsetFonts="1" autoCompressPictures="0">
   <p:sldMasterIdLst>
-    <p:sldMasterId id="2147483659" r:id="rId3"/>
+    <p:sldMasterId id="2147483659" r:id="rId1"/>
   </p:sldMasterIdLst>
   <p:notesMasterIdLst>
-    <p:notesMasterId r:id="rId4"/>
+    <p:notesMasterId r:id="rId7"/>
   </p:notesMasterIdLst>
   <p:sldIdLst>
-    <p:sldId id="256" r:id="rId5"/>
-    <p:sldId id="257" r:id="rId6"/>
-    <p:sldId id="258" r:id="rId7"/>
-    <p:sldId id="259" r:id="rId8"/>
-    <p:sldId id="260" r:id="rId9"/>
+    <p:sldId id="256" r:id="rId2"/>
+    <p:sldId id="257" r:id="rId3"/>
+    <p:sldId id="258" r:id="rId4"/>
+    <p:sldId id="259" r:id="rId5"/>
+    <p:sldId id="260" r:id="rId6"/>
   </p:sldIdLst>
-  <p:sldSz cy="5143500" cx="9144000"/>
+  <p:sldSz cx="9144000" cy="5143500" type="screen16x9"/>
   <p:notesSz cx="6858000" cy="9144000"/>
   <p:embeddedFontLst>
     <p:embeddedFont>
-      <p:font typeface="Montserrat"/>
-      <p:regular r:id="rId10"/>
-      <p:bold r:id="rId11"/>
-      <p:italic r:id="rId12"/>
-      <p:boldItalic r:id="rId13"/>
+      <p:font typeface="Montserrat" charset="0"/>
+      <p:regular r:id="rId8"/>
+      <p:bold r:id="rId9"/>
+      <p:italic r:id="rId10"/>
+      <p:boldItalic r:id="rId11"/>
     </p:embeddedFont>
     <p:embeddedFont>
-      <p:font typeface="Lato"/>
-      <p:regular r:id="rId14"/>
-      <p:bold r:id="rId15"/>
-      <p:italic r:id="rId16"/>
-      <p:boldItalic r:id="rId17"/>
+      <p:font typeface="Lato" charset="0"/>
+      <p:regular r:id="rId12"/>
+      <p:bold r:id="rId13"/>
+      <p:italic r:id="rId14"/>
+      <p:boldItalic r:id="rId15"/>
     </p:embeddedFont>
   </p:embeddedFontLst>
   <p:defaultTextStyle>
-    <a:defPPr lvl="0" marR="0" rtl="0" algn="l">
+    <a:defPPr marR="0" lvl="0" algn="l" rtl="0">
       <a:lnSpc>
         <a:spcPct val="100000"/>
       </a:lnSpc>
@@ -44,7 +44,7 @@
         <a:spcPts val="0"/>
       </a:spcAft>
     </a:defPPr>
-    <a:lvl1pPr lvl="0" marR="0" rtl="0" algn="l">
+    <a:lvl1pPr marR="0" lvl="0" algn="l" rtl="0">
       <a:lnSpc>
         <a:spcPct val="100000"/>
       </a:lnSpc>
@@ -55,7 +55,7 @@
         <a:spcPts val="0"/>
       </a:spcAft>
       <a:buNone/>
-      <a:defRPr b="0" i="0" sz="1400" u="none" cap="none" strike="noStrike">
+      <a:defRPr sz="1400" b="0" i="0" u="none" strike="noStrike" cap="none">
         <a:solidFill>
           <a:srgbClr val="000000"/>
         </a:solidFill>
@@ -65,7 +65,7 @@
         <a:sym typeface="Arial"/>
       </a:defRPr>
     </a:lvl1pPr>
-    <a:lvl2pPr lvl="1" marR="0" rtl="0" algn="l">
+    <a:lvl2pPr marR="0" lvl="1" algn="l" rtl="0">
       <a:lnSpc>
         <a:spcPct val="100000"/>
       </a:lnSpc>
@@ -76,7 +76,7 @@
         <a:spcPts val="0"/>
       </a:spcAft>
       <a:buNone/>
-      <a:defRPr b="0" i="0" sz="1400" u="none" cap="none" strike="noStrike">
+      <a:defRPr sz="1400" b="0" i="0" u="none" strike="noStrike" cap="none">
         <a:solidFill>
           <a:srgbClr val="000000"/>
         </a:solidFill>
@@ -86,7 +86,7 @@
         <a:sym typeface="Arial"/>
       </a:defRPr>
     </a:lvl2pPr>
-    <a:lvl3pPr lvl="2" marR="0" rtl="0" algn="l">
+    <a:lvl3pPr marR="0" lvl="2" algn="l" rtl="0">
       <a:lnSpc>
         <a:spcPct val="100000"/>
       </a:lnSpc>
@@ -97,7 +97,7 @@
         <a:spcPts val="0"/>
       </a:spcAft>
       <a:buNone/>
-      <a:defRPr b="0" i="0" sz="1400" u="none" cap="none" strike="noStrike">
+      <a:defRPr sz="1400" b="0" i="0" u="none" strike="noStrike" cap="none">
         <a:solidFill>
           <a:srgbClr val="000000"/>
         </a:solidFill>
@@ -107,7 +107,7 @@
         <a:sym typeface="Arial"/>
       </a:defRPr>
     </a:lvl3pPr>
-    <a:lvl4pPr lvl="3" marR="0" rtl="0" algn="l">
+    <a:lvl4pPr marR="0" lvl="3" algn="l" rtl="0">
       <a:lnSpc>
         <a:spcPct val="100000"/>
       </a:lnSpc>
@@ -118,7 +118,7 @@
         <a:spcPts val="0"/>
       </a:spcAft>
       <a:buNone/>
-      <a:defRPr b="0" i="0" sz="1400" u="none" cap="none" strike="noStrike">
+      <a:defRPr sz="1400" b="0" i="0" u="none" strike="noStrike" cap="none">
         <a:solidFill>
           <a:srgbClr val="000000"/>
         </a:solidFill>
@@ -128,7 +128,7 @@
         <a:sym typeface="Arial"/>
       </a:defRPr>
     </a:lvl4pPr>
-    <a:lvl5pPr lvl="4" marR="0" rtl="0" algn="l">
+    <a:lvl5pPr marR="0" lvl="4" algn="l" rtl="0">
       <a:lnSpc>
         <a:spcPct val="100000"/>
       </a:lnSpc>
@@ -139,7 +139,7 @@
         <a:spcPts val="0"/>
       </a:spcAft>
       <a:buNone/>
-      <a:defRPr b="0" i="0" sz="1400" u="none" cap="none" strike="noStrike">
+      <a:defRPr sz="1400" b="0" i="0" u="none" strike="noStrike" cap="none">
         <a:solidFill>
           <a:srgbClr val="000000"/>
         </a:solidFill>
@@ -149,7 +149,7 @@
         <a:sym typeface="Arial"/>
       </a:defRPr>
     </a:lvl5pPr>
-    <a:lvl6pPr lvl="5" marR="0" rtl="0" algn="l">
+    <a:lvl6pPr marR="0" lvl="5" algn="l" rtl="0">
       <a:lnSpc>
         <a:spcPct val="100000"/>
       </a:lnSpc>
@@ -160,7 +160,7 @@
         <a:spcPts val="0"/>
       </a:spcAft>
       <a:buNone/>
-      <a:defRPr b="0" i="0" sz="1400" u="none" cap="none" strike="noStrike">
+      <a:defRPr sz="1400" b="0" i="0" u="none" strike="noStrike" cap="none">
         <a:solidFill>
           <a:srgbClr val="000000"/>
         </a:solidFill>
@@ -170,7 +170,7 @@
         <a:sym typeface="Arial"/>
       </a:defRPr>
     </a:lvl6pPr>
-    <a:lvl7pPr lvl="6" marR="0" rtl="0" algn="l">
+    <a:lvl7pPr marR="0" lvl="6" algn="l" rtl="0">
       <a:lnSpc>
         <a:spcPct val="100000"/>
       </a:lnSpc>
@@ -181,7 +181,7 @@
         <a:spcPts val="0"/>
       </a:spcAft>
       <a:buNone/>
-      <a:defRPr b="0" i="0" sz="1400" u="none" cap="none" strike="noStrike">
+      <a:defRPr sz="1400" b="0" i="0" u="none" strike="noStrike" cap="none">
         <a:solidFill>
           <a:srgbClr val="000000"/>
         </a:solidFill>
@@ -191,7 +191,7 @@
         <a:sym typeface="Arial"/>
       </a:defRPr>
     </a:lvl7pPr>
-    <a:lvl8pPr lvl="7" marR="0" rtl="0" algn="l">
+    <a:lvl8pPr marR="0" lvl="7" algn="l" rtl="0">
       <a:lnSpc>
         <a:spcPct val="100000"/>
       </a:lnSpc>
@@ -202,7 +202,7 @@
         <a:spcPts val="0"/>
       </a:spcAft>
       <a:buNone/>
-      <a:defRPr b="0" i="0" sz="1400" u="none" cap="none" strike="noStrike">
+      <a:defRPr sz="1400" b="0" i="0" u="none" strike="noStrike" cap="none">
         <a:solidFill>
           <a:srgbClr val="000000"/>
         </a:solidFill>
@@ -212,7 +212,7 @@
         <a:sym typeface="Arial"/>
       </a:defRPr>
     </a:lvl8pPr>
-    <a:lvl9pPr lvl="8" marR="0" rtl="0" algn="l">
+    <a:lvl9pPr marR="0" lvl="8" algn="l" rtl="0">
       <a:lnSpc>
         <a:spcPct val="100000"/>
       </a:lnSpc>
@@ -223,7 +223,7 @@
         <a:spcPts val="0"/>
       </a:spcAft>
       <a:buNone/>
-      <a:defRPr b="0" i="0" sz="1400" u="none" cap="none" strike="noStrike">
+      <a:defRPr sz="1400" b="0" i="0" u="none" strike="noStrike" cap="none">
         <a:solidFill>
           <a:srgbClr val="000000"/>
         </a:solidFill>
@@ -238,11 +238,16 @@
 </file>
 
 <file path=ppt/notesMasters/notesMaster1.xml><?xml version="1.0" encoding="utf-8"?>
-<p:notesMaster xmlns:a="http://schemas.openxmlformats.org/drawingml/2006/main" xmlns:r="http://schemas.openxmlformats.org/officeDocument/2006/relationships" xmlns:mc="http://schemas.openxmlformats.org/markup-compatibility/2006" xmlns:mv="urn:schemas-microsoft-com:mac:vml" xmlns:p="http://schemas.openxmlformats.org/presentationml/2006/main" xmlns:c="http://schemas.openxmlformats.org/drawingml/2006/chart" xmlns:dgm="http://schemas.openxmlformats.org/drawingml/2006/diagram" xmlns:o="urn:schemas-microsoft-com:office:office" xmlns:v="urn:schemas-microsoft-com:vml" xmlns:pvml="urn:schemas-microsoft-com:office:powerpoint" xmlns:com="http://schemas.openxmlformats.org/drawingml/2006/compatibility" xmlns:p14="http://schemas.microsoft.com/office/powerpoint/2010/main" xmlns:p15="http://schemas.microsoft.com/office/powerpoint/2012/main">
+<p:notesMaster xmlns:a="http://schemas.openxmlformats.org/drawingml/2006/main" xmlns:r="http://schemas.openxmlformats.org/officeDocument/2006/relationships" xmlns:p="http://schemas.openxmlformats.org/presentationml/2006/main">
   <p:cSld>
+    <p:bg>
+      <p:bgRef idx="1001">
+        <a:schemeClr val="bg1"/>
+      </p:bgRef>
+    </p:bg>
     <p:spTree>
       <p:nvGrpSpPr>
-        <p:cNvPr id="2" name="Shape 2"/>
+        <p:cNvPr id="1" name="Shape 2"/>
         <p:cNvGrpSpPr/>
         <p:nvPr/>
       </p:nvGrpSpPr>
@@ -257,9 +262,11 @@
       <p:sp>
         <p:nvSpPr>
           <p:cNvPr id="3" name="Shape 3"/>
-          <p:cNvSpPr/>
+          <p:cNvSpPr>
+            <a:spLocks noGrp="1" noRot="1" noChangeAspect="1"/>
+          </p:cNvSpPr>
           <p:nvPr>
-            <p:ph idx="2" type="sldImg"/>
+            <p:ph type="sldImg" idx="2"/>
           </p:nvPr>
         </p:nvSpPr>
         <p:spPr>
@@ -268,8 +275,13 @@
             <a:ext cx="6096075" cy="3429000"/>
           </a:xfrm>
           <a:custGeom>
+            <a:avLst/>
+            <a:gdLst/>
+            <a:ahLst/>
+            <a:cxnLst/>
+            <a:rect l="0" t="0" r="0" b="0"/>
             <a:pathLst>
-              <a:path extrusionOk="0" h="120000" w="120000">
+              <a:path w="120000" h="120000" extrusionOk="0">
                 <a:moveTo>
                   <a:pt x="0" y="0"/>
                 </a:moveTo>
@@ -287,23 +299,25 @@
             </a:pathLst>
           </a:custGeom>
           <a:noFill/>
-          <a:ln cap="flat" cmpd="sng" w="9525">
+          <a:ln w="9525" cap="flat" cmpd="sng">
             <a:solidFill>
               <a:srgbClr val="000000"/>
             </a:solidFill>
             <a:prstDash val="solid"/>
             <a:round/>
-            <a:headEnd len="med" w="med" type="none"/>
-            <a:tailEnd len="med" w="med" type="none"/>
+            <a:headEnd type="none" w="med" len="med"/>
+            <a:tailEnd type="none" w="med" len="med"/>
           </a:ln>
         </p:spPr>
       </p:sp>
       <p:sp>
         <p:nvSpPr>
           <p:cNvPr id="4" name="Shape 4"/>
-          <p:cNvSpPr txBox="1"/>
+          <p:cNvSpPr txBox="1">
+            <a:spLocks noGrp="1"/>
+          </p:cNvSpPr>
           <p:nvPr>
-            <p:ph idx="1" type="body"/>
+            <p:ph type="body" idx="1"/>
           </p:nvPr>
         </p:nvSpPr>
         <p:spPr>
@@ -320,7 +334,7 @@
           </a:ln>
         </p:spPr>
         <p:txBody>
-          <a:bodyPr anchorCtr="0" anchor="t" bIns="91425" lIns="91425" rIns="91425" wrap="square" tIns="91425"/>
+          <a:bodyPr wrap="square" lIns="91425" tIns="91425" rIns="91425" bIns="91425" anchor="t" anchorCtr="0"/>
           <a:lstStyle>
             <a:lvl1pPr lvl="0">
               <a:spcBef>
@@ -395,21 +409,115 @@
               <a:defRPr sz="1100"/>
             </a:lvl9pPr>
           </a:lstStyle>
-          <a:p/>
+          <a:p>
+            <a:endParaRPr/>
+          </a:p>
         </p:txBody>
       </p:sp>
     </p:spTree>
   </p:cSld>
-  <p:clrMap accent1="accent1" accent2="accent2" accent3="accent3" accent4="accent4" accent5="accent5" accent6="accent6" bg1="lt1" bg2="dk2" tx1="dk1" tx2="lt2" folHlink="folHlink" hlink="hlink"/>
+  <p:clrMap bg1="lt1" tx1="dk1" bg2="dk2" tx2="lt2" accent1="accent1" accent2="accent2" accent3="accent3" accent4="accent4" accent5="accent5" accent6="accent6" hlink="hlink" folHlink="folHlink"/>
+  <p:notesStyle>
+    <a:lvl1pPr marL="0" algn="l" defTabSz="914400" rtl="0" eaLnBrk="1" latinLnBrk="0" hangingPunct="1">
+      <a:defRPr sz="1200" kern="1200">
+        <a:solidFill>
+          <a:schemeClr val="tx1"/>
+        </a:solidFill>
+        <a:latin typeface="+mn-lt"/>
+        <a:ea typeface="+mn-ea"/>
+        <a:cs typeface="+mn-cs"/>
+      </a:defRPr>
+    </a:lvl1pPr>
+    <a:lvl2pPr marL="457200" algn="l" defTabSz="914400" rtl="0" eaLnBrk="1" latinLnBrk="0" hangingPunct="1">
+      <a:defRPr sz="1200" kern="1200">
+        <a:solidFill>
+          <a:schemeClr val="tx1"/>
+        </a:solidFill>
+        <a:latin typeface="+mn-lt"/>
+        <a:ea typeface="+mn-ea"/>
+        <a:cs typeface="+mn-cs"/>
+      </a:defRPr>
+    </a:lvl2pPr>
+    <a:lvl3pPr marL="914400" algn="l" defTabSz="914400" rtl="0" eaLnBrk="1" latinLnBrk="0" hangingPunct="1">
+      <a:defRPr sz="1200" kern="1200">
+        <a:solidFill>
+          <a:schemeClr val="tx1"/>
+        </a:solidFill>
+        <a:latin typeface="+mn-lt"/>
+        <a:ea typeface="+mn-ea"/>
+        <a:cs typeface="+mn-cs"/>
+      </a:defRPr>
+    </a:lvl3pPr>
+    <a:lvl4pPr marL="1371600" algn="l" defTabSz="914400" rtl="0" eaLnBrk="1" latinLnBrk="0" hangingPunct="1">
+      <a:defRPr sz="1200" kern="1200">
+        <a:solidFill>
+          <a:schemeClr val="tx1"/>
+        </a:solidFill>
+        <a:latin typeface="+mn-lt"/>
+        <a:ea typeface="+mn-ea"/>
+        <a:cs typeface="+mn-cs"/>
+      </a:defRPr>
+    </a:lvl4pPr>
+    <a:lvl5pPr marL="1828800" algn="l" defTabSz="914400" rtl="0" eaLnBrk="1" latinLnBrk="0" hangingPunct="1">
+      <a:defRPr sz="1200" kern="1200">
+        <a:solidFill>
+          <a:schemeClr val="tx1"/>
+        </a:solidFill>
+        <a:latin typeface="+mn-lt"/>
+        <a:ea typeface="+mn-ea"/>
+        <a:cs typeface="+mn-cs"/>
+      </a:defRPr>
+    </a:lvl5pPr>
+    <a:lvl6pPr marL="2286000" algn="l" defTabSz="914400" rtl="0" eaLnBrk="1" latinLnBrk="0" hangingPunct="1">
+      <a:defRPr sz="1200" kern="1200">
+        <a:solidFill>
+          <a:schemeClr val="tx1"/>
+        </a:solidFill>
+        <a:latin typeface="+mn-lt"/>
+        <a:ea typeface="+mn-ea"/>
+        <a:cs typeface="+mn-cs"/>
+      </a:defRPr>
+    </a:lvl6pPr>
+    <a:lvl7pPr marL="2743200" algn="l" defTabSz="914400" rtl="0" eaLnBrk="1" latinLnBrk="0" hangingPunct="1">
+      <a:defRPr sz="1200" kern="1200">
+        <a:solidFill>
+          <a:schemeClr val="tx1"/>
+        </a:solidFill>
+        <a:latin typeface="+mn-lt"/>
+        <a:ea typeface="+mn-ea"/>
+        <a:cs typeface="+mn-cs"/>
+      </a:defRPr>
+    </a:lvl7pPr>
+    <a:lvl8pPr marL="3200400" algn="l" defTabSz="914400" rtl="0" eaLnBrk="1" latinLnBrk="0" hangingPunct="1">
+      <a:defRPr sz="1200" kern="1200">
+        <a:solidFill>
+          <a:schemeClr val="tx1"/>
+        </a:solidFill>
+        <a:latin typeface="+mn-lt"/>
+        <a:ea typeface="+mn-ea"/>
+        <a:cs typeface="+mn-cs"/>
+      </a:defRPr>
+    </a:lvl8pPr>
+    <a:lvl9pPr marL="3657600" algn="l" defTabSz="914400" rtl="0" eaLnBrk="1" latinLnBrk="0" hangingPunct="1">
+      <a:defRPr sz="1200" kern="1200">
+        <a:solidFill>
+          <a:schemeClr val="tx1"/>
+        </a:solidFill>
+        <a:latin typeface="+mn-lt"/>
+        <a:ea typeface="+mn-ea"/>
+        <a:cs typeface="+mn-cs"/>
+      </a:defRPr>
+    </a:lvl9pPr>
+  </p:notesStyle>
 </p:notesMaster>
 </file>
 
 <file path=ppt/notesSlides/notesSlide1.xml><?xml version="1.0" encoding="utf-8"?>
-<p:notes xmlns:a="http://schemas.openxmlformats.org/drawingml/2006/main" xmlns:r="http://schemas.openxmlformats.org/officeDocument/2006/relationships" xmlns:mc="http://schemas.openxmlformats.org/markup-compatibility/2006" xmlns:mv="urn:schemas-microsoft-com:mac:vml" xmlns:p="http://schemas.openxmlformats.org/presentationml/2006/main" xmlns:c="http://schemas.openxmlformats.org/drawingml/2006/chart" xmlns:dgm="http://schemas.openxmlformats.org/drawingml/2006/diagram" xmlns:o="urn:schemas-microsoft-com:office:office" xmlns:v="urn:schemas-microsoft-com:vml" xmlns:pvml="urn:schemas-microsoft-com:office:powerpoint" xmlns:com="http://schemas.openxmlformats.org/drawingml/2006/compatibility" xmlns:p14="http://schemas.microsoft.com/office/powerpoint/2010/main" xmlns:p15="http://schemas.microsoft.com/office/powerpoint/2012/main" showMasterPhAnim="0" showMasterSp="0">
+<p:notes xmlns:a="http://schemas.openxmlformats.org/drawingml/2006/main" xmlns:r="http://schemas.openxmlformats.org/officeDocument/2006/relationships" xmlns:p="http://schemas.openxmlformats.org/presentationml/2006/main" showMasterSp="0" showMasterPhAnim="0">
   <p:cSld>
     <p:spTree>
       <p:nvGrpSpPr>
-        <p:cNvPr id="130" name="Shape 130"/>
+        <p:cNvPr id="1" name="Shape 130"/>
         <p:cNvGrpSpPr/>
         <p:nvPr/>
       </p:nvGrpSpPr>
@@ -424,9 +532,11 @@
       <p:sp>
         <p:nvSpPr>
           <p:cNvPr id="131" name="Shape 131"/>
-          <p:cNvSpPr/>
+          <p:cNvSpPr>
+            <a:spLocks noGrp="1" noRot="1" noChangeAspect="1"/>
+          </p:cNvSpPr>
           <p:nvPr>
-            <p:ph idx="2" type="sldImg"/>
+            <p:ph type="sldImg" idx="2"/>
           </p:nvPr>
         </p:nvSpPr>
         <p:spPr>
@@ -435,8 +545,13 @@
             <a:ext cx="6096075" cy="3429000"/>
           </a:xfrm>
           <a:custGeom>
+            <a:avLst/>
+            <a:gdLst/>
+            <a:ahLst/>
+            <a:cxnLst/>
+            <a:rect l="0" t="0" r="0" b="0"/>
             <a:pathLst>
-              <a:path extrusionOk="0" h="120000" w="120000">
+              <a:path w="120000" h="120000" extrusionOk="0">
                 <a:moveTo>
                   <a:pt x="0" y="0"/>
                 </a:moveTo>
@@ -458,9 +573,11 @@
       <p:sp>
         <p:nvSpPr>
           <p:cNvPr id="132" name="Shape 132"/>
-          <p:cNvSpPr txBox="1"/>
+          <p:cNvSpPr txBox="1">
+            <a:spLocks noGrp="1"/>
+          </p:cNvSpPr>
           <p:nvPr>
-            <p:ph idx="1" type="body"/>
+            <p:ph type="body" idx="1"/>
           </p:nvPr>
         </p:nvSpPr>
         <p:spPr>
@@ -473,7 +590,7 @@
           </a:prstGeom>
         </p:spPr>
         <p:txBody>
-          <a:bodyPr anchorCtr="0" anchor="t" bIns="91425" lIns="91425" rIns="91425" wrap="square" tIns="91425">
+          <a:bodyPr wrap="square" lIns="91425" tIns="91425" rIns="91425" bIns="91425" anchor="t" anchorCtr="0">
             <a:noAutofit/>
           </a:bodyPr>
           <a:lstStyle/>
@@ -484,9 +601,6 @@
               </a:spcBef>
               <a:buNone/>
             </a:pPr>
-            <a:r>
-              <a:t/>
-            </a:r>
             <a:endParaRPr/>
           </a:p>
         </p:txBody>
@@ -500,11 +614,11 @@
 </file>
 
 <file path=ppt/notesSlides/notesSlide2.xml><?xml version="1.0" encoding="utf-8"?>
-<p:notes xmlns:a="http://schemas.openxmlformats.org/drawingml/2006/main" xmlns:r="http://schemas.openxmlformats.org/officeDocument/2006/relationships" xmlns:mc="http://schemas.openxmlformats.org/markup-compatibility/2006" xmlns:mv="urn:schemas-microsoft-com:mac:vml" xmlns:p="http://schemas.openxmlformats.org/presentationml/2006/main" xmlns:c="http://schemas.openxmlformats.org/drawingml/2006/chart" xmlns:dgm="http://schemas.openxmlformats.org/drawingml/2006/diagram" xmlns:o="urn:schemas-microsoft-com:office:office" xmlns:v="urn:schemas-microsoft-com:vml" xmlns:pvml="urn:schemas-microsoft-com:office:powerpoint" xmlns:com="http://schemas.openxmlformats.org/drawingml/2006/compatibility" xmlns:p14="http://schemas.microsoft.com/office/powerpoint/2010/main" xmlns:p15="http://schemas.microsoft.com/office/powerpoint/2012/main" showMasterPhAnim="0" showMasterSp="0">
+<p:notes xmlns:a="http://schemas.openxmlformats.org/drawingml/2006/main" xmlns:r="http://schemas.openxmlformats.org/officeDocument/2006/relationships" xmlns:p="http://schemas.openxmlformats.org/presentationml/2006/main" showMasterSp="0" showMasterPhAnim="0">
   <p:cSld>
     <p:spTree>
       <p:nvGrpSpPr>
-        <p:cNvPr id="137" name="Shape 137"/>
+        <p:cNvPr id="1" name="Shape 137"/>
         <p:cNvGrpSpPr/>
         <p:nvPr/>
       </p:nvGrpSpPr>
@@ -519,19 +633,26 @@
       <p:sp>
         <p:nvSpPr>
           <p:cNvPr id="138" name="Shape 138"/>
-          <p:cNvSpPr/>
+          <p:cNvSpPr>
+            <a:spLocks noGrp="1" noRot="1" noChangeAspect="1"/>
+          </p:cNvSpPr>
           <p:nvPr>
-            <p:ph idx="2" type="sldImg"/>
+            <p:ph type="sldImg" idx="2"/>
           </p:nvPr>
         </p:nvSpPr>
         <p:spPr>
           <a:xfrm>
-            <a:off x="381300" y="685800"/>
+            <a:off x="381000" y="685800"/>
             <a:ext cx="6096000" cy="3429000"/>
           </a:xfrm>
           <a:custGeom>
+            <a:avLst/>
+            <a:gdLst/>
+            <a:ahLst/>
+            <a:cxnLst/>
+            <a:rect l="0" t="0" r="0" b="0"/>
             <a:pathLst>
-              <a:path extrusionOk="0" h="120000" w="120000">
+              <a:path w="120000" h="120000" extrusionOk="0">
                 <a:moveTo>
                   <a:pt x="0" y="0"/>
                 </a:moveTo>
@@ -553,9 +674,11 @@
       <p:sp>
         <p:nvSpPr>
           <p:cNvPr id="139" name="Shape 139"/>
-          <p:cNvSpPr txBox="1"/>
+          <p:cNvSpPr txBox="1">
+            <a:spLocks noGrp="1"/>
+          </p:cNvSpPr>
           <p:nvPr>
-            <p:ph idx="1" type="body"/>
+            <p:ph type="body" idx="1"/>
           </p:nvPr>
         </p:nvSpPr>
         <p:spPr>
@@ -568,7 +691,7 @@
           </a:prstGeom>
         </p:spPr>
         <p:txBody>
-          <a:bodyPr anchorCtr="0" anchor="t" bIns="91425" lIns="91425" rIns="91425" wrap="square" tIns="91425">
+          <a:bodyPr wrap="square" lIns="91425" tIns="91425" rIns="91425" bIns="91425" anchor="t" anchorCtr="0">
             <a:noAutofit/>
           </a:bodyPr>
           <a:lstStyle/>
@@ -579,9 +702,6 @@
               </a:spcBef>
               <a:buNone/>
             </a:pPr>
-            <a:r>
-              <a:t/>
-            </a:r>
             <a:endParaRPr/>
           </a:p>
         </p:txBody>
@@ -595,11 +715,11 @@
 </file>
 
 <file path=ppt/notesSlides/notesSlide3.xml><?xml version="1.0" encoding="utf-8"?>
-<p:notes xmlns:a="http://schemas.openxmlformats.org/drawingml/2006/main" xmlns:r="http://schemas.openxmlformats.org/officeDocument/2006/relationships" xmlns:mc="http://schemas.openxmlformats.org/markup-compatibility/2006" xmlns:mv="urn:schemas-microsoft-com:mac:vml" xmlns:p="http://schemas.openxmlformats.org/presentationml/2006/main" xmlns:c="http://schemas.openxmlformats.org/drawingml/2006/chart" xmlns:dgm="http://schemas.openxmlformats.org/drawingml/2006/diagram" xmlns:o="urn:schemas-microsoft-com:office:office" xmlns:v="urn:schemas-microsoft-com:vml" xmlns:pvml="urn:schemas-microsoft-com:office:powerpoint" xmlns:com="http://schemas.openxmlformats.org/drawingml/2006/compatibility" xmlns:p14="http://schemas.microsoft.com/office/powerpoint/2010/main" xmlns:p15="http://schemas.microsoft.com/office/powerpoint/2012/main" showMasterPhAnim="0" showMasterSp="0">
+<p:notes xmlns:a="http://schemas.openxmlformats.org/drawingml/2006/main" xmlns:r="http://schemas.openxmlformats.org/officeDocument/2006/relationships" xmlns:p="http://schemas.openxmlformats.org/presentationml/2006/main" showMasterSp="0" showMasterPhAnim="0">
   <p:cSld>
     <p:spTree>
       <p:nvGrpSpPr>
-        <p:cNvPr id="143" name="Shape 143"/>
+        <p:cNvPr id="1" name="Shape 143"/>
         <p:cNvGrpSpPr/>
         <p:nvPr/>
       </p:nvGrpSpPr>
@@ -614,9 +734,11 @@
       <p:sp>
         <p:nvSpPr>
           <p:cNvPr id="144" name="Shape 144"/>
-          <p:cNvSpPr/>
+          <p:cNvSpPr>
+            <a:spLocks noGrp="1" noRot="1" noChangeAspect="1"/>
+          </p:cNvSpPr>
           <p:nvPr>
-            <p:ph idx="2" type="sldImg"/>
+            <p:ph type="sldImg" idx="2"/>
           </p:nvPr>
         </p:nvSpPr>
         <p:spPr>
@@ -625,8 +747,13 @@
             <a:ext cx="6096000" cy="3429000"/>
           </a:xfrm>
           <a:custGeom>
+            <a:avLst/>
+            <a:gdLst/>
+            <a:ahLst/>
+            <a:cxnLst/>
+            <a:rect l="0" t="0" r="0" b="0"/>
             <a:pathLst>
-              <a:path extrusionOk="0" h="120000" w="120000">
+              <a:path w="120000" h="120000" extrusionOk="0">
                 <a:moveTo>
                   <a:pt x="0" y="0"/>
                 </a:moveTo>
@@ -648,9 +775,11 @@
       <p:sp>
         <p:nvSpPr>
           <p:cNvPr id="145" name="Shape 145"/>
-          <p:cNvSpPr txBox="1"/>
+          <p:cNvSpPr txBox="1">
+            <a:spLocks noGrp="1"/>
+          </p:cNvSpPr>
           <p:nvPr>
-            <p:ph idx="1" type="body"/>
+            <p:ph type="body" idx="1"/>
           </p:nvPr>
         </p:nvSpPr>
         <p:spPr>
@@ -663,7 +792,7 @@
           </a:prstGeom>
         </p:spPr>
         <p:txBody>
-          <a:bodyPr anchorCtr="0" anchor="t" bIns="91425" lIns="91425" rIns="91425" wrap="square" tIns="91425">
+          <a:bodyPr wrap="square" lIns="91425" tIns="91425" rIns="91425" bIns="91425" anchor="t" anchorCtr="0">
             <a:noAutofit/>
           </a:bodyPr>
           <a:lstStyle/>
@@ -674,9 +803,6 @@
               </a:spcBef>
               <a:buNone/>
             </a:pPr>
-            <a:r>
-              <a:t/>
-            </a:r>
             <a:endParaRPr/>
           </a:p>
         </p:txBody>
@@ -690,11 +816,11 @@
 </file>
 
 <file path=ppt/notesSlides/notesSlide4.xml><?xml version="1.0" encoding="utf-8"?>
-<p:notes xmlns:a="http://schemas.openxmlformats.org/drawingml/2006/main" xmlns:r="http://schemas.openxmlformats.org/officeDocument/2006/relationships" xmlns:mc="http://schemas.openxmlformats.org/markup-compatibility/2006" xmlns:mv="urn:schemas-microsoft-com:mac:vml" xmlns:p="http://schemas.openxmlformats.org/presentationml/2006/main" xmlns:c="http://schemas.openxmlformats.org/drawingml/2006/chart" xmlns:dgm="http://schemas.openxmlformats.org/drawingml/2006/diagram" xmlns:o="urn:schemas-microsoft-com:office:office" xmlns:v="urn:schemas-microsoft-com:vml" xmlns:pvml="urn:schemas-microsoft-com:office:powerpoint" xmlns:com="http://schemas.openxmlformats.org/drawingml/2006/compatibility" xmlns:p14="http://schemas.microsoft.com/office/powerpoint/2010/main" xmlns:p15="http://schemas.microsoft.com/office/powerpoint/2012/main" showMasterPhAnim="0" showMasterSp="0">
+<p:notes xmlns:a="http://schemas.openxmlformats.org/drawingml/2006/main" xmlns:r="http://schemas.openxmlformats.org/officeDocument/2006/relationships" xmlns:p="http://schemas.openxmlformats.org/presentationml/2006/main" showMasterSp="0" showMasterPhAnim="0">
   <p:cSld>
     <p:spTree>
       <p:nvGrpSpPr>
-        <p:cNvPr id="149" name="Shape 149"/>
+        <p:cNvPr id="1" name="Shape 149"/>
         <p:cNvGrpSpPr/>
         <p:nvPr/>
       </p:nvGrpSpPr>
@@ -709,9 +835,11 @@
       <p:sp>
         <p:nvSpPr>
           <p:cNvPr id="150" name="Shape 150"/>
-          <p:cNvSpPr/>
+          <p:cNvSpPr>
+            <a:spLocks noGrp="1" noRot="1" noChangeAspect="1"/>
+          </p:cNvSpPr>
           <p:nvPr>
-            <p:ph idx="2" type="sldImg"/>
+            <p:ph type="sldImg" idx="2"/>
           </p:nvPr>
         </p:nvSpPr>
         <p:spPr>
@@ -720,8 +848,13 @@
             <a:ext cx="6096000" cy="3429000"/>
           </a:xfrm>
           <a:custGeom>
+            <a:avLst/>
+            <a:gdLst/>
+            <a:ahLst/>
+            <a:cxnLst/>
+            <a:rect l="0" t="0" r="0" b="0"/>
             <a:pathLst>
-              <a:path extrusionOk="0" h="120000" w="120000">
+              <a:path w="120000" h="120000" extrusionOk="0">
                 <a:moveTo>
                   <a:pt x="0" y="0"/>
                 </a:moveTo>
@@ -743,9 +876,11 @@
       <p:sp>
         <p:nvSpPr>
           <p:cNvPr id="151" name="Shape 151"/>
-          <p:cNvSpPr txBox="1"/>
+          <p:cNvSpPr txBox="1">
+            <a:spLocks noGrp="1"/>
+          </p:cNvSpPr>
           <p:nvPr>
-            <p:ph idx="1" type="body"/>
+            <p:ph type="body" idx="1"/>
           </p:nvPr>
         </p:nvSpPr>
         <p:spPr>
@@ -758,7 +893,7 @@
           </a:prstGeom>
         </p:spPr>
         <p:txBody>
-          <a:bodyPr anchorCtr="0" anchor="t" bIns="91425" lIns="91425" rIns="91425" wrap="square" tIns="91425">
+          <a:bodyPr wrap="square" lIns="91425" tIns="91425" rIns="91425" bIns="91425" anchor="t" anchorCtr="0">
             <a:noAutofit/>
           </a:bodyPr>
           <a:lstStyle/>
@@ -769,9 +904,6 @@
               </a:spcBef>
               <a:buNone/>
             </a:pPr>
-            <a:r>
-              <a:t/>
-            </a:r>
             <a:endParaRPr/>
           </a:p>
         </p:txBody>
@@ -785,11 +917,11 @@
 </file>
 
 <file path=ppt/notesSlides/notesSlide5.xml><?xml version="1.0" encoding="utf-8"?>
-<p:notes xmlns:a="http://schemas.openxmlformats.org/drawingml/2006/main" xmlns:r="http://schemas.openxmlformats.org/officeDocument/2006/relationships" xmlns:mc="http://schemas.openxmlformats.org/markup-compatibility/2006" xmlns:mv="urn:schemas-microsoft-com:mac:vml" xmlns:p="http://schemas.openxmlformats.org/presentationml/2006/main" xmlns:c="http://schemas.openxmlformats.org/drawingml/2006/chart" xmlns:dgm="http://schemas.openxmlformats.org/drawingml/2006/diagram" xmlns:o="urn:schemas-microsoft-com:office:office" xmlns:v="urn:schemas-microsoft-com:vml" xmlns:pvml="urn:schemas-microsoft-com:office:powerpoint" xmlns:com="http://schemas.openxmlformats.org/drawingml/2006/compatibility" xmlns:p14="http://schemas.microsoft.com/office/powerpoint/2010/main" xmlns:p15="http://schemas.microsoft.com/office/powerpoint/2012/main" showMasterPhAnim="0" showMasterSp="0">
+<p:notes xmlns:a="http://schemas.openxmlformats.org/drawingml/2006/main" xmlns:r="http://schemas.openxmlformats.org/officeDocument/2006/relationships" xmlns:p="http://schemas.openxmlformats.org/presentationml/2006/main" showMasterSp="0" showMasterPhAnim="0">
   <p:cSld>
     <p:spTree>
       <p:nvGrpSpPr>
-        <p:cNvPr id="157" name="Shape 157"/>
+        <p:cNvPr id="1" name="Shape 157"/>
         <p:cNvGrpSpPr/>
         <p:nvPr/>
       </p:nvGrpSpPr>
@@ -804,9 +936,11 @@
       <p:sp>
         <p:nvSpPr>
           <p:cNvPr id="158" name="Shape 158"/>
-          <p:cNvSpPr/>
+          <p:cNvSpPr>
+            <a:spLocks noGrp="1" noRot="1" noChangeAspect="1"/>
+          </p:cNvSpPr>
           <p:nvPr>
-            <p:ph idx="2" type="sldImg"/>
+            <p:ph type="sldImg" idx="2"/>
           </p:nvPr>
         </p:nvSpPr>
         <p:spPr>
@@ -815,8 +949,13 @@
             <a:ext cx="6096000" cy="3429000"/>
           </a:xfrm>
           <a:custGeom>
+            <a:avLst/>
+            <a:gdLst/>
+            <a:ahLst/>
+            <a:cxnLst/>
+            <a:rect l="0" t="0" r="0" b="0"/>
             <a:pathLst>
-              <a:path extrusionOk="0" h="120000" w="120000">
+              <a:path w="120000" h="120000" extrusionOk="0">
                 <a:moveTo>
                   <a:pt x="0" y="0"/>
                 </a:moveTo>
@@ -838,9 +977,11 @@
       <p:sp>
         <p:nvSpPr>
           <p:cNvPr id="159" name="Shape 159"/>
-          <p:cNvSpPr txBox="1"/>
+          <p:cNvSpPr txBox="1">
+            <a:spLocks noGrp="1"/>
+          </p:cNvSpPr>
           <p:nvPr>
-            <p:ph idx="1" type="body"/>
+            <p:ph type="body" idx="1"/>
           </p:nvPr>
         </p:nvSpPr>
         <p:spPr>
@@ -853,7 +994,7 @@
           </a:prstGeom>
         </p:spPr>
         <p:txBody>
-          <a:bodyPr anchorCtr="0" anchor="t" bIns="91425" lIns="91425" rIns="91425" wrap="square" tIns="91425">
+          <a:bodyPr wrap="square" lIns="91425" tIns="91425" rIns="91425" bIns="91425" anchor="t" anchorCtr="0">
             <a:noAutofit/>
           </a:bodyPr>
           <a:lstStyle/>
@@ -864,9 +1005,6 @@
               </a:spcBef>
               <a:buNone/>
             </a:pPr>
-            <a:r>
-              <a:t/>
-            </a:r>
             <a:endParaRPr/>
           </a:p>
         </p:txBody>
@@ -880,11 +1018,11 @@
 </file>
 
 <file path=ppt/slideLayouts/slideLayout1.xml><?xml version="1.0" encoding="utf-8"?>
-<p:sldLayout xmlns:a="http://schemas.openxmlformats.org/drawingml/2006/main" xmlns:r="http://schemas.openxmlformats.org/officeDocument/2006/relationships" xmlns:mc="http://schemas.openxmlformats.org/markup-compatibility/2006" xmlns:mv="urn:schemas-microsoft-com:mac:vml" xmlns:p="http://schemas.openxmlformats.org/presentationml/2006/main" xmlns:c="http://schemas.openxmlformats.org/drawingml/2006/chart" xmlns:dgm="http://schemas.openxmlformats.org/drawingml/2006/diagram" xmlns:o="urn:schemas-microsoft-com:office:office" xmlns:v="urn:schemas-microsoft-com:vml" xmlns:pvml="urn:schemas-microsoft-com:office:powerpoint" xmlns:com="http://schemas.openxmlformats.org/drawingml/2006/compatibility" xmlns:p14="http://schemas.microsoft.com/office/powerpoint/2010/main" xmlns:p15="http://schemas.microsoft.com/office/powerpoint/2012/main" type="title">
+<p:sldLayout xmlns:a="http://schemas.openxmlformats.org/drawingml/2006/main" xmlns:r="http://schemas.openxmlformats.org/officeDocument/2006/relationships" xmlns:p="http://schemas.openxmlformats.org/presentationml/2006/main" type="title">
   <p:cSld name="Title slide">
     <p:spTree>
       <p:nvGrpSpPr>
-        <p:cNvPr id="9" name="Shape 9"/>
+        <p:cNvPr id="1" name="Shape 9"/>
         <p:cNvGrpSpPr/>
         <p:nvPr/>
       </p:nvGrpSpPr>
@@ -909,7 +1047,7 @@
           </a:xfrm>
           <a:prstGeom prst="diagStripe">
             <a:avLst>
-              <a:gd fmla="val 0" name="adj"/>
+              <a:gd name="adj" fmla="val 0"/>
             </a:avLst>
           </a:prstGeom>
           <a:solidFill>
@@ -922,7 +1060,7 @@
           </a:ln>
         </p:spPr>
         <p:txBody>
-          <a:bodyPr anchorCtr="0" anchor="ctr" bIns="91425" lIns="91425" rIns="91425" wrap="square" tIns="91425">
+          <a:bodyPr wrap="square" lIns="91425" tIns="91425" rIns="91425" bIns="91425" anchor="ctr" anchorCtr="0">
             <a:noAutofit/>
           </a:bodyPr>
           <a:lstStyle/>
@@ -933,9 +1071,6 @@
               </a:spcBef>
               <a:buNone/>
             </a:pPr>
-            <a:r>
-              <a:t/>
-            </a:r>
             <a:endParaRPr/>
           </a:p>
         </p:txBody>
@@ -967,7 +1102,7 @@
             </a:xfrm>
             <a:prstGeom prst="diagStripe">
               <a:avLst>
-                <a:gd fmla="val 50000" name="adj"/>
+                <a:gd name="adj" fmla="val 50000"/>
               </a:avLst>
             </a:prstGeom>
             <a:solidFill>
@@ -980,7 +1115,7 @@
             </a:ln>
           </p:spPr>
           <p:txBody>
-            <a:bodyPr anchorCtr="0" anchor="ctr" bIns="91425" lIns="91425" rIns="91425" wrap="square" tIns="91425">
+            <a:bodyPr wrap="square" lIns="91425" tIns="91425" rIns="91425" bIns="91425" anchor="ctr" anchorCtr="0">
               <a:noAutofit/>
             </a:bodyPr>
             <a:lstStyle/>
@@ -991,9 +1126,6 @@
                 </a:spcBef>
                 <a:buNone/>
               </a:pPr>
-              <a:r>
-                <a:t/>
-              </a:r>
               <a:endParaRPr/>
             </a:p>
           </p:txBody>
@@ -1011,7 +1143,7 @@
             </a:xfrm>
             <a:prstGeom prst="diagStripe">
               <a:avLst>
-                <a:gd fmla="val 58774" name="adj"/>
+                <a:gd name="adj" fmla="val 58774"/>
               </a:avLst>
             </a:prstGeom>
             <a:solidFill>
@@ -1024,7 +1156,7 @@
             </a:ln>
           </p:spPr>
           <p:txBody>
-            <a:bodyPr anchorCtr="0" anchor="ctr" bIns="91425" lIns="91425" rIns="91425" wrap="square" tIns="91425">
+            <a:bodyPr wrap="square" lIns="91425" tIns="91425" rIns="91425" bIns="91425" anchor="ctr" anchorCtr="0">
               <a:noAutofit/>
             </a:bodyPr>
             <a:lstStyle/>
@@ -1035,9 +1167,6 @@
                 </a:spcBef>
                 <a:buNone/>
               </a:pPr>
-              <a:r>
-                <a:t/>
-              </a:r>
               <a:endParaRPr/>
             </a:p>
           </p:txBody>
@@ -1055,7 +1184,7 @@
             </a:xfrm>
             <a:prstGeom prst="diagStripe">
               <a:avLst>
-                <a:gd fmla="val 50000" name="adj"/>
+                <a:gd name="adj" fmla="val 50000"/>
               </a:avLst>
             </a:prstGeom>
             <a:solidFill>
@@ -1066,7 +1195,7 @@
             </a:ln>
           </p:spPr>
           <p:txBody>
-            <a:bodyPr anchorCtr="0" anchor="ctr" bIns="91425" lIns="91425" rIns="91425" wrap="square" tIns="91425">
+            <a:bodyPr wrap="square" lIns="91425" tIns="91425" rIns="91425" bIns="91425" anchor="ctr" anchorCtr="0">
               <a:noAutofit/>
             </a:bodyPr>
             <a:lstStyle/>
@@ -1077,9 +1206,6 @@
                 </a:spcBef>
                 <a:buNone/>
               </a:pPr>
-              <a:r>
-                <a:t/>
-              </a:r>
               <a:endParaRPr/>
             </a:p>
           </p:txBody>
@@ -1097,7 +1223,7 @@
             </a:xfrm>
             <a:prstGeom prst="diagStripe">
               <a:avLst>
-                <a:gd fmla="val 50000" name="adj"/>
+                <a:gd name="adj" fmla="val 50000"/>
               </a:avLst>
             </a:prstGeom>
             <a:solidFill>
@@ -1108,7 +1234,7 @@
             </a:ln>
           </p:spPr>
           <p:txBody>
-            <a:bodyPr anchorCtr="0" anchor="ctr" bIns="91425" lIns="91425" rIns="91425" wrap="square" tIns="91425">
+            <a:bodyPr wrap="square" lIns="91425" tIns="91425" rIns="91425" bIns="91425" anchor="ctr" anchorCtr="0">
               <a:noAutofit/>
             </a:bodyPr>
             <a:lstStyle/>
@@ -1119,9 +1245,6 @@
                 </a:spcBef>
                 <a:buNone/>
               </a:pPr>
-              <a:r>
-                <a:t/>
-              </a:r>
               <a:endParaRPr/>
             </a:p>
           </p:txBody>
@@ -1130,7 +1253,9 @@
       <p:sp>
         <p:nvSpPr>
           <p:cNvPr id="16" name="Shape 16"/>
-          <p:cNvSpPr txBox="1"/>
+          <p:cNvSpPr txBox="1">
+            <a:spLocks noGrp="1"/>
+          </p:cNvSpPr>
           <p:nvPr>
             <p:ph type="ctrTitle"/>
           </p:nvPr>
@@ -1145,7 +1270,7 @@
           </a:prstGeom>
         </p:spPr>
         <p:txBody>
-          <a:bodyPr anchorCtr="0" anchor="t" bIns="91425" lIns="91425" rIns="91425" wrap="square" tIns="91425"/>
+          <a:bodyPr wrap="square" lIns="91425" tIns="91425" rIns="91425" bIns="91425" anchor="t" anchorCtr="0"/>
           <a:lstStyle>
             <a:lvl1pPr lvl="0">
               <a:spcBef>
@@ -1211,15 +1336,19 @@
               <a:defRPr sz="4000"/>
             </a:lvl9pPr>
           </a:lstStyle>
-          <a:p/>
+          <a:p>
+            <a:endParaRPr/>
+          </a:p>
         </p:txBody>
       </p:sp>
       <p:sp>
         <p:nvSpPr>
           <p:cNvPr id="17" name="Shape 17"/>
-          <p:cNvSpPr txBox="1"/>
+          <p:cNvSpPr txBox="1">
+            <a:spLocks noGrp="1"/>
+          </p:cNvSpPr>
           <p:nvPr>
-            <p:ph idx="1" type="subTitle"/>
+            <p:ph type="subTitle" idx="1"/>
           </p:nvPr>
         </p:nvSpPr>
         <p:spPr>
@@ -1232,7 +1361,7 @@
           </a:prstGeom>
         </p:spPr>
         <p:txBody>
-          <a:bodyPr anchorCtr="0" anchor="t" bIns="91425" lIns="91425" rIns="91425" wrap="square" tIns="91425"/>
+          <a:bodyPr wrap="square" lIns="91425" tIns="91425" rIns="91425" bIns="91425" anchor="t" anchorCtr="0"/>
           <a:lstStyle>
             <a:lvl1pPr lvl="0">
               <a:lnSpc>
@@ -1360,15 +1489,19 @@
               <a:defRPr sz="1300"/>
             </a:lvl9pPr>
           </a:lstStyle>
-          <a:p/>
+          <a:p>
+            <a:endParaRPr/>
+          </a:p>
         </p:txBody>
       </p:sp>
       <p:sp>
         <p:nvSpPr>
           <p:cNvPr id="18" name="Shape 18"/>
-          <p:cNvSpPr txBox="1"/>
+          <p:cNvSpPr txBox="1">
+            <a:spLocks noGrp="1"/>
+          </p:cNvSpPr>
           <p:nvPr>
-            <p:ph idx="12" type="sldNum"/>
+            <p:ph type="sldNum" idx="12"/>
           </p:nvPr>
         </p:nvSpPr>
         <p:spPr>
@@ -1381,7 +1514,7 @@
           </a:prstGeom>
         </p:spPr>
         <p:txBody>
-          <a:bodyPr anchorCtr="0" anchor="ctr" bIns="91425" lIns="91425" rIns="91425" wrap="square" tIns="91425">
+          <a:bodyPr wrap="square" lIns="91425" tIns="91425" rIns="91425" bIns="91425" anchor="ctr" anchorCtr="0">
             <a:noAutofit/>
           </a:bodyPr>
           <a:lstStyle/>
@@ -1394,8 +1527,15 @@
             </a:pPr>
             <a:fld id="{00000000-1234-1234-1234-123412341234}" type="slidenum">
               <a:rPr lang="en"/>
+              <a:pPr lvl="0">
+                <a:spcBef>
+                  <a:spcPts val="0"/>
+                </a:spcBef>
+                <a:buNone/>
+              </a:pPr>
               <a:t>‹#›</a:t>
             </a:fld>
+            <a:endParaRPr lang="en"/>
           </a:p>
         </p:txBody>
       </p:sp>
@@ -1408,11 +1548,11 @@
 </file>
 
 <file path=ppt/slideLayouts/slideLayout10.xml><?xml version="1.0" encoding="utf-8"?>
-<p:sldLayout xmlns:a="http://schemas.openxmlformats.org/drawingml/2006/main" xmlns:r="http://schemas.openxmlformats.org/officeDocument/2006/relationships" xmlns:mc="http://schemas.openxmlformats.org/markup-compatibility/2006" xmlns:mv="urn:schemas-microsoft-com:mac:vml" xmlns:p="http://schemas.openxmlformats.org/presentationml/2006/main" xmlns:c="http://schemas.openxmlformats.org/drawingml/2006/chart" xmlns:dgm="http://schemas.openxmlformats.org/drawingml/2006/diagram" xmlns:o="urn:schemas-microsoft-com:office:office" xmlns:v="urn:schemas-microsoft-com:vml" xmlns:pvml="urn:schemas-microsoft-com:office:powerpoint" xmlns:com="http://schemas.openxmlformats.org/drawingml/2006/compatibility" xmlns:p14="http://schemas.microsoft.com/office/powerpoint/2010/main" xmlns:p15="http://schemas.microsoft.com/office/powerpoint/2012/main">
+<p:sldLayout xmlns:a="http://schemas.openxmlformats.org/drawingml/2006/main" xmlns:r="http://schemas.openxmlformats.org/officeDocument/2006/relationships" xmlns:p="http://schemas.openxmlformats.org/presentationml/2006/main">
   <p:cSld name="Big number">
     <p:spTree>
       <p:nvGrpSpPr>
-        <p:cNvPr id="105" name="Shape 105"/>
+        <p:cNvPr id="1" name="Shape 105"/>
         <p:cNvGrpSpPr/>
         <p:nvPr/>
       </p:nvGrpSpPr>
@@ -1451,7 +1591,7 @@
             </a:xfrm>
             <a:prstGeom prst="diagStripe">
               <a:avLst>
-                <a:gd fmla="val 49469" name="adj"/>
+                <a:gd name="adj" fmla="val 49469"/>
               </a:avLst>
             </a:prstGeom>
             <a:solidFill>
@@ -1464,7 +1604,7 @@
             </a:ln>
           </p:spPr>
           <p:txBody>
-            <a:bodyPr anchorCtr="0" anchor="ctr" bIns="91425" lIns="91425" rIns="91425" wrap="square" tIns="91425">
+            <a:bodyPr wrap="square" lIns="91425" tIns="91425" rIns="91425" bIns="91425" anchor="ctr" anchorCtr="0">
               <a:noAutofit/>
             </a:bodyPr>
             <a:lstStyle/>
@@ -1475,9 +1615,6 @@
                 </a:spcBef>
                 <a:buNone/>
               </a:pPr>
-              <a:r>
-                <a:t/>
-              </a:r>
               <a:endParaRPr/>
             </a:p>
           </p:txBody>
@@ -1495,7 +1632,7 @@
             </a:xfrm>
             <a:prstGeom prst="diagStripe">
               <a:avLst>
-                <a:gd fmla="val 0" name="adj"/>
+                <a:gd name="adj" fmla="val 0"/>
               </a:avLst>
             </a:prstGeom>
             <a:solidFill>
@@ -1508,7 +1645,7 @@
             </a:ln>
           </p:spPr>
           <p:txBody>
-            <a:bodyPr anchorCtr="0" anchor="ctr" bIns="91425" lIns="91425" rIns="91425" wrap="square" tIns="91425">
+            <a:bodyPr wrap="square" lIns="91425" tIns="91425" rIns="91425" bIns="91425" anchor="ctr" anchorCtr="0">
               <a:noAutofit/>
             </a:bodyPr>
             <a:lstStyle/>
@@ -1519,9 +1656,6 @@
                 </a:spcBef>
                 <a:buNone/>
               </a:pPr>
-              <a:r>
-                <a:t/>
-              </a:r>
               <a:endParaRPr/>
             </a:p>
           </p:txBody>
@@ -1539,7 +1673,7 @@
             </a:xfrm>
             <a:prstGeom prst="diagStripe">
               <a:avLst>
-                <a:gd fmla="val 50000" name="adj"/>
+                <a:gd name="adj" fmla="val 50000"/>
               </a:avLst>
             </a:prstGeom>
             <a:solidFill>
@@ -1552,7 +1686,7 @@
             </a:ln>
           </p:spPr>
           <p:txBody>
-            <a:bodyPr anchorCtr="0" anchor="ctr" bIns="91425" lIns="91425" rIns="91425" wrap="square" tIns="91425">
+            <a:bodyPr wrap="square" lIns="91425" tIns="91425" rIns="91425" bIns="91425" anchor="ctr" anchorCtr="0">
               <a:noAutofit/>
             </a:bodyPr>
             <a:lstStyle/>
@@ -1563,9 +1697,6 @@
                 </a:spcBef>
                 <a:buNone/>
               </a:pPr>
-              <a:r>
-                <a:t/>
-              </a:r>
               <a:endParaRPr/>
             </a:p>
           </p:txBody>
@@ -1583,7 +1714,7 @@
             </a:xfrm>
             <a:prstGeom prst="diagStripe">
               <a:avLst>
-                <a:gd fmla="val 50000" name="adj"/>
+                <a:gd name="adj" fmla="val 50000"/>
               </a:avLst>
             </a:prstGeom>
             <a:solidFill>
@@ -1596,7 +1727,7 @@
             </a:ln>
           </p:spPr>
           <p:txBody>
-            <a:bodyPr anchorCtr="0" anchor="ctr" bIns="91425" lIns="91425" rIns="91425" wrap="square" tIns="91425">
+            <a:bodyPr wrap="square" lIns="91425" tIns="91425" rIns="91425" bIns="91425" anchor="ctr" anchorCtr="0">
               <a:noAutofit/>
             </a:bodyPr>
             <a:lstStyle/>
@@ -1607,9 +1738,6 @@
                 </a:spcBef>
                 <a:buNone/>
               </a:pPr>
-              <a:r>
-                <a:t/>
-              </a:r>
               <a:endParaRPr/>
             </a:p>
           </p:txBody>
@@ -1627,7 +1755,7 @@
             </a:xfrm>
             <a:prstGeom prst="diagStripe">
               <a:avLst>
-                <a:gd fmla="val 50000" name="adj"/>
+                <a:gd name="adj" fmla="val 50000"/>
               </a:avLst>
             </a:prstGeom>
             <a:solidFill>
@@ -1640,7 +1768,7 @@
             </a:ln>
           </p:spPr>
           <p:txBody>
-            <a:bodyPr anchorCtr="0" anchor="ctr" bIns="91425" lIns="91425" rIns="91425" wrap="square" tIns="91425">
+            <a:bodyPr wrap="square" lIns="91425" tIns="91425" rIns="91425" bIns="91425" anchor="ctr" anchorCtr="0">
               <a:noAutofit/>
             </a:bodyPr>
             <a:lstStyle/>
@@ -1651,9 +1779,6 @@
                 </a:spcBef>
                 <a:buNone/>
               </a:pPr>
-              <a:r>
-                <a:t/>
-              </a:r>
               <a:endParaRPr/>
             </a:p>
           </p:txBody>
@@ -1671,7 +1796,7 @@
             </a:xfrm>
             <a:prstGeom prst="diagStripe">
               <a:avLst>
-                <a:gd fmla="val 50000" name="adj"/>
+                <a:gd name="adj" fmla="val 50000"/>
               </a:avLst>
             </a:prstGeom>
             <a:solidFill>
@@ -1684,7 +1809,7 @@
             </a:ln>
           </p:spPr>
           <p:txBody>
-            <a:bodyPr anchorCtr="0" anchor="ctr" bIns="91425" lIns="91425" rIns="91425" wrap="square" tIns="91425">
+            <a:bodyPr wrap="square" lIns="91425" tIns="91425" rIns="91425" bIns="91425" anchor="ctr" anchorCtr="0">
               <a:noAutofit/>
             </a:bodyPr>
             <a:lstStyle/>
@@ -1695,9 +1820,6 @@
                 </a:spcBef>
                 <a:buNone/>
               </a:pPr>
-              <a:r>
-                <a:t/>
-              </a:r>
               <a:endParaRPr/>
             </a:p>
           </p:txBody>
@@ -1715,7 +1837,7 @@
             </a:xfrm>
             <a:prstGeom prst="diagStripe">
               <a:avLst>
-                <a:gd fmla="val 50000" name="adj"/>
+                <a:gd name="adj" fmla="val 50000"/>
               </a:avLst>
             </a:prstGeom>
             <a:solidFill>
@@ -1728,7 +1850,7 @@
             </a:ln>
           </p:spPr>
           <p:txBody>
-            <a:bodyPr anchorCtr="0" anchor="ctr" bIns="91425" lIns="91425" rIns="91425" wrap="square" tIns="91425">
+            <a:bodyPr wrap="square" lIns="91425" tIns="91425" rIns="91425" bIns="91425" anchor="ctr" anchorCtr="0">
               <a:noAutofit/>
             </a:bodyPr>
             <a:lstStyle/>
@@ -1739,9 +1861,6 @@
                 </a:spcBef>
                 <a:buNone/>
               </a:pPr>
-              <a:r>
-                <a:t/>
-              </a:r>
               <a:endParaRPr/>
             </a:p>
           </p:txBody>
@@ -1759,7 +1878,7 @@
             </a:xfrm>
             <a:prstGeom prst="diagStripe">
               <a:avLst>
-                <a:gd fmla="val 50000" name="adj"/>
+                <a:gd name="adj" fmla="val 50000"/>
               </a:avLst>
             </a:prstGeom>
             <a:solidFill>
@@ -1770,7 +1889,7 @@
             </a:ln>
           </p:spPr>
           <p:txBody>
-            <a:bodyPr anchorCtr="0" anchor="ctr" bIns="91425" lIns="91425" rIns="91425" wrap="square" tIns="91425">
+            <a:bodyPr wrap="square" lIns="91425" tIns="91425" rIns="91425" bIns="91425" anchor="ctr" anchorCtr="0">
               <a:noAutofit/>
             </a:bodyPr>
             <a:lstStyle/>
@@ -1781,9 +1900,6 @@
                 </a:spcBef>
                 <a:buNone/>
               </a:pPr>
-              <a:r>
-                <a:t/>
-              </a:r>
               <a:endParaRPr/>
             </a:p>
           </p:txBody>
@@ -1801,7 +1917,7 @@
             </a:xfrm>
             <a:prstGeom prst="diagStripe">
               <a:avLst>
-                <a:gd fmla="val 50000" name="adj"/>
+                <a:gd name="adj" fmla="val 50000"/>
               </a:avLst>
             </a:prstGeom>
             <a:solidFill>
@@ -1814,7 +1930,7 @@
             </a:ln>
           </p:spPr>
           <p:txBody>
-            <a:bodyPr anchorCtr="0" anchor="ctr" bIns="91425" lIns="91425" rIns="91425" wrap="square" tIns="91425">
+            <a:bodyPr wrap="square" lIns="91425" tIns="91425" rIns="91425" bIns="91425" anchor="ctr" anchorCtr="0">
               <a:noAutofit/>
             </a:bodyPr>
             <a:lstStyle/>
@@ -1825,9 +1941,6 @@
                 </a:spcBef>
                 <a:buNone/>
               </a:pPr>
-              <a:r>
-                <a:t/>
-              </a:r>
               <a:endParaRPr/>
             </a:p>
           </p:txBody>
@@ -1845,7 +1958,7 @@
             </a:xfrm>
             <a:prstGeom prst="diagStripe">
               <a:avLst>
-                <a:gd fmla="val 50000" name="adj"/>
+                <a:gd name="adj" fmla="val 50000"/>
               </a:avLst>
             </a:prstGeom>
             <a:solidFill>
@@ -1858,7 +1971,7 @@
             </a:ln>
           </p:spPr>
           <p:txBody>
-            <a:bodyPr anchorCtr="0" anchor="ctr" bIns="91425" lIns="91425" rIns="91425" wrap="square" tIns="91425">
+            <a:bodyPr wrap="square" lIns="91425" tIns="91425" rIns="91425" bIns="91425" anchor="ctr" anchorCtr="0">
               <a:noAutofit/>
             </a:bodyPr>
             <a:lstStyle/>
@@ -1869,9 +1982,6 @@
                 </a:spcBef>
                 <a:buNone/>
               </a:pPr>
-              <a:r>
-                <a:t/>
-              </a:r>
               <a:endParaRPr/>
             </a:p>
           </p:txBody>
@@ -1889,7 +1999,7 @@
             </a:xfrm>
             <a:prstGeom prst="diagStripe">
               <a:avLst>
-                <a:gd fmla="val 50000" name="adj"/>
+                <a:gd name="adj" fmla="val 50000"/>
               </a:avLst>
             </a:prstGeom>
             <a:solidFill>
@@ -1902,7 +2012,7 @@
             </a:ln>
           </p:spPr>
           <p:txBody>
-            <a:bodyPr anchorCtr="0" anchor="ctr" bIns="91425" lIns="91425" rIns="91425" wrap="square" tIns="91425">
+            <a:bodyPr wrap="square" lIns="91425" tIns="91425" rIns="91425" bIns="91425" anchor="ctr" anchorCtr="0">
               <a:noAutofit/>
             </a:bodyPr>
             <a:lstStyle/>
@@ -1913,9 +2023,6 @@
                 </a:spcBef>
                 <a:buNone/>
               </a:pPr>
-              <a:r>
-                <a:t/>
-              </a:r>
               <a:endParaRPr/>
             </a:p>
           </p:txBody>
@@ -1933,7 +2040,7 @@
             </a:xfrm>
             <a:prstGeom prst="diagStripe">
               <a:avLst>
-                <a:gd fmla="val 50000" name="adj"/>
+                <a:gd name="adj" fmla="val 50000"/>
               </a:avLst>
             </a:prstGeom>
             <a:solidFill>
@@ -1946,7 +2053,7 @@
             </a:ln>
           </p:spPr>
           <p:txBody>
-            <a:bodyPr anchorCtr="0" anchor="ctr" bIns="91425" lIns="91425" rIns="91425" wrap="square" tIns="91425">
+            <a:bodyPr wrap="square" lIns="91425" tIns="91425" rIns="91425" bIns="91425" anchor="ctr" anchorCtr="0">
               <a:noAutofit/>
             </a:bodyPr>
             <a:lstStyle/>
@@ -1957,9 +2064,6 @@
                 </a:spcBef>
                 <a:buNone/>
               </a:pPr>
-              <a:r>
-                <a:t/>
-              </a:r>
               <a:endParaRPr/>
             </a:p>
           </p:txBody>
@@ -1977,7 +2081,7 @@
             </a:xfrm>
             <a:prstGeom prst="diagStripe">
               <a:avLst>
-                <a:gd fmla="val 50000" name="adj"/>
+                <a:gd name="adj" fmla="val 50000"/>
               </a:avLst>
             </a:prstGeom>
             <a:solidFill>
@@ -1990,7 +2094,7 @@
             </a:ln>
           </p:spPr>
           <p:txBody>
-            <a:bodyPr anchorCtr="0" anchor="ctr" bIns="91425" lIns="91425" rIns="91425" wrap="square" tIns="91425">
+            <a:bodyPr wrap="square" lIns="91425" tIns="91425" rIns="91425" bIns="91425" anchor="ctr" anchorCtr="0">
               <a:noAutofit/>
             </a:bodyPr>
             <a:lstStyle/>
@@ -2001,9 +2105,6 @@
                 </a:spcBef>
                 <a:buNone/>
               </a:pPr>
-              <a:r>
-                <a:t/>
-              </a:r>
               <a:endParaRPr/>
             </a:p>
           </p:txBody>
@@ -2021,7 +2122,7 @@
             </a:xfrm>
             <a:prstGeom prst="diagStripe">
               <a:avLst>
-                <a:gd fmla="val 50000" name="adj"/>
+                <a:gd name="adj" fmla="val 50000"/>
               </a:avLst>
             </a:prstGeom>
             <a:solidFill>
@@ -2032,7 +2133,7 @@
             </a:ln>
           </p:spPr>
           <p:txBody>
-            <a:bodyPr anchorCtr="0" anchor="ctr" bIns="91425" lIns="91425" rIns="91425" wrap="square" tIns="91425">
+            <a:bodyPr wrap="square" lIns="91425" tIns="91425" rIns="91425" bIns="91425" anchor="ctr" anchorCtr="0">
               <a:noAutofit/>
             </a:bodyPr>
             <a:lstStyle/>
@@ -2043,9 +2144,6 @@
                 </a:spcBef>
                 <a:buNone/>
               </a:pPr>
-              <a:r>
-                <a:t/>
-              </a:r>
               <a:endParaRPr/>
             </a:p>
           </p:txBody>
@@ -2063,7 +2161,7 @@
             </a:xfrm>
             <a:prstGeom prst="diagStripe">
               <a:avLst>
-                <a:gd fmla="val 50000" name="adj"/>
+                <a:gd name="adj" fmla="val 50000"/>
               </a:avLst>
             </a:prstGeom>
             <a:solidFill>
@@ -2076,7 +2174,7 @@
             </a:ln>
           </p:spPr>
           <p:txBody>
-            <a:bodyPr anchorCtr="0" anchor="ctr" bIns="91425" lIns="91425" rIns="91425" wrap="square" tIns="91425">
+            <a:bodyPr wrap="square" lIns="91425" tIns="91425" rIns="91425" bIns="91425" anchor="ctr" anchorCtr="0">
               <a:noAutofit/>
             </a:bodyPr>
             <a:lstStyle/>
@@ -2087,9 +2185,6 @@
                 </a:spcBef>
                 <a:buNone/>
               </a:pPr>
-              <a:r>
-                <a:t/>
-              </a:r>
               <a:endParaRPr/>
             </a:p>
           </p:txBody>
@@ -2107,7 +2202,7 @@
             </a:xfrm>
             <a:prstGeom prst="diagStripe">
               <a:avLst>
-                <a:gd fmla="val 50000" name="adj"/>
+                <a:gd name="adj" fmla="val 50000"/>
               </a:avLst>
             </a:prstGeom>
             <a:solidFill>
@@ -2120,7 +2215,7 @@
             </a:ln>
           </p:spPr>
           <p:txBody>
-            <a:bodyPr anchorCtr="0" anchor="ctr" bIns="91425" lIns="91425" rIns="91425" wrap="square" tIns="91425">
+            <a:bodyPr wrap="square" lIns="91425" tIns="91425" rIns="91425" bIns="91425" anchor="ctr" anchorCtr="0">
               <a:noAutofit/>
             </a:bodyPr>
             <a:lstStyle/>
@@ -2131,9 +2226,6 @@
                 </a:spcBef>
                 <a:buNone/>
               </a:pPr>
-              <a:r>
-                <a:t/>
-              </a:r>
               <a:endParaRPr/>
             </a:p>
           </p:txBody>
@@ -2151,7 +2243,7 @@
             </a:xfrm>
             <a:prstGeom prst="diagStripe">
               <a:avLst>
-                <a:gd fmla="val 50000" name="adj"/>
+                <a:gd name="adj" fmla="val 50000"/>
               </a:avLst>
             </a:prstGeom>
             <a:solidFill>
@@ -2164,7 +2256,7 @@
             </a:ln>
           </p:spPr>
           <p:txBody>
-            <a:bodyPr anchorCtr="0" anchor="ctr" bIns="91425" lIns="91425" rIns="91425" wrap="square" tIns="91425">
+            <a:bodyPr wrap="square" lIns="91425" tIns="91425" rIns="91425" bIns="91425" anchor="ctr" anchorCtr="0">
               <a:noAutofit/>
             </a:bodyPr>
             <a:lstStyle/>
@@ -2175,9 +2267,6 @@
                 </a:spcBef>
                 <a:buNone/>
               </a:pPr>
-              <a:r>
-                <a:t/>
-              </a:r>
               <a:endParaRPr/>
             </a:p>
           </p:txBody>
@@ -2195,7 +2284,7 @@
             </a:xfrm>
             <a:prstGeom prst="diagStripe">
               <a:avLst>
-                <a:gd fmla="val 50000" name="adj"/>
+                <a:gd name="adj" fmla="val 50000"/>
               </a:avLst>
             </a:prstGeom>
             <a:solidFill>
@@ -2208,7 +2297,7 @@
             </a:ln>
           </p:spPr>
           <p:txBody>
-            <a:bodyPr anchorCtr="0" anchor="ctr" bIns="91425" lIns="91425" rIns="91425" wrap="square" tIns="91425">
+            <a:bodyPr wrap="square" lIns="91425" tIns="91425" rIns="91425" bIns="91425" anchor="ctr" anchorCtr="0">
               <a:noAutofit/>
             </a:bodyPr>
             <a:lstStyle/>
@@ -2219,9 +2308,6 @@
                 </a:spcBef>
                 <a:buNone/>
               </a:pPr>
-              <a:r>
-                <a:t/>
-              </a:r>
               <a:endParaRPr/>
             </a:p>
           </p:txBody>
@@ -2230,7 +2316,9 @@
       <p:sp>
         <p:nvSpPr>
           <p:cNvPr id="125" name="Shape 125"/>
-          <p:cNvSpPr txBox="1"/>
+          <p:cNvSpPr txBox="1">
+            <a:spLocks noGrp="1"/>
+          </p:cNvSpPr>
           <p:nvPr>
             <p:ph type="title"/>
           </p:nvPr>
@@ -2245,7 +2333,7 @@
           </a:prstGeom>
         </p:spPr>
         <p:txBody>
-          <a:bodyPr anchorCtr="0" anchor="t" bIns="91425" lIns="91425" rIns="91425" wrap="square" tIns="91425"/>
+          <a:bodyPr wrap="square" lIns="91425" tIns="91425" rIns="91425" bIns="91425" anchor="t" anchorCtr="0"/>
           <a:lstStyle>
             <a:lvl1pPr lvl="0">
               <a:spcBef>
@@ -2311,15 +2399,19 @@
               <a:defRPr sz="8000"/>
             </a:lvl9pPr>
           </a:lstStyle>
-          <a:p/>
+          <a:p>
+            <a:endParaRPr/>
+          </a:p>
         </p:txBody>
       </p:sp>
       <p:sp>
         <p:nvSpPr>
           <p:cNvPr id="126" name="Shape 126"/>
-          <p:cNvSpPr txBox="1"/>
+          <p:cNvSpPr txBox="1">
+            <a:spLocks noGrp="1"/>
+          </p:cNvSpPr>
           <p:nvPr>
-            <p:ph idx="1" type="body"/>
+            <p:ph type="body" idx="1"/>
           </p:nvPr>
         </p:nvSpPr>
         <p:spPr>
@@ -2332,7 +2424,7 @@
           </a:prstGeom>
         </p:spPr>
         <p:txBody>
-          <a:bodyPr anchorCtr="0" anchor="t" bIns="91425" lIns="91425" rIns="91425" wrap="square" tIns="91425"/>
+          <a:bodyPr wrap="square" lIns="91425" tIns="91425" rIns="91425" bIns="91425" anchor="t" anchorCtr="0"/>
           <a:lstStyle>
             <a:lvl1pPr lvl="0">
               <a:spcBef>
@@ -2389,15 +2481,19 @@
               <a:defRPr/>
             </a:lvl9pPr>
           </a:lstStyle>
-          <a:p/>
+          <a:p>
+            <a:endParaRPr/>
+          </a:p>
         </p:txBody>
       </p:sp>
       <p:sp>
         <p:nvSpPr>
           <p:cNvPr id="127" name="Shape 127"/>
-          <p:cNvSpPr txBox="1"/>
+          <p:cNvSpPr txBox="1">
+            <a:spLocks noGrp="1"/>
+          </p:cNvSpPr>
           <p:nvPr>
-            <p:ph idx="12" type="sldNum"/>
+            <p:ph type="sldNum" idx="12"/>
           </p:nvPr>
         </p:nvSpPr>
         <p:spPr>
@@ -2410,7 +2506,7 @@
           </a:prstGeom>
         </p:spPr>
         <p:txBody>
-          <a:bodyPr anchorCtr="0" anchor="ctr" bIns="91425" lIns="91425" rIns="91425" wrap="square" tIns="91425">
+          <a:bodyPr wrap="square" lIns="91425" tIns="91425" rIns="91425" bIns="91425" anchor="ctr" anchorCtr="0">
             <a:noAutofit/>
           </a:bodyPr>
           <a:lstStyle/>
@@ -2423,8 +2519,15 @@
             </a:pPr>
             <a:fld id="{00000000-1234-1234-1234-123412341234}" type="slidenum">
               <a:rPr lang="en"/>
+              <a:pPr lvl="0">
+                <a:spcBef>
+                  <a:spcPts val="0"/>
+                </a:spcBef>
+                <a:buNone/>
+              </a:pPr>
               <a:t>‹#›</a:t>
             </a:fld>
+            <a:endParaRPr lang="en"/>
           </a:p>
         </p:txBody>
       </p:sp>
@@ -2437,11 +2540,11 @@
 </file>
 
 <file path=ppt/slideLayouts/slideLayout11.xml><?xml version="1.0" encoding="utf-8"?>
-<p:sldLayout xmlns:a="http://schemas.openxmlformats.org/drawingml/2006/main" xmlns:r="http://schemas.openxmlformats.org/officeDocument/2006/relationships" xmlns:mc="http://schemas.openxmlformats.org/markup-compatibility/2006" xmlns:mv="urn:schemas-microsoft-com:mac:vml" xmlns:p="http://schemas.openxmlformats.org/presentationml/2006/main" xmlns:c="http://schemas.openxmlformats.org/drawingml/2006/chart" xmlns:dgm="http://schemas.openxmlformats.org/drawingml/2006/diagram" xmlns:o="urn:schemas-microsoft-com:office:office" xmlns:v="urn:schemas-microsoft-com:vml" xmlns:pvml="urn:schemas-microsoft-com:office:powerpoint" xmlns:com="http://schemas.openxmlformats.org/drawingml/2006/compatibility" xmlns:p14="http://schemas.microsoft.com/office/powerpoint/2010/main" xmlns:p15="http://schemas.microsoft.com/office/powerpoint/2012/main" type="blank">
+<p:sldLayout xmlns:a="http://schemas.openxmlformats.org/drawingml/2006/main" xmlns:r="http://schemas.openxmlformats.org/officeDocument/2006/relationships" xmlns:p="http://schemas.openxmlformats.org/presentationml/2006/main" type="blank">
   <p:cSld name="Blank">
     <p:spTree>
       <p:nvGrpSpPr>
-        <p:cNvPr id="128" name="Shape 128"/>
+        <p:cNvPr id="1" name="Shape 128"/>
         <p:cNvGrpSpPr/>
         <p:nvPr/>
       </p:nvGrpSpPr>
@@ -2456,9 +2559,11 @@
       <p:sp>
         <p:nvSpPr>
           <p:cNvPr id="129" name="Shape 129"/>
-          <p:cNvSpPr txBox="1"/>
+          <p:cNvSpPr txBox="1">
+            <a:spLocks noGrp="1"/>
+          </p:cNvSpPr>
           <p:nvPr>
-            <p:ph idx="12" type="sldNum"/>
+            <p:ph type="sldNum" idx="12"/>
           </p:nvPr>
         </p:nvSpPr>
         <p:spPr>
@@ -2471,7 +2576,7 @@
           </a:prstGeom>
         </p:spPr>
         <p:txBody>
-          <a:bodyPr anchorCtr="0" anchor="ctr" bIns="91425" lIns="91425" rIns="91425" wrap="square" tIns="91425">
+          <a:bodyPr wrap="square" lIns="91425" tIns="91425" rIns="91425" bIns="91425" anchor="ctr" anchorCtr="0">
             <a:noAutofit/>
           </a:bodyPr>
           <a:lstStyle/>
@@ -2484,8 +2589,15 @@
             </a:pPr>
             <a:fld id="{00000000-1234-1234-1234-123412341234}" type="slidenum">
               <a:rPr lang="en"/>
+              <a:pPr lvl="0">
+                <a:spcBef>
+                  <a:spcPts val="0"/>
+                </a:spcBef>
+                <a:buNone/>
+              </a:pPr>
               <a:t>‹#›</a:t>
             </a:fld>
+            <a:endParaRPr lang="en"/>
           </a:p>
         </p:txBody>
       </p:sp>
@@ -2498,11 +2610,11 @@
 </file>
 
 <file path=ppt/slideLayouts/slideLayout2.xml><?xml version="1.0" encoding="utf-8"?>
-<p:sldLayout xmlns:a="http://schemas.openxmlformats.org/drawingml/2006/main" xmlns:r="http://schemas.openxmlformats.org/officeDocument/2006/relationships" xmlns:mc="http://schemas.openxmlformats.org/markup-compatibility/2006" xmlns:mv="urn:schemas-microsoft-com:mac:vml" xmlns:p="http://schemas.openxmlformats.org/presentationml/2006/main" xmlns:c="http://schemas.openxmlformats.org/drawingml/2006/chart" xmlns:dgm="http://schemas.openxmlformats.org/drawingml/2006/diagram" xmlns:o="urn:schemas-microsoft-com:office:office" xmlns:v="urn:schemas-microsoft-com:vml" xmlns:pvml="urn:schemas-microsoft-com:office:powerpoint" xmlns:com="http://schemas.openxmlformats.org/drawingml/2006/compatibility" xmlns:p14="http://schemas.microsoft.com/office/powerpoint/2010/main" xmlns:p15="http://schemas.microsoft.com/office/powerpoint/2012/main" type="secHead">
+<p:sldLayout xmlns:a="http://schemas.openxmlformats.org/drawingml/2006/main" xmlns:r="http://schemas.openxmlformats.org/officeDocument/2006/relationships" xmlns:p="http://schemas.openxmlformats.org/presentationml/2006/main" type="secHead">
   <p:cSld name="Section header">
     <p:spTree>
       <p:nvGrpSpPr>
-        <p:cNvPr id="19" name="Shape 19"/>
+        <p:cNvPr id="1" name="Shape 19"/>
         <p:cNvGrpSpPr/>
         <p:nvPr/>
       </p:nvGrpSpPr>
@@ -2541,7 +2653,7 @@
             </a:xfrm>
             <a:prstGeom prst="diagStripe">
               <a:avLst>
-                <a:gd fmla="val 49469" name="adj"/>
+                <a:gd name="adj" fmla="val 49469"/>
               </a:avLst>
             </a:prstGeom>
             <a:solidFill>
@@ -2554,7 +2666,7 @@
             </a:ln>
           </p:spPr>
           <p:txBody>
-            <a:bodyPr anchorCtr="0" anchor="ctr" bIns="91425" lIns="91425" rIns="91425" wrap="square" tIns="91425">
+            <a:bodyPr wrap="square" lIns="91425" tIns="91425" rIns="91425" bIns="91425" anchor="ctr" anchorCtr="0">
               <a:noAutofit/>
             </a:bodyPr>
             <a:lstStyle/>
@@ -2565,9 +2677,6 @@
                 </a:spcBef>
                 <a:buNone/>
               </a:pPr>
-              <a:r>
-                <a:t/>
-              </a:r>
               <a:endParaRPr/>
             </a:p>
           </p:txBody>
@@ -2585,7 +2694,7 @@
             </a:xfrm>
             <a:prstGeom prst="diagStripe">
               <a:avLst>
-                <a:gd fmla="val 0" name="adj"/>
+                <a:gd name="adj" fmla="val 0"/>
               </a:avLst>
             </a:prstGeom>
             <a:solidFill>
@@ -2598,7 +2707,7 @@
             </a:ln>
           </p:spPr>
           <p:txBody>
-            <a:bodyPr anchorCtr="0" anchor="ctr" bIns="91425" lIns="91425" rIns="91425" wrap="square" tIns="91425">
+            <a:bodyPr wrap="square" lIns="91425" tIns="91425" rIns="91425" bIns="91425" anchor="ctr" anchorCtr="0">
               <a:noAutofit/>
             </a:bodyPr>
             <a:lstStyle/>
@@ -2609,9 +2718,6 @@
                 </a:spcBef>
                 <a:buNone/>
               </a:pPr>
-              <a:r>
-                <a:t/>
-              </a:r>
               <a:endParaRPr/>
             </a:p>
           </p:txBody>
@@ -2629,7 +2735,7 @@
             </a:xfrm>
             <a:prstGeom prst="diagStripe">
               <a:avLst>
-                <a:gd fmla="val 50000" name="adj"/>
+                <a:gd name="adj" fmla="val 50000"/>
               </a:avLst>
             </a:prstGeom>
             <a:solidFill>
@@ -2642,7 +2748,7 @@
             </a:ln>
           </p:spPr>
           <p:txBody>
-            <a:bodyPr anchorCtr="0" anchor="ctr" bIns="91425" lIns="91425" rIns="91425" wrap="square" tIns="91425">
+            <a:bodyPr wrap="square" lIns="91425" tIns="91425" rIns="91425" bIns="91425" anchor="ctr" anchorCtr="0">
               <a:noAutofit/>
             </a:bodyPr>
             <a:lstStyle/>
@@ -2653,9 +2759,6 @@
                 </a:spcBef>
                 <a:buNone/>
               </a:pPr>
-              <a:r>
-                <a:t/>
-              </a:r>
               <a:endParaRPr/>
             </a:p>
           </p:txBody>
@@ -2673,7 +2776,7 @@
             </a:xfrm>
             <a:prstGeom prst="diagStripe">
               <a:avLst>
-                <a:gd fmla="val 50000" name="adj"/>
+                <a:gd name="adj" fmla="val 50000"/>
               </a:avLst>
             </a:prstGeom>
             <a:solidFill>
@@ -2686,7 +2789,7 @@
             </a:ln>
           </p:spPr>
           <p:txBody>
-            <a:bodyPr anchorCtr="0" anchor="ctr" bIns="91425" lIns="91425" rIns="91425" wrap="square" tIns="91425">
+            <a:bodyPr wrap="square" lIns="91425" tIns="91425" rIns="91425" bIns="91425" anchor="ctr" anchorCtr="0">
               <a:noAutofit/>
             </a:bodyPr>
             <a:lstStyle/>
@@ -2697,9 +2800,6 @@
                 </a:spcBef>
                 <a:buNone/>
               </a:pPr>
-              <a:r>
-                <a:t/>
-              </a:r>
               <a:endParaRPr/>
             </a:p>
           </p:txBody>
@@ -2717,7 +2817,7 @@
             </a:xfrm>
             <a:prstGeom prst="diagStripe">
               <a:avLst>
-                <a:gd fmla="val 50000" name="adj"/>
+                <a:gd name="adj" fmla="val 50000"/>
               </a:avLst>
             </a:prstGeom>
             <a:solidFill>
@@ -2730,7 +2830,7 @@
             </a:ln>
           </p:spPr>
           <p:txBody>
-            <a:bodyPr anchorCtr="0" anchor="ctr" bIns="91425" lIns="91425" rIns="91425" wrap="square" tIns="91425">
+            <a:bodyPr wrap="square" lIns="91425" tIns="91425" rIns="91425" bIns="91425" anchor="ctr" anchorCtr="0">
               <a:noAutofit/>
             </a:bodyPr>
             <a:lstStyle/>
@@ -2741,9 +2841,6 @@
                 </a:spcBef>
                 <a:buNone/>
               </a:pPr>
-              <a:r>
-                <a:t/>
-              </a:r>
               <a:endParaRPr/>
             </a:p>
           </p:txBody>
@@ -2761,7 +2858,7 @@
             </a:xfrm>
             <a:prstGeom prst="diagStripe">
               <a:avLst>
-                <a:gd fmla="val 50000" name="adj"/>
+                <a:gd name="adj" fmla="val 50000"/>
               </a:avLst>
             </a:prstGeom>
             <a:solidFill>
@@ -2774,7 +2871,7 @@
             </a:ln>
           </p:spPr>
           <p:txBody>
-            <a:bodyPr anchorCtr="0" anchor="ctr" bIns="91425" lIns="91425" rIns="91425" wrap="square" tIns="91425">
+            <a:bodyPr wrap="square" lIns="91425" tIns="91425" rIns="91425" bIns="91425" anchor="ctr" anchorCtr="0">
               <a:noAutofit/>
             </a:bodyPr>
             <a:lstStyle/>
@@ -2785,9 +2882,6 @@
                 </a:spcBef>
                 <a:buNone/>
               </a:pPr>
-              <a:r>
-                <a:t/>
-              </a:r>
               <a:endParaRPr/>
             </a:p>
           </p:txBody>
@@ -2805,7 +2899,7 @@
             </a:xfrm>
             <a:prstGeom prst="diagStripe">
               <a:avLst>
-                <a:gd fmla="val 50000" name="adj"/>
+                <a:gd name="adj" fmla="val 50000"/>
               </a:avLst>
             </a:prstGeom>
             <a:solidFill>
@@ -2818,7 +2912,7 @@
             </a:ln>
           </p:spPr>
           <p:txBody>
-            <a:bodyPr anchorCtr="0" anchor="ctr" bIns="91425" lIns="91425" rIns="91425" wrap="square" tIns="91425">
+            <a:bodyPr wrap="square" lIns="91425" tIns="91425" rIns="91425" bIns="91425" anchor="ctr" anchorCtr="0">
               <a:noAutofit/>
             </a:bodyPr>
             <a:lstStyle/>
@@ -2829,9 +2923,6 @@
                 </a:spcBef>
                 <a:buNone/>
               </a:pPr>
-              <a:r>
-                <a:t/>
-              </a:r>
               <a:endParaRPr/>
             </a:p>
           </p:txBody>
@@ -2849,7 +2940,7 @@
             </a:xfrm>
             <a:prstGeom prst="diagStripe">
               <a:avLst>
-                <a:gd fmla="val 50000" name="adj"/>
+                <a:gd name="adj" fmla="val 50000"/>
               </a:avLst>
             </a:prstGeom>
             <a:solidFill>
@@ -2860,7 +2951,7 @@
             </a:ln>
           </p:spPr>
           <p:txBody>
-            <a:bodyPr anchorCtr="0" anchor="ctr" bIns="91425" lIns="91425" rIns="91425" wrap="square" tIns="91425">
+            <a:bodyPr wrap="square" lIns="91425" tIns="91425" rIns="91425" bIns="91425" anchor="ctr" anchorCtr="0">
               <a:noAutofit/>
             </a:bodyPr>
             <a:lstStyle/>
@@ -2871,9 +2962,6 @@
                 </a:spcBef>
                 <a:buNone/>
               </a:pPr>
-              <a:r>
-                <a:t/>
-              </a:r>
               <a:endParaRPr/>
             </a:p>
           </p:txBody>
@@ -2891,7 +2979,7 @@
             </a:xfrm>
             <a:prstGeom prst="diagStripe">
               <a:avLst>
-                <a:gd fmla="val 50000" name="adj"/>
+                <a:gd name="adj" fmla="val 50000"/>
               </a:avLst>
             </a:prstGeom>
             <a:solidFill>
@@ -2904,7 +2992,7 @@
             </a:ln>
           </p:spPr>
           <p:txBody>
-            <a:bodyPr anchorCtr="0" anchor="ctr" bIns="91425" lIns="91425" rIns="91425" wrap="square" tIns="91425">
+            <a:bodyPr wrap="square" lIns="91425" tIns="91425" rIns="91425" bIns="91425" anchor="ctr" anchorCtr="0">
               <a:noAutofit/>
             </a:bodyPr>
             <a:lstStyle/>
@@ -2915,9 +3003,6 @@
                 </a:spcBef>
                 <a:buNone/>
               </a:pPr>
-              <a:r>
-                <a:t/>
-              </a:r>
               <a:endParaRPr/>
             </a:p>
           </p:txBody>
@@ -2935,7 +3020,7 @@
             </a:xfrm>
             <a:prstGeom prst="diagStripe">
               <a:avLst>
-                <a:gd fmla="val 50000" name="adj"/>
+                <a:gd name="adj" fmla="val 50000"/>
               </a:avLst>
             </a:prstGeom>
             <a:solidFill>
@@ -2948,7 +3033,7 @@
             </a:ln>
           </p:spPr>
           <p:txBody>
-            <a:bodyPr anchorCtr="0" anchor="ctr" bIns="91425" lIns="91425" rIns="91425" wrap="square" tIns="91425">
+            <a:bodyPr wrap="square" lIns="91425" tIns="91425" rIns="91425" bIns="91425" anchor="ctr" anchorCtr="0">
               <a:noAutofit/>
             </a:bodyPr>
             <a:lstStyle/>
@@ -2959,9 +3044,6 @@
                 </a:spcBef>
                 <a:buNone/>
               </a:pPr>
-              <a:r>
-                <a:t/>
-              </a:r>
               <a:endParaRPr/>
             </a:p>
           </p:txBody>
@@ -2979,7 +3061,7 @@
             </a:xfrm>
             <a:prstGeom prst="diagStripe">
               <a:avLst>
-                <a:gd fmla="val 50000" name="adj"/>
+                <a:gd name="adj" fmla="val 50000"/>
               </a:avLst>
             </a:prstGeom>
             <a:solidFill>
@@ -2992,7 +3074,7 @@
             </a:ln>
           </p:spPr>
           <p:txBody>
-            <a:bodyPr anchorCtr="0" anchor="ctr" bIns="91425" lIns="91425" rIns="91425" wrap="square" tIns="91425">
+            <a:bodyPr wrap="square" lIns="91425" tIns="91425" rIns="91425" bIns="91425" anchor="ctr" anchorCtr="0">
               <a:noAutofit/>
             </a:bodyPr>
             <a:lstStyle/>
@@ -3003,9 +3085,6 @@
                 </a:spcBef>
                 <a:buNone/>
               </a:pPr>
-              <a:r>
-                <a:t/>
-              </a:r>
               <a:endParaRPr/>
             </a:p>
           </p:txBody>
@@ -3023,7 +3102,7 @@
             </a:xfrm>
             <a:prstGeom prst="diagStripe">
               <a:avLst>
-                <a:gd fmla="val 50000" name="adj"/>
+                <a:gd name="adj" fmla="val 50000"/>
               </a:avLst>
             </a:prstGeom>
             <a:solidFill>
@@ -3036,7 +3115,7 @@
             </a:ln>
           </p:spPr>
           <p:txBody>
-            <a:bodyPr anchorCtr="0" anchor="ctr" bIns="91425" lIns="91425" rIns="91425" wrap="square" tIns="91425">
+            <a:bodyPr wrap="square" lIns="91425" tIns="91425" rIns="91425" bIns="91425" anchor="ctr" anchorCtr="0">
               <a:noAutofit/>
             </a:bodyPr>
             <a:lstStyle/>
@@ -3047,9 +3126,6 @@
                 </a:spcBef>
                 <a:buNone/>
               </a:pPr>
-              <a:r>
-                <a:t/>
-              </a:r>
               <a:endParaRPr/>
             </a:p>
           </p:txBody>
@@ -3067,7 +3143,7 @@
             </a:xfrm>
             <a:prstGeom prst="diagStripe">
               <a:avLst>
-                <a:gd fmla="val 50000" name="adj"/>
+                <a:gd name="adj" fmla="val 50000"/>
               </a:avLst>
             </a:prstGeom>
             <a:solidFill>
@@ -3080,7 +3156,7 @@
             </a:ln>
           </p:spPr>
           <p:txBody>
-            <a:bodyPr anchorCtr="0" anchor="ctr" bIns="91425" lIns="91425" rIns="91425" wrap="square" tIns="91425">
+            <a:bodyPr wrap="square" lIns="91425" tIns="91425" rIns="91425" bIns="91425" anchor="ctr" anchorCtr="0">
               <a:noAutofit/>
             </a:bodyPr>
             <a:lstStyle/>
@@ -3091,9 +3167,6 @@
                 </a:spcBef>
                 <a:buNone/>
               </a:pPr>
-              <a:r>
-                <a:t/>
-              </a:r>
               <a:endParaRPr/>
             </a:p>
           </p:txBody>
@@ -3111,7 +3184,7 @@
             </a:xfrm>
             <a:prstGeom prst="diagStripe">
               <a:avLst>
-                <a:gd fmla="val 50000" name="adj"/>
+                <a:gd name="adj" fmla="val 50000"/>
               </a:avLst>
             </a:prstGeom>
             <a:solidFill>
@@ -3122,7 +3195,7 @@
             </a:ln>
           </p:spPr>
           <p:txBody>
-            <a:bodyPr anchorCtr="0" anchor="ctr" bIns="91425" lIns="91425" rIns="91425" wrap="square" tIns="91425">
+            <a:bodyPr wrap="square" lIns="91425" tIns="91425" rIns="91425" bIns="91425" anchor="ctr" anchorCtr="0">
               <a:noAutofit/>
             </a:bodyPr>
             <a:lstStyle/>
@@ -3133,9 +3206,6 @@
                 </a:spcBef>
                 <a:buNone/>
               </a:pPr>
-              <a:r>
-                <a:t/>
-              </a:r>
               <a:endParaRPr/>
             </a:p>
           </p:txBody>
@@ -3153,7 +3223,7 @@
             </a:xfrm>
             <a:prstGeom prst="diagStripe">
               <a:avLst>
-                <a:gd fmla="val 50000" name="adj"/>
+                <a:gd name="adj" fmla="val 50000"/>
               </a:avLst>
             </a:prstGeom>
             <a:solidFill>
@@ -3166,7 +3236,7 @@
             </a:ln>
           </p:spPr>
           <p:txBody>
-            <a:bodyPr anchorCtr="0" anchor="ctr" bIns="91425" lIns="91425" rIns="91425" wrap="square" tIns="91425">
+            <a:bodyPr wrap="square" lIns="91425" tIns="91425" rIns="91425" bIns="91425" anchor="ctr" anchorCtr="0">
               <a:noAutofit/>
             </a:bodyPr>
             <a:lstStyle/>
@@ -3177,9 +3247,6 @@
                 </a:spcBef>
                 <a:buNone/>
               </a:pPr>
-              <a:r>
-                <a:t/>
-              </a:r>
               <a:endParaRPr/>
             </a:p>
           </p:txBody>
@@ -3197,7 +3264,7 @@
             </a:xfrm>
             <a:prstGeom prst="diagStripe">
               <a:avLst>
-                <a:gd fmla="val 50000" name="adj"/>
+                <a:gd name="adj" fmla="val 50000"/>
               </a:avLst>
             </a:prstGeom>
             <a:solidFill>
@@ -3210,7 +3277,7 @@
             </a:ln>
           </p:spPr>
           <p:txBody>
-            <a:bodyPr anchorCtr="0" anchor="ctr" bIns="91425" lIns="91425" rIns="91425" wrap="square" tIns="91425">
+            <a:bodyPr wrap="square" lIns="91425" tIns="91425" rIns="91425" bIns="91425" anchor="ctr" anchorCtr="0">
               <a:noAutofit/>
             </a:bodyPr>
             <a:lstStyle/>
@@ -3221,9 +3288,6 @@
                 </a:spcBef>
                 <a:buNone/>
               </a:pPr>
-              <a:r>
-                <a:t/>
-              </a:r>
               <a:endParaRPr/>
             </a:p>
           </p:txBody>
@@ -3241,7 +3305,7 @@
             </a:xfrm>
             <a:prstGeom prst="diagStripe">
               <a:avLst>
-                <a:gd fmla="val 50000" name="adj"/>
+                <a:gd name="adj" fmla="val 50000"/>
               </a:avLst>
             </a:prstGeom>
             <a:solidFill>
@@ -3254,7 +3318,7 @@
             </a:ln>
           </p:spPr>
           <p:txBody>
-            <a:bodyPr anchorCtr="0" anchor="ctr" bIns="91425" lIns="91425" rIns="91425" wrap="square" tIns="91425">
+            <a:bodyPr wrap="square" lIns="91425" tIns="91425" rIns="91425" bIns="91425" anchor="ctr" anchorCtr="0">
               <a:noAutofit/>
             </a:bodyPr>
             <a:lstStyle/>
@@ -3265,9 +3329,6 @@
                 </a:spcBef>
                 <a:buNone/>
               </a:pPr>
-              <a:r>
-                <a:t/>
-              </a:r>
               <a:endParaRPr/>
             </a:p>
           </p:txBody>
@@ -3285,7 +3346,7 @@
             </a:xfrm>
             <a:prstGeom prst="diagStripe">
               <a:avLst>
-                <a:gd fmla="val 50000" name="adj"/>
+                <a:gd name="adj" fmla="val 50000"/>
               </a:avLst>
             </a:prstGeom>
             <a:solidFill>
@@ -3298,7 +3359,7 @@
             </a:ln>
           </p:spPr>
           <p:txBody>
-            <a:bodyPr anchorCtr="0" anchor="ctr" bIns="91425" lIns="91425" rIns="91425" wrap="square" tIns="91425">
+            <a:bodyPr wrap="square" lIns="91425" tIns="91425" rIns="91425" bIns="91425" anchor="ctr" anchorCtr="0">
               <a:noAutofit/>
             </a:bodyPr>
             <a:lstStyle/>
@@ -3309,9 +3370,6 @@
                 </a:spcBef>
                 <a:buNone/>
               </a:pPr>
-              <a:r>
-                <a:t/>
-              </a:r>
               <a:endParaRPr/>
             </a:p>
           </p:txBody>
@@ -3320,7 +3378,9 @@
       <p:sp>
         <p:nvSpPr>
           <p:cNvPr id="39" name="Shape 39"/>
-          <p:cNvSpPr txBox="1"/>
+          <p:cNvSpPr txBox="1">
+            <a:spLocks noGrp="1"/>
+          </p:cNvSpPr>
           <p:nvPr>
             <p:ph type="title"/>
           </p:nvPr>
@@ -3335,7 +3395,7 @@
           </a:prstGeom>
         </p:spPr>
         <p:txBody>
-          <a:bodyPr anchorCtr="0" anchor="ctr" bIns="91425" lIns="91425" rIns="91425" wrap="square" tIns="91425"/>
+          <a:bodyPr wrap="square" lIns="91425" tIns="91425" rIns="91425" bIns="91425" anchor="ctr" anchorCtr="0"/>
           <a:lstStyle>
             <a:lvl1pPr lvl="0">
               <a:spcBef>
@@ -3392,15 +3452,19 @@
               <a:defRPr/>
             </a:lvl9pPr>
           </a:lstStyle>
-          <a:p/>
+          <a:p>
+            <a:endParaRPr/>
+          </a:p>
         </p:txBody>
       </p:sp>
       <p:sp>
         <p:nvSpPr>
           <p:cNvPr id="40" name="Shape 40"/>
-          <p:cNvSpPr txBox="1"/>
+          <p:cNvSpPr txBox="1">
+            <a:spLocks noGrp="1"/>
+          </p:cNvSpPr>
           <p:nvPr>
-            <p:ph idx="12" type="sldNum"/>
+            <p:ph type="sldNum" idx="12"/>
           </p:nvPr>
         </p:nvSpPr>
         <p:spPr>
@@ -3413,7 +3477,7 @@
           </a:prstGeom>
         </p:spPr>
         <p:txBody>
-          <a:bodyPr anchorCtr="0" anchor="ctr" bIns="91425" lIns="91425" rIns="91425" wrap="square" tIns="91425">
+          <a:bodyPr wrap="square" lIns="91425" tIns="91425" rIns="91425" bIns="91425" anchor="ctr" anchorCtr="0">
             <a:noAutofit/>
           </a:bodyPr>
           <a:lstStyle/>
@@ -3426,8 +3490,15 @@
             </a:pPr>
             <a:fld id="{00000000-1234-1234-1234-123412341234}" type="slidenum">
               <a:rPr lang="en"/>
+              <a:pPr lvl="0">
+                <a:spcBef>
+                  <a:spcPts val="0"/>
+                </a:spcBef>
+                <a:buNone/>
+              </a:pPr>
               <a:t>‹#›</a:t>
             </a:fld>
+            <a:endParaRPr lang="en"/>
           </a:p>
         </p:txBody>
       </p:sp>
@@ -3440,11 +3511,11 @@
 </file>
 
 <file path=ppt/slideLayouts/slideLayout3.xml><?xml version="1.0" encoding="utf-8"?>
-<p:sldLayout xmlns:a="http://schemas.openxmlformats.org/drawingml/2006/main" xmlns:r="http://schemas.openxmlformats.org/officeDocument/2006/relationships" xmlns:mc="http://schemas.openxmlformats.org/markup-compatibility/2006" xmlns:mv="urn:schemas-microsoft-com:mac:vml" xmlns:p="http://schemas.openxmlformats.org/presentationml/2006/main" xmlns:c="http://schemas.openxmlformats.org/drawingml/2006/chart" xmlns:dgm="http://schemas.openxmlformats.org/drawingml/2006/diagram" xmlns:o="urn:schemas-microsoft-com:office:office" xmlns:v="urn:schemas-microsoft-com:vml" xmlns:pvml="urn:schemas-microsoft-com:office:powerpoint" xmlns:com="http://schemas.openxmlformats.org/drawingml/2006/compatibility" xmlns:p14="http://schemas.microsoft.com/office/powerpoint/2010/main" xmlns:p15="http://schemas.microsoft.com/office/powerpoint/2012/main" type="tx">
+<p:sldLayout xmlns:a="http://schemas.openxmlformats.org/drawingml/2006/main" xmlns:r="http://schemas.openxmlformats.org/officeDocument/2006/relationships" xmlns:p="http://schemas.openxmlformats.org/presentationml/2006/main" type="tx">
   <p:cSld name="Title and body">
     <p:spTree>
       <p:nvGrpSpPr>
-        <p:cNvPr id="41" name="Shape 41"/>
+        <p:cNvPr id="1" name="Shape 41"/>
         <p:cNvGrpSpPr/>
         <p:nvPr/>
       </p:nvGrpSpPr>
@@ -3483,7 +3554,7 @@
             </a:xfrm>
             <a:prstGeom prst="diagStripe">
               <a:avLst>
-                <a:gd fmla="val 50000" name="adj"/>
+                <a:gd name="adj" fmla="val 50000"/>
               </a:avLst>
             </a:prstGeom>
             <a:solidFill>
@@ -3494,7 +3565,7 @@
             </a:ln>
           </p:spPr>
           <p:txBody>
-            <a:bodyPr anchorCtr="0" anchor="ctr" bIns="91425" lIns="91425" rIns="91425" wrap="square" tIns="91425">
+            <a:bodyPr wrap="square" lIns="91425" tIns="91425" rIns="91425" bIns="91425" anchor="ctr" anchorCtr="0">
               <a:noAutofit/>
             </a:bodyPr>
             <a:lstStyle/>
@@ -3505,9 +3576,6 @@
                 </a:spcBef>
                 <a:buNone/>
               </a:pPr>
-              <a:r>
-                <a:t/>
-              </a:r>
               <a:endParaRPr/>
             </a:p>
           </p:txBody>
@@ -3525,7 +3593,7 @@
             </a:xfrm>
             <a:prstGeom prst="diagStripe">
               <a:avLst>
-                <a:gd fmla="val 50000" name="adj"/>
+                <a:gd name="adj" fmla="val 50000"/>
               </a:avLst>
             </a:prstGeom>
             <a:solidFill>
@@ -3536,7 +3604,7 @@
             </a:ln>
           </p:spPr>
           <p:txBody>
-            <a:bodyPr anchorCtr="0" anchor="ctr" bIns="91425" lIns="91425" rIns="91425" wrap="square" tIns="91425">
+            <a:bodyPr wrap="square" lIns="91425" tIns="91425" rIns="91425" bIns="91425" anchor="ctr" anchorCtr="0">
               <a:noAutofit/>
             </a:bodyPr>
             <a:lstStyle/>
@@ -3547,9 +3615,6 @@
                 </a:spcBef>
                 <a:buNone/>
               </a:pPr>
-              <a:r>
-                <a:t/>
-              </a:r>
               <a:endParaRPr/>
             </a:p>
           </p:txBody>
@@ -3558,7 +3623,9 @@
       <p:sp>
         <p:nvSpPr>
           <p:cNvPr id="45" name="Shape 45"/>
-          <p:cNvSpPr txBox="1"/>
+          <p:cNvSpPr txBox="1">
+            <a:spLocks noGrp="1"/>
+          </p:cNvSpPr>
           <p:nvPr>
             <p:ph type="title"/>
           </p:nvPr>
@@ -3573,7 +3640,7 @@
           </a:prstGeom>
         </p:spPr>
         <p:txBody>
-          <a:bodyPr anchorCtr="0" anchor="t" bIns="91425" lIns="91425" rIns="91425" wrap="square" tIns="91425"/>
+          <a:bodyPr wrap="square" lIns="91425" tIns="91425" rIns="91425" bIns="91425" anchor="t" anchorCtr="0"/>
           <a:lstStyle>
             <a:lvl1pPr lvl="0">
               <a:spcBef>
@@ -3639,15 +3706,19 @@
               <a:defRPr sz="2400"/>
             </a:lvl9pPr>
           </a:lstStyle>
-          <a:p/>
+          <a:p>
+            <a:endParaRPr/>
+          </a:p>
         </p:txBody>
       </p:sp>
       <p:sp>
         <p:nvSpPr>
           <p:cNvPr id="46" name="Shape 46"/>
-          <p:cNvSpPr txBox="1"/>
+          <p:cNvSpPr txBox="1">
+            <a:spLocks noGrp="1"/>
+          </p:cNvSpPr>
           <p:nvPr>
-            <p:ph idx="1" type="body"/>
+            <p:ph type="body" idx="1"/>
           </p:nvPr>
         </p:nvSpPr>
         <p:spPr>
@@ -3660,7 +3731,7 @@
           </a:prstGeom>
         </p:spPr>
         <p:txBody>
-          <a:bodyPr anchorCtr="0" anchor="t" bIns="91425" lIns="91425" rIns="91425" wrap="square" tIns="91425"/>
+          <a:bodyPr wrap="square" lIns="91425" tIns="91425" rIns="91425" bIns="91425" anchor="t" anchorCtr="0"/>
           <a:lstStyle>
             <a:lvl1pPr lvl="0">
               <a:spcBef>
@@ -3717,15 +3788,19 @@
               <a:defRPr/>
             </a:lvl9pPr>
           </a:lstStyle>
-          <a:p/>
+          <a:p>
+            <a:endParaRPr/>
+          </a:p>
         </p:txBody>
       </p:sp>
       <p:sp>
         <p:nvSpPr>
           <p:cNvPr id="47" name="Shape 47"/>
-          <p:cNvSpPr txBox="1"/>
+          <p:cNvSpPr txBox="1">
+            <a:spLocks noGrp="1"/>
+          </p:cNvSpPr>
           <p:nvPr>
-            <p:ph idx="12" type="sldNum"/>
+            <p:ph type="sldNum" idx="12"/>
           </p:nvPr>
         </p:nvSpPr>
         <p:spPr>
@@ -3738,7 +3813,7 @@
           </a:prstGeom>
         </p:spPr>
         <p:txBody>
-          <a:bodyPr anchorCtr="0" anchor="ctr" bIns="91425" lIns="91425" rIns="91425" wrap="square" tIns="91425">
+          <a:bodyPr wrap="square" lIns="91425" tIns="91425" rIns="91425" bIns="91425" anchor="ctr" anchorCtr="0">
             <a:noAutofit/>
           </a:bodyPr>
           <a:lstStyle/>
@@ -3751,8 +3826,15 @@
             </a:pPr>
             <a:fld id="{00000000-1234-1234-1234-123412341234}" type="slidenum">
               <a:rPr lang="en"/>
+              <a:pPr lvl="0">
+                <a:spcBef>
+                  <a:spcPts val="0"/>
+                </a:spcBef>
+                <a:buNone/>
+              </a:pPr>
               <a:t>‹#›</a:t>
             </a:fld>
+            <a:endParaRPr lang="en"/>
           </a:p>
         </p:txBody>
       </p:sp>
@@ -3765,11 +3847,11 @@
 </file>
 
 <file path=ppt/slideLayouts/slideLayout4.xml><?xml version="1.0" encoding="utf-8"?>
-<p:sldLayout xmlns:a="http://schemas.openxmlformats.org/drawingml/2006/main" xmlns:r="http://schemas.openxmlformats.org/officeDocument/2006/relationships" xmlns:mc="http://schemas.openxmlformats.org/markup-compatibility/2006" xmlns:mv="urn:schemas-microsoft-com:mac:vml" xmlns:p="http://schemas.openxmlformats.org/presentationml/2006/main" xmlns:c="http://schemas.openxmlformats.org/drawingml/2006/chart" xmlns:dgm="http://schemas.openxmlformats.org/drawingml/2006/diagram" xmlns:o="urn:schemas-microsoft-com:office:office" xmlns:v="urn:schemas-microsoft-com:vml" xmlns:pvml="urn:schemas-microsoft-com:office:powerpoint" xmlns:com="http://schemas.openxmlformats.org/drawingml/2006/compatibility" xmlns:p14="http://schemas.microsoft.com/office/powerpoint/2010/main" xmlns:p15="http://schemas.microsoft.com/office/powerpoint/2012/main" type="twoColTx">
+<p:sldLayout xmlns:a="http://schemas.openxmlformats.org/drawingml/2006/main" xmlns:r="http://schemas.openxmlformats.org/officeDocument/2006/relationships" xmlns:p="http://schemas.openxmlformats.org/presentationml/2006/main" type="twoColTx">
   <p:cSld name="Title and two columns">
     <p:spTree>
       <p:nvGrpSpPr>
-        <p:cNvPr id="48" name="Shape 48"/>
+        <p:cNvPr id="1" name="Shape 48"/>
         <p:cNvGrpSpPr/>
         <p:nvPr/>
       </p:nvGrpSpPr>
@@ -3808,7 +3890,7 @@
             </a:xfrm>
             <a:prstGeom prst="diagStripe">
               <a:avLst>
-                <a:gd fmla="val 50000" name="adj"/>
+                <a:gd name="adj" fmla="val 50000"/>
               </a:avLst>
             </a:prstGeom>
             <a:solidFill>
@@ -3819,7 +3901,7 @@
             </a:ln>
           </p:spPr>
           <p:txBody>
-            <a:bodyPr anchorCtr="0" anchor="ctr" bIns="91425" lIns="91425" rIns="91425" wrap="square" tIns="91425">
+            <a:bodyPr wrap="square" lIns="91425" tIns="91425" rIns="91425" bIns="91425" anchor="ctr" anchorCtr="0">
               <a:noAutofit/>
             </a:bodyPr>
             <a:lstStyle/>
@@ -3830,9 +3912,6 @@
                 </a:spcBef>
                 <a:buNone/>
               </a:pPr>
-              <a:r>
-                <a:t/>
-              </a:r>
               <a:endParaRPr/>
             </a:p>
           </p:txBody>
@@ -3850,7 +3929,7 @@
             </a:xfrm>
             <a:prstGeom prst="diagStripe">
               <a:avLst>
-                <a:gd fmla="val 50000" name="adj"/>
+                <a:gd name="adj" fmla="val 50000"/>
               </a:avLst>
             </a:prstGeom>
             <a:solidFill>
@@ -3861,7 +3940,7 @@
             </a:ln>
           </p:spPr>
           <p:txBody>
-            <a:bodyPr anchorCtr="0" anchor="ctr" bIns="91425" lIns="91425" rIns="91425" wrap="square" tIns="91425">
+            <a:bodyPr wrap="square" lIns="91425" tIns="91425" rIns="91425" bIns="91425" anchor="ctr" anchorCtr="0">
               <a:noAutofit/>
             </a:bodyPr>
             <a:lstStyle/>
@@ -3872,9 +3951,6 @@
                 </a:spcBef>
                 <a:buNone/>
               </a:pPr>
-              <a:r>
-                <a:t/>
-              </a:r>
               <a:endParaRPr/>
             </a:p>
           </p:txBody>
@@ -3883,7 +3959,9 @@
       <p:sp>
         <p:nvSpPr>
           <p:cNvPr id="52" name="Shape 52"/>
-          <p:cNvSpPr txBox="1"/>
+          <p:cNvSpPr txBox="1">
+            <a:spLocks noGrp="1"/>
+          </p:cNvSpPr>
           <p:nvPr>
             <p:ph type="title"/>
           </p:nvPr>
@@ -3898,7 +3976,7 @@
           </a:prstGeom>
         </p:spPr>
         <p:txBody>
-          <a:bodyPr anchorCtr="0" anchor="t" bIns="91425" lIns="91425" rIns="91425" wrap="square" tIns="91425"/>
+          <a:bodyPr wrap="square" lIns="91425" tIns="91425" rIns="91425" bIns="91425" anchor="t" anchorCtr="0"/>
           <a:lstStyle>
             <a:lvl1pPr lvl="0">
               <a:spcBef>
@@ -3964,15 +4042,19 @@
               <a:defRPr sz="2400"/>
             </a:lvl9pPr>
           </a:lstStyle>
-          <a:p/>
+          <a:p>
+            <a:endParaRPr/>
+          </a:p>
         </p:txBody>
       </p:sp>
       <p:sp>
         <p:nvSpPr>
           <p:cNvPr id="53" name="Shape 53"/>
-          <p:cNvSpPr txBox="1"/>
+          <p:cNvSpPr txBox="1">
+            <a:spLocks noGrp="1"/>
+          </p:cNvSpPr>
           <p:nvPr>
-            <p:ph idx="1" type="body"/>
+            <p:ph type="body" idx="1"/>
           </p:nvPr>
         </p:nvSpPr>
         <p:spPr>
@@ -3985,7 +4067,7 @@
           </a:prstGeom>
         </p:spPr>
         <p:txBody>
-          <a:bodyPr anchorCtr="0" anchor="t" bIns="91425" lIns="91425" rIns="91425" wrap="square" tIns="91425"/>
+          <a:bodyPr wrap="square" lIns="91425" tIns="91425" rIns="91425" bIns="91425" anchor="t" anchorCtr="0"/>
           <a:lstStyle>
             <a:lvl1pPr lvl="0">
               <a:spcBef>
@@ -4042,15 +4124,19 @@
               <a:defRPr/>
             </a:lvl9pPr>
           </a:lstStyle>
-          <a:p/>
+          <a:p>
+            <a:endParaRPr/>
+          </a:p>
         </p:txBody>
       </p:sp>
       <p:sp>
         <p:nvSpPr>
           <p:cNvPr id="54" name="Shape 54"/>
-          <p:cNvSpPr txBox="1"/>
+          <p:cNvSpPr txBox="1">
+            <a:spLocks noGrp="1"/>
+          </p:cNvSpPr>
           <p:nvPr>
-            <p:ph idx="2" type="body"/>
+            <p:ph type="body" idx="2"/>
           </p:nvPr>
         </p:nvSpPr>
         <p:spPr>
@@ -4063,7 +4149,7 @@
           </a:prstGeom>
         </p:spPr>
         <p:txBody>
-          <a:bodyPr anchorCtr="0" anchor="t" bIns="91425" lIns="91425" rIns="91425" wrap="square" tIns="91425"/>
+          <a:bodyPr wrap="square" lIns="91425" tIns="91425" rIns="91425" bIns="91425" anchor="t" anchorCtr="0"/>
           <a:lstStyle>
             <a:lvl1pPr lvl="0">
               <a:spcBef>
@@ -4120,15 +4206,19 @@
               <a:defRPr/>
             </a:lvl9pPr>
           </a:lstStyle>
-          <a:p/>
+          <a:p>
+            <a:endParaRPr/>
+          </a:p>
         </p:txBody>
       </p:sp>
       <p:sp>
         <p:nvSpPr>
           <p:cNvPr id="55" name="Shape 55"/>
-          <p:cNvSpPr txBox="1"/>
+          <p:cNvSpPr txBox="1">
+            <a:spLocks noGrp="1"/>
+          </p:cNvSpPr>
           <p:nvPr>
-            <p:ph idx="12" type="sldNum"/>
+            <p:ph type="sldNum" idx="12"/>
           </p:nvPr>
         </p:nvSpPr>
         <p:spPr>
@@ -4141,7 +4231,7 @@
           </a:prstGeom>
         </p:spPr>
         <p:txBody>
-          <a:bodyPr anchorCtr="0" anchor="ctr" bIns="91425" lIns="91425" rIns="91425" wrap="square" tIns="91425">
+          <a:bodyPr wrap="square" lIns="91425" tIns="91425" rIns="91425" bIns="91425" anchor="ctr" anchorCtr="0">
             <a:noAutofit/>
           </a:bodyPr>
           <a:lstStyle/>
@@ -4154,8 +4244,15 @@
             </a:pPr>
             <a:fld id="{00000000-1234-1234-1234-123412341234}" type="slidenum">
               <a:rPr lang="en"/>
+              <a:pPr lvl="0">
+                <a:spcBef>
+                  <a:spcPts val="0"/>
+                </a:spcBef>
+                <a:buNone/>
+              </a:pPr>
               <a:t>‹#›</a:t>
             </a:fld>
+            <a:endParaRPr lang="en"/>
           </a:p>
         </p:txBody>
       </p:sp>
@@ -4168,11 +4265,11 @@
 </file>
 
 <file path=ppt/slideLayouts/slideLayout5.xml><?xml version="1.0" encoding="utf-8"?>
-<p:sldLayout xmlns:a="http://schemas.openxmlformats.org/drawingml/2006/main" xmlns:r="http://schemas.openxmlformats.org/officeDocument/2006/relationships" xmlns:mc="http://schemas.openxmlformats.org/markup-compatibility/2006" xmlns:mv="urn:schemas-microsoft-com:mac:vml" xmlns:p="http://schemas.openxmlformats.org/presentationml/2006/main" xmlns:c="http://schemas.openxmlformats.org/drawingml/2006/chart" xmlns:dgm="http://schemas.openxmlformats.org/drawingml/2006/diagram" xmlns:o="urn:schemas-microsoft-com:office:office" xmlns:v="urn:schemas-microsoft-com:vml" xmlns:pvml="urn:schemas-microsoft-com:office:powerpoint" xmlns:com="http://schemas.openxmlformats.org/drawingml/2006/compatibility" xmlns:p14="http://schemas.microsoft.com/office/powerpoint/2010/main" xmlns:p15="http://schemas.microsoft.com/office/powerpoint/2012/main" type="titleOnly">
+<p:sldLayout xmlns:a="http://schemas.openxmlformats.org/drawingml/2006/main" xmlns:r="http://schemas.openxmlformats.org/officeDocument/2006/relationships" xmlns:p="http://schemas.openxmlformats.org/presentationml/2006/main" type="titleOnly">
   <p:cSld name="Title only">
     <p:spTree>
       <p:nvGrpSpPr>
-        <p:cNvPr id="56" name="Shape 56"/>
+        <p:cNvPr id="1" name="Shape 56"/>
         <p:cNvGrpSpPr/>
         <p:nvPr/>
       </p:nvGrpSpPr>
@@ -4211,7 +4308,7 @@
             </a:xfrm>
             <a:prstGeom prst="diagStripe">
               <a:avLst>
-                <a:gd fmla="val 50000" name="adj"/>
+                <a:gd name="adj" fmla="val 50000"/>
               </a:avLst>
             </a:prstGeom>
             <a:solidFill>
@@ -4222,7 +4319,7 @@
             </a:ln>
           </p:spPr>
           <p:txBody>
-            <a:bodyPr anchorCtr="0" anchor="ctr" bIns="91425" lIns="91425" rIns="91425" wrap="square" tIns="91425">
+            <a:bodyPr wrap="square" lIns="91425" tIns="91425" rIns="91425" bIns="91425" anchor="ctr" anchorCtr="0">
               <a:noAutofit/>
             </a:bodyPr>
             <a:lstStyle/>
@@ -4233,9 +4330,6 @@
                 </a:spcBef>
                 <a:buNone/>
               </a:pPr>
-              <a:r>
-                <a:t/>
-              </a:r>
               <a:endParaRPr/>
             </a:p>
           </p:txBody>
@@ -4253,7 +4347,7 @@
             </a:xfrm>
             <a:prstGeom prst="diagStripe">
               <a:avLst>
-                <a:gd fmla="val 50000" name="adj"/>
+                <a:gd name="adj" fmla="val 50000"/>
               </a:avLst>
             </a:prstGeom>
             <a:solidFill>
@@ -4264,7 +4358,7 @@
             </a:ln>
           </p:spPr>
           <p:txBody>
-            <a:bodyPr anchorCtr="0" anchor="ctr" bIns="91425" lIns="91425" rIns="91425" wrap="square" tIns="91425">
+            <a:bodyPr wrap="square" lIns="91425" tIns="91425" rIns="91425" bIns="91425" anchor="ctr" anchorCtr="0">
               <a:noAutofit/>
             </a:bodyPr>
             <a:lstStyle/>
@@ -4275,9 +4369,6 @@
                 </a:spcBef>
                 <a:buNone/>
               </a:pPr>
-              <a:r>
-                <a:t/>
-              </a:r>
               <a:endParaRPr/>
             </a:p>
           </p:txBody>
@@ -4286,7 +4377,9 @@
       <p:sp>
         <p:nvSpPr>
           <p:cNvPr id="60" name="Shape 60"/>
-          <p:cNvSpPr txBox="1"/>
+          <p:cNvSpPr txBox="1">
+            <a:spLocks noGrp="1"/>
+          </p:cNvSpPr>
           <p:nvPr>
             <p:ph type="title"/>
           </p:nvPr>
@@ -4301,7 +4394,7 @@
           </a:prstGeom>
         </p:spPr>
         <p:txBody>
-          <a:bodyPr anchorCtr="0" anchor="t" bIns="91425" lIns="91425" rIns="91425" wrap="square" tIns="91425"/>
+          <a:bodyPr wrap="square" lIns="91425" tIns="91425" rIns="91425" bIns="91425" anchor="t" anchorCtr="0"/>
           <a:lstStyle>
             <a:lvl1pPr lvl="0">
               <a:spcBef>
@@ -4367,15 +4460,19 @@
               <a:defRPr sz="2400"/>
             </a:lvl9pPr>
           </a:lstStyle>
-          <a:p/>
+          <a:p>
+            <a:endParaRPr/>
+          </a:p>
         </p:txBody>
       </p:sp>
       <p:sp>
         <p:nvSpPr>
           <p:cNvPr id="61" name="Shape 61"/>
-          <p:cNvSpPr txBox="1"/>
+          <p:cNvSpPr txBox="1">
+            <a:spLocks noGrp="1"/>
+          </p:cNvSpPr>
           <p:nvPr>
-            <p:ph idx="12" type="sldNum"/>
+            <p:ph type="sldNum" idx="12"/>
           </p:nvPr>
         </p:nvSpPr>
         <p:spPr>
@@ -4388,7 +4485,7 @@
           </a:prstGeom>
         </p:spPr>
         <p:txBody>
-          <a:bodyPr anchorCtr="0" anchor="ctr" bIns="91425" lIns="91425" rIns="91425" wrap="square" tIns="91425">
+          <a:bodyPr wrap="square" lIns="91425" tIns="91425" rIns="91425" bIns="91425" anchor="ctr" anchorCtr="0">
             <a:noAutofit/>
           </a:bodyPr>
           <a:lstStyle/>
@@ -4401,8 +4498,15 @@
             </a:pPr>
             <a:fld id="{00000000-1234-1234-1234-123412341234}" type="slidenum">
               <a:rPr lang="en"/>
+              <a:pPr lvl="0">
+                <a:spcBef>
+                  <a:spcPts val="0"/>
+                </a:spcBef>
+                <a:buNone/>
+              </a:pPr>
               <a:t>‹#›</a:t>
             </a:fld>
+            <a:endParaRPr lang="en"/>
           </a:p>
         </p:txBody>
       </p:sp>
@@ -4415,11 +4519,11 @@
 </file>
 
 <file path=ppt/slideLayouts/slideLayout6.xml><?xml version="1.0" encoding="utf-8"?>
-<p:sldLayout xmlns:a="http://schemas.openxmlformats.org/drawingml/2006/main" xmlns:r="http://schemas.openxmlformats.org/officeDocument/2006/relationships" xmlns:mc="http://schemas.openxmlformats.org/markup-compatibility/2006" xmlns:mv="urn:schemas-microsoft-com:mac:vml" xmlns:p="http://schemas.openxmlformats.org/presentationml/2006/main" xmlns:c="http://schemas.openxmlformats.org/drawingml/2006/chart" xmlns:dgm="http://schemas.openxmlformats.org/drawingml/2006/diagram" xmlns:o="urn:schemas-microsoft-com:office:office" xmlns:v="urn:schemas-microsoft-com:vml" xmlns:pvml="urn:schemas-microsoft-com:office:powerpoint" xmlns:com="http://schemas.openxmlformats.org/drawingml/2006/compatibility" xmlns:p14="http://schemas.microsoft.com/office/powerpoint/2010/main" xmlns:p15="http://schemas.microsoft.com/office/powerpoint/2012/main">
+<p:sldLayout xmlns:a="http://schemas.openxmlformats.org/drawingml/2006/main" xmlns:r="http://schemas.openxmlformats.org/officeDocument/2006/relationships" xmlns:p="http://schemas.openxmlformats.org/presentationml/2006/main">
   <p:cSld name="One column text">
     <p:spTree>
       <p:nvGrpSpPr>
-        <p:cNvPr id="62" name="Shape 62"/>
+        <p:cNvPr id="1" name="Shape 62"/>
         <p:cNvGrpSpPr/>
         <p:nvPr/>
       </p:nvGrpSpPr>
@@ -4458,7 +4562,7 @@
             </a:xfrm>
             <a:prstGeom prst="diagStripe">
               <a:avLst>
-                <a:gd fmla="val 50000" name="adj"/>
+                <a:gd name="adj" fmla="val 50000"/>
               </a:avLst>
             </a:prstGeom>
             <a:solidFill>
@@ -4469,7 +4573,7 @@
             </a:ln>
           </p:spPr>
           <p:txBody>
-            <a:bodyPr anchorCtr="0" anchor="ctr" bIns="91425" lIns="91425" rIns="91425" wrap="square" tIns="91425">
+            <a:bodyPr wrap="square" lIns="91425" tIns="91425" rIns="91425" bIns="91425" anchor="ctr" anchorCtr="0">
               <a:noAutofit/>
             </a:bodyPr>
             <a:lstStyle/>
@@ -4480,9 +4584,6 @@
                 </a:spcBef>
                 <a:buNone/>
               </a:pPr>
-              <a:r>
-                <a:t/>
-              </a:r>
               <a:endParaRPr/>
             </a:p>
           </p:txBody>
@@ -4500,7 +4601,7 @@
             </a:xfrm>
             <a:prstGeom prst="diagStripe">
               <a:avLst>
-                <a:gd fmla="val 50000" name="adj"/>
+                <a:gd name="adj" fmla="val 50000"/>
               </a:avLst>
             </a:prstGeom>
             <a:solidFill>
@@ -4511,7 +4612,7 @@
             </a:ln>
           </p:spPr>
           <p:txBody>
-            <a:bodyPr anchorCtr="0" anchor="ctr" bIns="91425" lIns="91425" rIns="91425" wrap="square" tIns="91425">
+            <a:bodyPr wrap="square" lIns="91425" tIns="91425" rIns="91425" bIns="91425" anchor="ctr" anchorCtr="0">
               <a:noAutofit/>
             </a:bodyPr>
             <a:lstStyle/>
@@ -4522,9 +4623,6 @@
                 </a:spcBef>
                 <a:buNone/>
               </a:pPr>
-              <a:r>
-                <a:t/>
-              </a:r>
               <a:endParaRPr/>
             </a:p>
           </p:txBody>
@@ -4533,7 +4631,9 @@
       <p:sp>
         <p:nvSpPr>
           <p:cNvPr id="66" name="Shape 66"/>
-          <p:cNvSpPr txBox="1"/>
+          <p:cNvSpPr txBox="1">
+            <a:spLocks noGrp="1"/>
+          </p:cNvSpPr>
           <p:nvPr>
             <p:ph type="title"/>
           </p:nvPr>
@@ -4548,7 +4648,7 @@
           </a:prstGeom>
         </p:spPr>
         <p:txBody>
-          <a:bodyPr anchorCtr="0" anchor="t" bIns="91425" lIns="91425" rIns="91425" wrap="square" tIns="91425"/>
+          <a:bodyPr wrap="square" lIns="91425" tIns="91425" rIns="91425" bIns="91425" anchor="t" anchorCtr="0"/>
           <a:lstStyle>
             <a:lvl1pPr lvl="0">
               <a:spcBef>
@@ -4614,15 +4714,19 @@
               <a:defRPr sz="2400"/>
             </a:lvl9pPr>
           </a:lstStyle>
-          <a:p/>
+          <a:p>
+            <a:endParaRPr/>
+          </a:p>
         </p:txBody>
       </p:sp>
       <p:sp>
         <p:nvSpPr>
           <p:cNvPr id="67" name="Shape 67"/>
-          <p:cNvSpPr txBox="1"/>
+          <p:cNvSpPr txBox="1">
+            <a:spLocks noGrp="1"/>
+          </p:cNvSpPr>
           <p:nvPr>
-            <p:ph idx="1" type="body"/>
+            <p:ph type="body" idx="1"/>
           </p:nvPr>
         </p:nvSpPr>
         <p:spPr>
@@ -4635,7 +4739,7 @@
           </a:prstGeom>
         </p:spPr>
         <p:txBody>
-          <a:bodyPr anchorCtr="0" anchor="t" bIns="91425" lIns="91425" rIns="91425" wrap="square" tIns="91425"/>
+          <a:bodyPr wrap="square" lIns="91425" tIns="91425" rIns="91425" bIns="91425" anchor="t" anchorCtr="0"/>
           <a:lstStyle>
             <a:lvl1pPr lvl="0">
               <a:spcBef>
@@ -4692,15 +4796,19 @@
               <a:defRPr/>
             </a:lvl9pPr>
           </a:lstStyle>
-          <a:p/>
+          <a:p>
+            <a:endParaRPr/>
+          </a:p>
         </p:txBody>
       </p:sp>
       <p:sp>
         <p:nvSpPr>
           <p:cNvPr id="68" name="Shape 68"/>
-          <p:cNvSpPr txBox="1"/>
+          <p:cNvSpPr txBox="1">
+            <a:spLocks noGrp="1"/>
+          </p:cNvSpPr>
           <p:nvPr>
-            <p:ph idx="12" type="sldNum"/>
+            <p:ph type="sldNum" idx="12"/>
           </p:nvPr>
         </p:nvSpPr>
         <p:spPr>
@@ -4713,7 +4821,7 @@
           </a:prstGeom>
         </p:spPr>
         <p:txBody>
-          <a:bodyPr anchorCtr="0" anchor="ctr" bIns="91425" lIns="91425" rIns="91425" wrap="square" tIns="91425">
+          <a:bodyPr wrap="square" lIns="91425" tIns="91425" rIns="91425" bIns="91425" anchor="ctr" anchorCtr="0">
             <a:noAutofit/>
           </a:bodyPr>
           <a:lstStyle/>
@@ -4726,8 +4834,15 @@
             </a:pPr>
             <a:fld id="{00000000-1234-1234-1234-123412341234}" type="slidenum">
               <a:rPr lang="en"/>
+              <a:pPr lvl="0">
+                <a:spcBef>
+                  <a:spcPts val="0"/>
+                </a:spcBef>
+                <a:buNone/>
+              </a:pPr>
               <a:t>‹#›</a:t>
             </a:fld>
+            <a:endParaRPr lang="en"/>
           </a:p>
         </p:txBody>
       </p:sp>
@@ -4740,11 +4855,11 @@
 </file>
 
 <file path=ppt/slideLayouts/slideLayout7.xml><?xml version="1.0" encoding="utf-8"?>
-<p:sldLayout xmlns:a="http://schemas.openxmlformats.org/drawingml/2006/main" xmlns:r="http://schemas.openxmlformats.org/officeDocument/2006/relationships" xmlns:mc="http://schemas.openxmlformats.org/markup-compatibility/2006" xmlns:mv="urn:schemas-microsoft-com:mac:vml" xmlns:p="http://schemas.openxmlformats.org/presentationml/2006/main" xmlns:c="http://schemas.openxmlformats.org/drawingml/2006/chart" xmlns:dgm="http://schemas.openxmlformats.org/drawingml/2006/diagram" xmlns:o="urn:schemas-microsoft-com:office:office" xmlns:v="urn:schemas-microsoft-com:vml" xmlns:pvml="urn:schemas-microsoft-com:office:powerpoint" xmlns:com="http://schemas.openxmlformats.org/drawingml/2006/compatibility" xmlns:p14="http://schemas.microsoft.com/office/powerpoint/2010/main" xmlns:p15="http://schemas.microsoft.com/office/powerpoint/2012/main">
+<p:sldLayout xmlns:a="http://schemas.openxmlformats.org/drawingml/2006/main" xmlns:r="http://schemas.openxmlformats.org/officeDocument/2006/relationships" xmlns:p="http://schemas.openxmlformats.org/presentationml/2006/main">
   <p:cSld name="Main point">
     <p:spTree>
       <p:nvGrpSpPr>
-        <p:cNvPr id="69" name="Shape 69"/>
+        <p:cNvPr id="1" name="Shape 69"/>
         <p:cNvGrpSpPr/>
         <p:nvPr/>
       </p:nvGrpSpPr>
@@ -4783,7 +4898,7 @@
             </a:xfrm>
             <a:prstGeom prst="diagStripe">
               <a:avLst>
-                <a:gd fmla="val 49469" name="adj"/>
+                <a:gd name="adj" fmla="val 49469"/>
               </a:avLst>
             </a:prstGeom>
             <a:solidFill>
@@ -4796,7 +4911,7 @@
             </a:ln>
           </p:spPr>
           <p:txBody>
-            <a:bodyPr anchorCtr="0" anchor="ctr" bIns="91425" lIns="91425" rIns="91425" wrap="square" tIns="91425">
+            <a:bodyPr wrap="square" lIns="91425" tIns="91425" rIns="91425" bIns="91425" anchor="ctr" anchorCtr="0">
               <a:noAutofit/>
             </a:bodyPr>
             <a:lstStyle/>
@@ -4807,9 +4922,6 @@
                 </a:spcBef>
                 <a:buNone/>
               </a:pPr>
-              <a:r>
-                <a:t/>
-              </a:r>
               <a:endParaRPr/>
             </a:p>
           </p:txBody>
@@ -4827,7 +4939,7 @@
             </a:xfrm>
             <a:prstGeom prst="diagStripe">
               <a:avLst>
-                <a:gd fmla="val 0" name="adj"/>
+                <a:gd name="adj" fmla="val 0"/>
               </a:avLst>
             </a:prstGeom>
             <a:solidFill>
@@ -4840,7 +4952,7 @@
             </a:ln>
           </p:spPr>
           <p:txBody>
-            <a:bodyPr anchorCtr="0" anchor="ctr" bIns="91425" lIns="91425" rIns="91425" wrap="square" tIns="91425">
+            <a:bodyPr wrap="square" lIns="91425" tIns="91425" rIns="91425" bIns="91425" anchor="ctr" anchorCtr="0">
               <a:noAutofit/>
             </a:bodyPr>
             <a:lstStyle/>
@@ -4851,9 +4963,6 @@
                 </a:spcBef>
                 <a:buNone/>
               </a:pPr>
-              <a:r>
-                <a:t/>
-              </a:r>
               <a:endParaRPr/>
             </a:p>
           </p:txBody>
@@ -4871,7 +4980,7 @@
             </a:xfrm>
             <a:prstGeom prst="diagStripe">
               <a:avLst>
-                <a:gd fmla="val 50000" name="adj"/>
+                <a:gd name="adj" fmla="val 50000"/>
               </a:avLst>
             </a:prstGeom>
             <a:solidFill>
@@ -4884,7 +4993,7 @@
             </a:ln>
           </p:spPr>
           <p:txBody>
-            <a:bodyPr anchorCtr="0" anchor="ctr" bIns="91425" lIns="91425" rIns="91425" wrap="square" tIns="91425">
+            <a:bodyPr wrap="square" lIns="91425" tIns="91425" rIns="91425" bIns="91425" anchor="ctr" anchorCtr="0">
               <a:noAutofit/>
             </a:bodyPr>
             <a:lstStyle/>
@@ -4895,9 +5004,6 @@
                 </a:spcBef>
                 <a:buNone/>
               </a:pPr>
-              <a:r>
-                <a:t/>
-              </a:r>
               <a:endParaRPr/>
             </a:p>
           </p:txBody>
@@ -4915,7 +5021,7 @@
             </a:xfrm>
             <a:prstGeom prst="diagStripe">
               <a:avLst>
-                <a:gd fmla="val 50000" name="adj"/>
+                <a:gd name="adj" fmla="val 50000"/>
               </a:avLst>
             </a:prstGeom>
             <a:solidFill>
@@ -4928,7 +5034,7 @@
             </a:ln>
           </p:spPr>
           <p:txBody>
-            <a:bodyPr anchorCtr="0" anchor="ctr" bIns="91425" lIns="91425" rIns="91425" wrap="square" tIns="91425">
+            <a:bodyPr wrap="square" lIns="91425" tIns="91425" rIns="91425" bIns="91425" anchor="ctr" anchorCtr="0">
               <a:noAutofit/>
             </a:bodyPr>
             <a:lstStyle/>
@@ -4939,9 +5045,6 @@
                 </a:spcBef>
                 <a:buNone/>
               </a:pPr>
-              <a:r>
-                <a:t/>
-              </a:r>
               <a:endParaRPr/>
             </a:p>
           </p:txBody>
@@ -4959,7 +5062,7 @@
             </a:xfrm>
             <a:prstGeom prst="diagStripe">
               <a:avLst>
-                <a:gd fmla="val 50000" name="adj"/>
+                <a:gd name="adj" fmla="val 50000"/>
               </a:avLst>
             </a:prstGeom>
             <a:solidFill>
@@ -4972,7 +5075,7 @@
             </a:ln>
           </p:spPr>
           <p:txBody>
-            <a:bodyPr anchorCtr="0" anchor="ctr" bIns="91425" lIns="91425" rIns="91425" wrap="square" tIns="91425">
+            <a:bodyPr wrap="square" lIns="91425" tIns="91425" rIns="91425" bIns="91425" anchor="ctr" anchorCtr="0">
               <a:noAutofit/>
             </a:bodyPr>
             <a:lstStyle/>
@@ -4983,9 +5086,6 @@
                 </a:spcBef>
                 <a:buNone/>
               </a:pPr>
-              <a:r>
-                <a:t/>
-              </a:r>
               <a:endParaRPr/>
             </a:p>
           </p:txBody>
@@ -5003,7 +5103,7 @@
             </a:xfrm>
             <a:prstGeom prst="diagStripe">
               <a:avLst>
-                <a:gd fmla="val 50000" name="adj"/>
+                <a:gd name="adj" fmla="val 50000"/>
               </a:avLst>
             </a:prstGeom>
             <a:solidFill>
@@ -5016,7 +5116,7 @@
             </a:ln>
           </p:spPr>
           <p:txBody>
-            <a:bodyPr anchorCtr="0" anchor="ctr" bIns="91425" lIns="91425" rIns="91425" wrap="square" tIns="91425">
+            <a:bodyPr wrap="square" lIns="91425" tIns="91425" rIns="91425" bIns="91425" anchor="ctr" anchorCtr="0">
               <a:noAutofit/>
             </a:bodyPr>
             <a:lstStyle/>
@@ -5027,9 +5127,6 @@
                 </a:spcBef>
                 <a:buNone/>
               </a:pPr>
-              <a:r>
-                <a:t/>
-              </a:r>
               <a:endParaRPr/>
             </a:p>
           </p:txBody>
@@ -5047,7 +5144,7 @@
             </a:xfrm>
             <a:prstGeom prst="diagStripe">
               <a:avLst>
-                <a:gd fmla="val 50000" name="adj"/>
+                <a:gd name="adj" fmla="val 50000"/>
               </a:avLst>
             </a:prstGeom>
             <a:solidFill>
@@ -5060,7 +5157,7 @@
             </a:ln>
           </p:spPr>
           <p:txBody>
-            <a:bodyPr anchorCtr="0" anchor="ctr" bIns="91425" lIns="91425" rIns="91425" wrap="square" tIns="91425">
+            <a:bodyPr wrap="square" lIns="91425" tIns="91425" rIns="91425" bIns="91425" anchor="ctr" anchorCtr="0">
               <a:noAutofit/>
             </a:bodyPr>
             <a:lstStyle/>
@@ -5071,9 +5168,6 @@
                 </a:spcBef>
                 <a:buNone/>
               </a:pPr>
-              <a:r>
-                <a:t/>
-              </a:r>
               <a:endParaRPr/>
             </a:p>
           </p:txBody>
@@ -5091,7 +5185,7 @@
             </a:xfrm>
             <a:prstGeom prst="diagStripe">
               <a:avLst>
-                <a:gd fmla="val 50000" name="adj"/>
+                <a:gd name="adj" fmla="val 50000"/>
               </a:avLst>
             </a:prstGeom>
             <a:solidFill>
@@ -5102,7 +5196,7 @@
             </a:ln>
           </p:spPr>
           <p:txBody>
-            <a:bodyPr anchorCtr="0" anchor="ctr" bIns="91425" lIns="91425" rIns="91425" wrap="square" tIns="91425">
+            <a:bodyPr wrap="square" lIns="91425" tIns="91425" rIns="91425" bIns="91425" anchor="ctr" anchorCtr="0">
               <a:noAutofit/>
             </a:bodyPr>
             <a:lstStyle/>
@@ -5113,9 +5207,6 @@
                 </a:spcBef>
                 <a:buNone/>
               </a:pPr>
-              <a:r>
-                <a:t/>
-              </a:r>
               <a:endParaRPr/>
             </a:p>
           </p:txBody>
@@ -5133,7 +5224,7 @@
             </a:xfrm>
             <a:prstGeom prst="diagStripe">
               <a:avLst>
-                <a:gd fmla="val 50000" name="adj"/>
+                <a:gd name="adj" fmla="val 50000"/>
               </a:avLst>
             </a:prstGeom>
             <a:solidFill>
@@ -5146,7 +5237,7 @@
             </a:ln>
           </p:spPr>
           <p:txBody>
-            <a:bodyPr anchorCtr="0" anchor="ctr" bIns="91425" lIns="91425" rIns="91425" wrap="square" tIns="91425">
+            <a:bodyPr wrap="square" lIns="91425" tIns="91425" rIns="91425" bIns="91425" anchor="ctr" anchorCtr="0">
               <a:noAutofit/>
             </a:bodyPr>
             <a:lstStyle/>
@@ -5157,9 +5248,6 @@
                 </a:spcBef>
                 <a:buNone/>
               </a:pPr>
-              <a:r>
-                <a:t/>
-              </a:r>
               <a:endParaRPr/>
             </a:p>
           </p:txBody>
@@ -5177,7 +5265,7 @@
             </a:xfrm>
             <a:prstGeom prst="diagStripe">
               <a:avLst>
-                <a:gd fmla="val 50000" name="adj"/>
+                <a:gd name="adj" fmla="val 50000"/>
               </a:avLst>
             </a:prstGeom>
             <a:solidFill>
@@ -5190,7 +5278,7 @@
             </a:ln>
           </p:spPr>
           <p:txBody>
-            <a:bodyPr anchorCtr="0" anchor="ctr" bIns="91425" lIns="91425" rIns="91425" wrap="square" tIns="91425">
+            <a:bodyPr wrap="square" lIns="91425" tIns="91425" rIns="91425" bIns="91425" anchor="ctr" anchorCtr="0">
               <a:noAutofit/>
             </a:bodyPr>
             <a:lstStyle/>
@@ -5201,9 +5289,6 @@
                 </a:spcBef>
                 <a:buNone/>
               </a:pPr>
-              <a:r>
-                <a:t/>
-              </a:r>
               <a:endParaRPr/>
             </a:p>
           </p:txBody>
@@ -5221,7 +5306,7 @@
             </a:xfrm>
             <a:prstGeom prst="diagStripe">
               <a:avLst>
-                <a:gd fmla="val 50000" name="adj"/>
+                <a:gd name="adj" fmla="val 50000"/>
               </a:avLst>
             </a:prstGeom>
             <a:solidFill>
@@ -5234,7 +5319,7 @@
             </a:ln>
           </p:spPr>
           <p:txBody>
-            <a:bodyPr anchorCtr="0" anchor="ctr" bIns="91425" lIns="91425" rIns="91425" wrap="square" tIns="91425">
+            <a:bodyPr wrap="square" lIns="91425" tIns="91425" rIns="91425" bIns="91425" anchor="ctr" anchorCtr="0">
               <a:noAutofit/>
             </a:bodyPr>
             <a:lstStyle/>
@@ -5245,9 +5330,6 @@
                 </a:spcBef>
                 <a:buNone/>
               </a:pPr>
-              <a:r>
-                <a:t/>
-              </a:r>
               <a:endParaRPr/>
             </a:p>
           </p:txBody>
@@ -5265,7 +5347,7 @@
             </a:xfrm>
             <a:prstGeom prst="diagStripe">
               <a:avLst>
-                <a:gd fmla="val 50000" name="adj"/>
+                <a:gd name="adj" fmla="val 50000"/>
               </a:avLst>
             </a:prstGeom>
             <a:solidFill>
@@ -5278,7 +5360,7 @@
             </a:ln>
           </p:spPr>
           <p:txBody>
-            <a:bodyPr anchorCtr="0" anchor="ctr" bIns="91425" lIns="91425" rIns="91425" wrap="square" tIns="91425">
+            <a:bodyPr wrap="square" lIns="91425" tIns="91425" rIns="91425" bIns="91425" anchor="ctr" anchorCtr="0">
               <a:noAutofit/>
             </a:bodyPr>
             <a:lstStyle/>
@@ -5289,9 +5371,6 @@
                 </a:spcBef>
                 <a:buNone/>
               </a:pPr>
-              <a:r>
-                <a:t/>
-              </a:r>
               <a:endParaRPr/>
             </a:p>
           </p:txBody>
@@ -5309,7 +5388,7 @@
             </a:xfrm>
             <a:prstGeom prst="diagStripe">
               <a:avLst>
-                <a:gd fmla="val 50000" name="adj"/>
+                <a:gd name="adj" fmla="val 50000"/>
               </a:avLst>
             </a:prstGeom>
             <a:solidFill>
@@ -5322,7 +5401,7 @@
             </a:ln>
           </p:spPr>
           <p:txBody>
-            <a:bodyPr anchorCtr="0" anchor="ctr" bIns="91425" lIns="91425" rIns="91425" wrap="square" tIns="91425">
+            <a:bodyPr wrap="square" lIns="91425" tIns="91425" rIns="91425" bIns="91425" anchor="ctr" anchorCtr="0">
               <a:noAutofit/>
             </a:bodyPr>
             <a:lstStyle/>
@@ -5333,9 +5412,6 @@
                 </a:spcBef>
                 <a:buNone/>
               </a:pPr>
-              <a:r>
-                <a:t/>
-              </a:r>
               <a:endParaRPr/>
             </a:p>
           </p:txBody>
@@ -5353,7 +5429,7 @@
             </a:xfrm>
             <a:prstGeom prst="diagStripe">
               <a:avLst>
-                <a:gd fmla="val 50000" name="adj"/>
+                <a:gd name="adj" fmla="val 50000"/>
               </a:avLst>
             </a:prstGeom>
             <a:solidFill>
@@ -5364,7 +5440,7 @@
             </a:ln>
           </p:spPr>
           <p:txBody>
-            <a:bodyPr anchorCtr="0" anchor="ctr" bIns="91425" lIns="91425" rIns="91425" wrap="square" tIns="91425">
+            <a:bodyPr wrap="square" lIns="91425" tIns="91425" rIns="91425" bIns="91425" anchor="ctr" anchorCtr="0">
               <a:noAutofit/>
             </a:bodyPr>
             <a:lstStyle/>
@@ -5375,9 +5451,6 @@
                 </a:spcBef>
                 <a:buNone/>
               </a:pPr>
-              <a:r>
-                <a:t/>
-              </a:r>
               <a:endParaRPr/>
             </a:p>
           </p:txBody>
@@ -5395,7 +5468,7 @@
             </a:xfrm>
             <a:prstGeom prst="diagStripe">
               <a:avLst>
-                <a:gd fmla="val 50000" name="adj"/>
+                <a:gd name="adj" fmla="val 50000"/>
               </a:avLst>
             </a:prstGeom>
             <a:solidFill>
@@ -5408,7 +5481,7 @@
             </a:ln>
           </p:spPr>
           <p:txBody>
-            <a:bodyPr anchorCtr="0" anchor="ctr" bIns="91425" lIns="91425" rIns="91425" wrap="square" tIns="91425">
+            <a:bodyPr wrap="square" lIns="91425" tIns="91425" rIns="91425" bIns="91425" anchor="ctr" anchorCtr="0">
               <a:noAutofit/>
             </a:bodyPr>
             <a:lstStyle/>
@@ -5419,9 +5492,6 @@
                 </a:spcBef>
                 <a:buNone/>
               </a:pPr>
-              <a:r>
-                <a:t/>
-              </a:r>
               <a:endParaRPr/>
             </a:p>
           </p:txBody>
@@ -5439,7 +5509,7 @@
             </a:xfrm>
             <a:prstGeom prst="diagStripe">
               <a:avLst>
-                <a:gd fmla="val 50000" name="adj"/>
+                <a:gd name="adj" fmla="val 50000"/>
               </a:avLst>
             </a:prstGeom>
             <a:solidFill>
@@ -5452,7 +5522,7 @@
             </a:ln>
           </p:spPr>
           <p:txBody>
-            <a:bodyPr anchorCtr="0" anchor="ctr" bIns="91425" lIns="91425" rIns="91425" wrap="square" tIns="91425">
+            <a:bodyPr wrap="square" lIns="91425" tIns="91425" rIns="91425" bIns="91425" anchor="ctr" anchorCtr="0">
               <a:noAutofit/>
             </a:bodyPr>
             <a:lstStyle/>
@@ -5463,9 +5533,6 @@
                 </a:spcBef>
                 <a:buNone/>
               </a:pPr>
-              <a:r>
-                <a:t/>
-              </a:r>
               <a:endParaRPr/>
             </a:p>
           </p:txBody>
@@ -5483,7 +5550,7 @@
             </a:xfrm>
             <a:prstGeom prst="diagStripe">
               <a:avLst>
-                <a:gd fmla="val 50000" name="adj"/>
+                <a:gd name="adj" fmla="val 50000"/>
               </a:avLst>
             </a:prstGeom>
             <a:solidFill>
@@ -5496,7 +5563,7 @@
             </a:ln>
           </p:spPr>
           <p:txBody>
-            <a:bodyPr anchorCtr="0" anchor="ctr" bIns="91425" lIns="91425" rIns="91425" wrap="square" tIns="91425">
+            <a:bodyPr wrap="square" lIns="91425" tIns="91425" rIns="91425" bIns="91425" anchor="ctr" anchorCtr="0">
               <a:noAutofit/>
             </a:bodyPr>
             <a:lstStyle/>
@@ -5507,9 +5574,6 @@
                 </a:spcBef>
                 <a:buNone/>
               </a:pPr>
-              <a:r>
-                <a:t/>
-              </a:r>
               <a:endParaRPr/>
             </a:p>
           </p:txBody>
@@ -5527,7 +5591,7 @@
             </a:xfrm>
             <a:prstGeom prst="diagStripe">
               <a:avLst>
-                <a:gd fmla="val 50000" name="adj"/>
+                <a:gd name="adj" fmla="val 50000"/>
               </a:avLst>
             </a:prstGeom>
             <a:solidFill>
@@ -5540,7 +5604,7 @@
             </a:ln>
           </p:spPr>
           <p:txBody>
-            <a:bodyPr anchorCtr="0" anchor="ctr" bIns="91425" lIns="91425" rIns="91425" wrap="square" tIns="91425">
+            <a:bodyPr wrap="square" lIns="91425" tIns="91425" rIns="91425" bIns="91425" anchor="ctr" anchorCtr="0">
               <a:noAutofit/>
             </a:bodyPr>
             <a:lstStyle/>
@@ -5551,9 +5615,6 @@
                 </a:spcBef>
                 <a:buNone/>
               </a:pPr>
-              <a:r>
-                <a:t/>
-              </a:r>
               <a:endParaRPr/>
             </a:p>
           </p:txBody>
@@ -5562,7 +5623,9 @@
       <p:sp>
         <p:nvSpPr>
           <p:cNvPr id="89" name="Shape 89"/>
-          <p:cNvSpPr txBox="1"/>
+          <p:cNvSpPr txBox="1">
+            <a:spLocks noGrp="1"/>
+          </p:cNvSpPr>
           <p:nvPr>
             <p:ph type="title"/>
           </p:nvPr>
@@ -5577,7 +5640,7 @@
           </a:prstGeom>
         </p:spPr>
         <p:txBody>
-          <a:bodyPr anchorCtr="0" anchor="ctr" bIns="91425" lIns="91425" rIns="91425" wrap="square" tIns="91425"/>
+          <a:bodyPr wrap="square" lIns="91425" tIns="91425" rIns="91425" bIns="91425" anchor="ctr" anchorCtr="0"/>
           <a:lstStyle>
             <a:lvl1pPr lvl="0">
               <a:spcBef>
@@ -5634,15 +5697,19 @@
               <a:defRPr/>
             </a:lvl9pPr>
           </a:lstStyle>
-          <a:p/>
+          <a:p>
+            <a:endParaRPr/>
+          </a:p>
         </p:txBody>
       </p:sp>
       <p:sp>
         <p:nvSpPr>
           <p:cNvPr id="90" name="Shape 90"/>
-          <p:cNvSpPr txBox="1"/>
+          <p:cNvSpPr txBox="1">
+            <a:spLocks noGrp="1"/>
+          </p:cNvSpPr>
           <p:nvPr>
-            <p:ph idx="12" type="sldNum"/>
+            <p:ph type="sldNum" idx="12"/>
           </p:nvPr>
         </p:nvSpPr>
         <p:spPr>
@@ -5655,7 +5722,7 @@
           </a:prstGeom>
         </p:spPr>
         <p:txBody>
-          <a:bodyPr anchorCtr="0" anchor="ctr" bIns="91425" lIns="91425" rIns="91425" wrap="square" tIns="91425">
+          <a:bodyPr wrap="square" lIns="91425" tIns="91425" rIns="91425" bIns="91425" anchor="ctr" anchorCtr="0">
             <a:noAutofit/>
           </a:bodyPr>
           <a:lstStyle/>
@@ -5668,8 +5735,15 @@
             </a:pPr>
             <a:fld id="{00000000-1234-1234-1234-123412341234}" type="slidenum">
               <a:rPr lang="en"/>
+              <a:pPr lvl="0">
+                <a:spcBef>
+                  <a:spcPts val="0"/>
+                </a:spcBef>
+                <a:buNone/>
+              </a:pPr>
               <a:t>‹#›</a:t>
             </a:fld>
+            <a:endParaRPr lang="en"/>
           </a:p>
         </p:txBody>
       </p:sp>
@@ -5682,11 +5756,11 @@
 </file>
 
 <file path=ppt/slideLayouts/slideLayout8.xml><?xml version="1.0" encoding="utf-8"?>
-<p:sldLayout xmlns:a="http://schemas.openxmlformats.org/drawingml/2006/main" xmlns:r="http://schemas.openxmlformats.org/officeDocument/2006/relationships" xmlns:mc="http://schemas.openxmlformats.org/markup-compatibility/2006" xmlns:mv="urn:schemas-microsoft-com:mac:vml" xmlns:p="http://schemas.openxmlformats.org/presentationml/2006/main" xmlns:c="http://schemas.openxmlformats.org/drawingml/2006/chart" xmlns:dgm="http://schemas.openxmlformats.org/drawingml/2006/diagram" xmlns:o="urn:schemas-microsoft-com:office:office" xmlns:v="urn:schemas-microsoft-com:vml" xmlns:pvml="urn:schemas-microsoft-com:office:powerpoint" xmlns:com="http://schemas.openxmlformats.org/drawingml/2006/compatibility" xmlns:p14="http://schemas.microsoft.com/office/powerpoint/2010/main" xmlns:p15="http://schemas.microsoft.com/office/powerpoint/2012/main">
+<p:sldLayout xmlns:a="http://schemas.openxmlformats.org/drawingml/2006/main" xmlns:r="http://schemas.openxmlformats.org/officeDocument/2006/relationships" xmlns:p="http://schemas.openxmlformats.org/presentationml/2006/main">
   <p:cSld name="Section title and description">
     <p:spTree>
       <p:nvGrpSpPr>
-        <p:cNvPr id="91" name="Shape 91"/>
+        <p:cNvPr id="1" name="Shape 91"/>
         <p:cNvGrpSpPr/>
         <p:nvPr/>
       </p:nvGrpSpPr>
@@ -5725,7 +5799,7 @@
             </a:xfrm>
             <a:prstGeom prst="diagStripe">
               <a:avLst>
-                <a:gd fmla="val 50000" name="adj"/>
+                <a:gd name="adj" fmla="val 50000"/>
               </a:avLst>
             </a:prstGeom>
             <a:solidFill>
@@ -5736,7 +5810,7 @@
             </a:ln>
           </p:spPr>
           <p:txBody>
-            <a:bodyPr anchorCtr="0" anchor="ctr" bIns="91425" lIns="91425" rIns="91425" wrap="square" tIns="91425">
+            <a:bodyPr wrap="square" lIns="91425" tIns="91425" rIns="91425" bIns="91425" anchor="ctr" anchorCtr="0">
               <a:noAutofit/>
             </a:bodyPr>
             <a:lstStyle/>
@@ -5747,9 +5821,6 @@
                 </a:spcBef>
                 <a:buNone/>
               </a:pPr>
-              <a:r>
-                <a:t/>
-              </a:r>
               <a:endParaRPr/>
             </a:p>
           </p:txBody>
@@ -5767,7 +5838,7 @@
             </a:xfrm>
             <a:prstGeom prst="diagStripe">
               <a:avLst>
-                <a:gd fmla="val 50000" name="adj"/>
+                <a:gd name="adj" fmla="val 50000"/>
               </a:avLst>
             </a:prstGeom>
             <a:solidFill>
@@ -5778,7 +5849,7 @@
             </a:ln>
           </p:spPr>
           <p:txBody>
-            <a:bodyPr anchorCtr="0" anchor="ctr" bIns="91425" lIns="91425" rIns="91425" wrap="square" tIns="91425">
+            <a:bodyPr wrap="square" lIns="91425" tIns="91425" rIns="91425" bIns="91425" anchor="ctr" anchorCtr="0">
               <a:noAutofit/>
             </a:bodyPr>
             <a:lstStyle/>
@@ -5789,9 +5860,6 @@
                 </a:spcBef>
                 <a:buNone/>
               </a:pPr>
-              <a:r>
-                <a:t/>
-              </a:r>
               <a:endParaRPr/>
             </a:p>
           </p:txBody>
@@ -5800,7 +5868,9 @@
       <p:sp>
         <p:nvSpPr>
           <p:cNvPr id="95" name="Shape 95"/>
-          <p:cNvSpPr txBox="1"/>
+          <p:cNvSpPr txBox="1">
+            <a:spLocks noGrp="1"/>
+          </p:cNvSpPr>
           <p:nvPr>
             <p:ph type="title"/>
           </p:nvPr>
@@ -5815,7 +5885,7 @@
           </a:prstGeom>
         </p:spPr>
         <p:txBody>
-          <a:bodyPr anchorCtr="0" anchor="t" bIns="91425" lIns="91425" rIns="91425" wrap="square" tIns="91425"/>
+          <a:bodyPr wrap="square" lIns="91425" tIns="91425" rIns="91425" bIns="91425" anchor="t" anchorCtr="0"/>
           <a:lstStyle>
             <a:lvl1pPr lvl="0">
               <a:spcBef>
@@ -5881,15 +5951,19 @@
               <a:defRPr sz="2400"/>
             </a:lvl9pPr>
           </a:lstStyle>
-          <a:p/>
+          <a:p>
+            <a:endParaRPr/>
+          </a:p>
         </p:txBody>
       </p:sp>
       <p:sp>
         <p:nvSpPr>
           <p:cNvPr id="96" name="Shape 96"/>
-          <p:cNvSpPr txBox="1"/>
+          <p:cNvSpPr txBox="1">
+            <a:spLocks noGrp="1"/>
+          </p:cNvSpPr>
           <p:nvPr>
-            <p:ph idx="1" type="subTitle"/>
+            <p:ph type="subTitle" idx="1"/>
           </p:nvPr>
         </p:nvSpPr>
         <p:spPr>
@@ -5902,7 +5976,7 @@
           </a:prstGeom>
         </p:spPr>
         <p:txBody>
-          <a:bodyPr anchorCtr="0" anchor="t" bIns="91425" lIns="91425" rIns="91425" wrap="square" tIns="91425"/>
+          <a:bodyPr wrap="square" lIns="91425" tIns="91425" rIns="91425" bIns="91425" anchor="t" anchorCtr="0"/>
           <a:lstStyle>
             <a:lvl1pPr lvl="0">
               <a:lnSpc>
@@ -6030,15 +6104,19 @@
               <a:defRPr sz="1300"/>
             </a:lvl9pPr>
           </a:lstStyle>
-          <a:p/>
+          <a:p>
+            <a:endParaRPr/>
+          </a:p>
         </p:txBody>
       </p:sp>
       <p:sp>
         <p:nvSpPr>
           <p:cNvPr id="97" name="Shape 97"/>
-          <p:cNvSpPr txBox="1"/>
+          <p:cNvSpPr txBox="1">
+            <a:spLocks noGrp="1"/>
+          </p:cNvSpPr>
           <p:nvPr>
-            <p:ph idx="2" type="body"/>
+            <p:ph type="body" idx="2"/>
           </p:nvPr>
         </p:nvSpPr>
         <p:spPr>
@@ -6051,7 +6129,7 @@
           </a:prstGeom>
         </p:spPr>
         <p:txBody>
-          <a:bodyPr anchorCtr="0" anchor="t" bIns="91425" lIns="91425" rIns="91425" wrap="square" tIns="91425"/>
+          <a:bodyPr wrap="square" lIns="91425" tIns="91425" rIns="91425" bIns="91425" anchor="t" anchorCtr="0"/>
           <a:lstStyle>
             <a:lvl1pPr lvl="0">
               <a:spcBef>
@@ -6108,15 +6186,19 @@
               <a:defRPr/>
             </a:lvl9pPr>
           </a:lstStyle>
-          <a:p/>
+          <a:p>
+            <a:endParaRPr/>
+          </a:p>
         </p:txBody>
       </p:sp>
       <p:sp>
         <p:nvSpPr>
           <p:cNvPr id="98" name="Shape 98"/>
-          <p:cNvSpPr txBox="1"/>
+          <p:cNvSpPr txBox="1">
+            <a:spLocks noGrp="1"/>
+          </p:cNvSpPr>
           <p:nvPr>
-            <p:ph idx="12" type="sldNum"/>
+            <p:ph type="sldNum" idx="12"/>
           </p:nvPr>
         </p:nvSpPr>
         <p:spPr>
@@ -6129,7 +6211,7 @@
           </a:prstGeom>
         </p:spPr>
         <p:txBody>
-          <a:bodyPr anchorCtr="0" anchor="ctr" bIns="91425" lIns="91425" rIns="91425" wrap="square" tIns="91425">
+          <a:bodyPr wrap="square" lIns="91425" tIns="91425" rIns="91425" bIns="91425" anchor="ctr" anchorCtr="0">
             <a:noAutofit/>
           </a:bodyPr>
           <a:lstStyle/>
@@ -6142,8 +6224,15 @@
             </a:pPr>
             <a:fld id="{00000000-1234-1234-1234-123412341234}" type="slidenum">
               <a:rPr lang="en"/>
+              <a:pPr lvl="0">
+                <a:spcBef>
+                  <a:spcPts val="0"/>
+                </a:spcBef>
+                <a:buNone/>
+              </a:pPr>
               <a:t>‹#›</a:t>
             </a:fld>
+            <a:endParaRPr lang="en"/>
           </a:p>
         </p:txBody>
       </p:sp>
@@ -6156,11 +6245,11 @@
 </file>
 
 <file path=ppt/slideLayouts/slideLayout9.xml><?xml version="1.0" encoding="utf-8"?>
-<p:sldLayout xmlns:a="http://schemas.openxmlformats.org/drawingml/2006/main" xmlns:r="http://schemas.openxmlformats.org/officeDocument/2006/relationships" xmlns:mc="http://schemas.openxmlformats.org/markup-compatibility/2006" xmlns:mv="urn:schemas-microsoft-com:mac:vml" xmlns:p="http://schemas.openxmlformats.org/presentationml/2006/main" xmlns:c="http://schemas.openxmlformats.org/drawingml/2006/chart" xmlns:dgm="http://schemas.openxmlformats.org/drawingml/2006/diagram" xmlns:o="urn:schemas-microsoft-com:office:office" xmlns:v="urn:schemas-microsoft-com:vml" xmlns:pvml="urn:schemas-microsoft-com:office:powerpoint" xmlns:com="http://schemas.openxmlformats.org/drawingml/2006/compatibility" xmlns:p14="http://schemas.microsoft.com/office/powerpoint/2010/main" xmlns:p15="http://schemas.microsoft.com/office/powerpoint/2012/main">
+<p:sldLayout xmlns:a="http://schemas.openxmlformats.org/drawingml/2006/main" xmlns:r="http://schemas.openxmlformats.org/officeDocument/2006/relationships" xmlns:p="http://schemas.openxmlformats.org/presentationml/2006/main">
   <p:cSld name="Caption">
     <p:spTree>
       <p:nvGrpSpPr>
-        <p:cNvPr id="99" name="Shape 99"/>
+        <p:cNvPr id="1" name="Shape 99"/>
         <p:cNvGrpSpPr/>
         <p:nvPr/>
       </p:nvGrpSpPr>
@@ -6199,7 +6288,7 @@
             </a:xfrm>
             <a:prstGeom prst="diagStripe">
               <a:avLst>
-                <a:gd fmla="val 50000" name="adj"/>
+                <a:gd name="adj" fmla="val 50000"/>
               </a:avLst>
             </a:prstGeom>
             <a:solidFill>
@@ -6212,7 +6301,7 @@
             </a:ln>
           </p:spPr>
           <p:txBody>
-            <a:bodyPr anchorCtr="0" anchor="ctr" bIns="91425" lIns="91425" rIns="91425" wrap="square" tIns="91425">
+            <a:bodyPr wrap="square" lIns="91425" tIns="91425" rIns="91425" bIns="91425" anchor="ctr" anchorCtr="0">
               <a:noAutofit/>
             </a:bodyPr>
             <a:lstStyle/>
@@ -6223,9 +6312,6 @@
                 </a:spcBef>
                 <a:buNone/>
               </a:pPr>
-              <a:r>
-                <a:t/>
-              </a:r>
               <a:endParaRPr/>
             </a:p>
           </p:txBody>
@@ -6243,7 +6329,7 @@
             </a:xfrm>
             <a:prstGeom prst="diagStripe">
               <a:avLst>
-                <a:gd fmla="val 50000" name="adj"/>
+                <a:gd name="adj" fmla="val 50000"/>
               </a:avLst>
             </a:prstGeom>
             <a:solidFill>
@@ -6256,7 +6342,7 @@
             </a:ln>
           </p:spPr>
           <p:txBody>
-            <a:bodyPr anchorCtr="0" anchor="ctr" bIns="91425" lIns="91425" rIns="91425" wrap="square" tIns="91425">
+            <a:bodyPr wrap="square" lIns="91425" tIns="91425" rIns="91425" bIns="91425" anchor="ctr" anchorCtr="0">
               <a:noAutofit/>
             </a:bodyPr>
             <a:lstStyle/>
@@ -6267,9 +6353,6 @@
                 </a:spcBef>
                 <a:buNone/>
               </a:pPr>
-              <a:r>
-                <a:t/>
-              </a:r>
               <a:endParaRPr/>
             </a:p>
           </p:txBody>
@@ -6278,9 +6361,11 @@
       <p:sp>
         <p:nvSpPr>
           <p:cNvPr id="103" name="Shape 103"/>
-          <p:cNvSpPr txBox="1"/>
+          <p:cNvSpPr txBox="1">
+            <a:spLocks noGrp="1"/>
+          </p:cNvSpPr>
           <p:nvPr>
-            <p:ph idx="1" type="body"/>
+            <p:ph type="body" idx="1"/>
           </p:nvPr>
         </p:nvSpPr>
         <p:spPr>
@@ -6293,7 +6378,7 @@
           </a:prstGeom>
         </p:spPr>
         <p:txBody>
-          <a:bodyPr anchorCtr="0" anchor="ctr" bIns="91425" lIns="91425" rIns="91425" wrap="square" tIns="91425"/>
+          <a:bodyPr wrap="square" lIns="91425" tIns="91425" rIns="91425" bIns="91425" anchor="ctr" anchorCtr="0"/>
           <a:lstStyle>
             <a:lvl1pPr lvl="0">
               <a:lnSpc>
@@ -6309,15 +6394,19 @@
               <a:defRPr/>
             </a:lvl1pPr>
           </a:lstStyle>
-          <a:p/>
+          <a:p>
+            <a:endParaRPr/>
+          </a:p>
         </p:txBody>
       </p:sp>
       <p:sp>
         <p:nvSpPr>
           <p:cNvPr id="104" name="Shape 104"/>
-          <p:cNvSpPr txBox="1"/>
+          <p:cNvSpPr txBox="1">
+            <a:spLocks noGrp="1"/>
+          </p:cNvSpPr>
           <p:nvPr>
-            <p:ph idx="12" type="sldNum"/>
+            <p:ph type="sldNum" idx="12"/>
           </p:nvPr>
         </p:nvSpPr>
         <p:spPr>
@@ -6330,7 +6419,7 @@
           </a:prstGeom>
         </p:spPr>
         <p:txBody>
-          <a:bodyPr anchorCtr="0" anchor="ctr" bIns="91425" lIns="91425" rIns="91425" wrap="square" tIns="91425">
+          <a:bodyPr wrap="square" lIns="91425" tIns="91425" rIns="91425" bIns="91425" anchor="ctr" anchorCtr="0">
             <a:noAutofit/>
           </a:bodyPr>
           <a:lstStyle/>
@@ -6343,8 +6432,15 @@
             </a:pPr>
             <a:fld id="{00000000-1234-1234-1234-123412341234}" type="slidenum">
               <a:rPr lang="en"/>
+              <a:pPr lvl="0">
+                <a:spcBef>
+                  <a:spcPts val="0"/>
+                </a:spcBef>
+                <a:buNone/>
+              </a:pPr>
               <a:t>‹#›</a:t>
             </a:fld>
+            <a:endParaRPr lang="en"/>
           </a:p>
         </p:txBody>
       </p:sp>
@@ -6357,18 +6453,19 @@
 </file>
 
 <file path=ppt/slideMasters/slideMaster1.xml><?xml version="1.0" encoding="utf-8"?>
-<p:sldMaster xmlns:a="http://schemas.openxmlformats.org/drawingml/2006/main" xmlns:r="http://schemas.openxmlformats.org/officeDocument/2006/relationships" xmlns:mc="http://schemas.openxmlformats.org/markup-compatibility/2006" xmlns:mv="urn:schemas-microsoft-com:mac:vml" xmlns:p="http://schemas.openxmlformats.org/presentationml/2006/main" xmlns:c="http://schemas.openxmlformats.org/drawingml/2006/chart" xmlns:dgm="http://schemas.openxmlformats.org/drawingml/2006/diagram" xmlns:o="urn:schemas-microsoft-com:office:office" xmlns:v="urn:schemas-microsoft-com:vml" xmlns:pvml="urn:schemas-microsoft-com:office:powerpoint" xmlns:com="http://schemas.openxmlformats.org/drawingml/2006/compatibility" xmlns:p14="http://schemas.microsoft.com/office/powerpoint/2010/main" xmlns:p15="http://schemas.microsoft.com/office/powerpoint/2012/main">
+<p:sldMaster xmlns:a="http://schemas.openxmlformats.org/drawingml/2006/main" xmlns:r="http://schemas.openxmlformats.org/officeDocument/2006/relationships" xmlns:p="http://schemas.openxmlformats.org/presentationml/2006/main">
   <p:cSld name="focus">
     <p:bg>
       <p:bgPr>
         <a:solidFill>
           <a:schemeClr val="dk1"/>
         </a:solidFill>
+        <a:effectLst/>
       </p:bgPr>
     </p:bg>
     <p:spTree>
       <p:nvGrpSpPr>
-        <p:cNvPr id="5" name="Shape 5"/>
+        <p:cNvPr id="1" name="Shape 5"/>
         <p:cNvGrpSpPr/>
         <p:nvPr/>
       </p:nvGrpSpPr>
@@ -6383,7 +6480,9 @@
       <p:sp>
         <p:nvSpPr>
           <p:cNvPr id="6" name="Shape 6"/>
-          <p:cNvSpPr txBox="1"/>
+          <p:cNvSpPr txBox="1">
+            <a:spLocks noGrp="1"/>
+          </p:cNvSpPr>
           <p:nvPr>
             <p:ph type="title"/>
           </p:nvPr>
@@ -6402,7 +6501,7 @@
           </a:ln>
         </p:spPr>
         <p:txBody>
-          <a:bodyPr anchorCtr="0" anchor="t" bIns="91425" lIns="91425" rIns="91425" wrap="square" tIns="91425"/>
+          <a:bodyPr wrap="square" lIns="91425" tIns="91425" rIns="91425" bIns="91425" anchor="t" anchorCtr="0"/>
           <a:lstStyle>
             <a:lvl1pPr lvl="0">
               <a:spcBef>
@@ -6585,15 +6684,19 @@
               </a:defRPr>
             </a:lvl9pPr>
           </a:lstStyle>
-          <a:p/>
+          <a:p>
+            <a:endParaRPr/>
+          </a:p>
         </p:txBody>
       </p:sp>
       <p:sp>
         <p:nvSpPr>
           <p:cNvPr id="7" name="Shape 7"/>
-          <p:cNvSpPr txBox="1"/>
+          <p:cNvSpPr txBox="1">
+            <a:spLocks noGrp="1"/>
+          </p:cNvSpPr>
           <p:nvPr>
-            <p:ph idx="1" type="body"/>
+            <p:ph type="body" idx="1"/>
           </p:nvPr>
         </p:nvSpPr>
         <p:spPr>
@@ -6610,7 +6713,7 @@
           </a:ln>
         </p:spPr>
         <p:txBody>
-          <a:bodyPr anchorCtr="0" anchor="t" bIns="91425" lIns="91425" rIns="91425" wrap="square" tIns="91425"/>
+          <a:bodyPr wrap="square" lIns="91425" tIns="91425" rIns="91425" bIns="91425" anchor="t" anchorCtr="0"/>
           <a:lstStyle>
             <a:lvl1pPr lvl="0">
               <a:lnSpc>
@@ -6847,15 +6950,19 @@
               </a:defRPr>
             </a:lvl9pPr>
           </a:lstStyle>
-          <a:p/>
+          <a:p>
+            <a:endParaRPr/>
+          </a:p>
         </p:txBody>
       </p:sp>
       <p:sp>
         <p:nvSpPr>
           <p:cNvPr id="8" name="Shape 8"/>
-          <p:cNvSpPr txBox="1"/>
+          <p:cNvSpPr txBox="1">
+            <a:spLocks noGrp="1"/>
+          </p:cNvSpPr>
           <p:nvPr>
-            <p:ph idx="12" type="sldNum"/>
+            <p:ph type="sldNum" idx="12"/>
           </p:nvPr>
         </p:nvSpPr>
         <p:spPr>
@@ -6872,7 +6979,7 @@
           </a:ln>
         </p:spPr>
         <p:txBody>
-          <a:bodyPr anchorCtr="0" anchor="ctr" bIns="91425" lIns="91425" rIns="91425" wrap="square" tIns="91425">
+          <a:bodyPr wrap="square" lIns="91425" tIns="91425" rIns="91425" bIns="91425" anchor="ctr" anchorCtr="0">
             <a:noAutofit/>
           </a:bodyPr>
           <a:lstStyle/>
@@ -6893,14 +7000,29 @@
                 <a:cs typeface="Lato"/>
                 <a:sym typeface="Lato"/>
               </a:rPr>
+              <a:pPr lvl="0" algn="r">
+                <a:spcBef>
+                  <a:spcPts val="0"/>
+                </a:spcBef>
+                <a:buNone/>
+              </a:pPr>
               <a:t>‹#›</a:t>
             </a:fld>
+            <a:endParaRPr lang="en" sz="1000">
+              <a:solidFill>
+                <a:schemeClr val="lt1"/>
+              </a:solidFill>
+              <a:latin typeface="Lato"/>
+              <a:ea typeface="Lato"/>
+              <a:cs typeface="Lato"/>
+              <a:sym typeface="Lato"/>
+            </a:endParaRPr>
           </a:p>
         </p:txBody>
       </p:sp>
     </p:spTree>
   </p:cSld>
-  <p:clrMap accent1="accent1" accent2="accent2" accent3="accent3" accent4="accent4" accent5="accent5" accent6="accent6" bg1="lt1" bg2="dk2" tx1="dk1" tx2="lt2" folHlink="folHlink" hlink="hlink"/>
+  <p:clrMap bg1="lt1" tx1="dk1" bg2="dk2" tx2="lt2" accent1="accent1" accent2="accent2" accent3="accent3" accent4="accent4" accent5="accent5" accent6="accent6" hlink="hlink" folHlink="folHlink"/>
   <p:sldLayoutIdLst>
     <p:sldLayoutId id="2147483648" r:id="rId1"/>
     <p:sldLayoutId id="2147483649" r:id="rId2"/>
@@ -6914,10 +7036,10 @@
     <p:sldLayoutId id="2147483657" r:id="rId10"/>
     <p:sldLayoutId id="2147483658" r:id="rId11"/>
   </p:sldLayoutIdLst>
-  <p:hf dt="0" ftr="0" hdr="0" sldNum="0"/>
+  <p:hf sldNum="0" hdr="0" ftr="0" dt="0"/>
   <p:txStyles>
     <p:titleStyle>
-      <a:defPPr lvl="0" marR="0" rtl="0" algn="l">
+      <a:defPPr marR="0" lvl="0" algn="l" rtl="0">
         <a:lnSpc>
           <a:spcPct val="100000"/>
         </a:lnSpc>
@@ -6928,7 +7050,7 @@
           <a:spcPts val="0"/>
         </a:spcAft>
       </a:defPPr>
-      <a:lvl1pPr lvl="0" marR="0" rtl="0" algn="l">
+      <a:lvl1pPr marR="0" lvl="0" algn="l" rtl="0">
         <a:lnSpc>
           <a:spcPct val="100000"/>
         </a:lnSpc>
@@ -6939,7 +7061,7 @@
           <a:spcPts val="0"/>
         </a:spcAft>
         <a:buNone/>
-        <a:defRPr b="0" i="0" sz="1400" u="none" cap="none" strike="noStrike">
+        <a:defRPr sz="1400" b="0" i="0" u="none" strike="noStrike" cap="none">
           <a:solidFill>
             <a:srgbClr val="000000"/>
           </a:solidFill>
@@ -6951,7 +7073,7 @@
       </a:lvl1pPr>
     </p:titleStyle>
     <p:bodyStyle>
-      <a:defPPr lvl="0" marR="0" rtl="0" algn="l">
+      <a:defPPr marR="0" lvl="0" algn="l" rtl="0">
         <a:lnSpc>
           <a:spcPct val="100000"/>
         </a:lnSpc>
@@ -6962,7 +7084,7 @@
           <a:spcPts val="0"/>
         </a:spcAft>
       </a:defPPr>
-      <a:lvl1pPr lvl="0" marR="0" rtl="0" algn="l">
+      <a:lvl1pPr marR="0" lvl="0" algn="l" rtl="0">
         <a:lnSpc>
           <a:spcPct val="100000"/>
         </a:lnSpc>
@@ -6973,7 +7095,7 @@
           <a:spcPts val="0"/>
         </a:spcAft>
         <a:buNone/>
-        <a:defRPr b="0" i="0" sz="1400" u="none" cap="none" strike="noStrike">
+        <a:defRPr sz="1400" b="0" i="0" u="none" strike="noStrike" cap="none">
           <a:solidFill>
             <a:srgbClr val="000000"/>
           </a:solidFill>
@@ -6983,7 +7105,7 @@
           <a:sym typeface="Arial"/>
         </a:defRPr>
       </a:lvl1pPr>
-      <a:lvl2pPr lvl="1" marR="0" rtl="0" algn="l">
+      <a:lvl2pPr marR="0" lvl="1" algn="l" rtl="0">
         <a:lnSpc>
           <a:spcPct val="100000"/>
         </a:lnSpc>
@@ -6994,7 +7116,7 @@
           <a:spcPts val="0"/>
         </a:spcAft>
         <a:buNone/>
-        <a:defRPr b="0" i="0" sz="1400" u="none" cap="none" strike="noStrike">
+        <a:defRPr sz="1400" b="0" i="0" u="none" strike="noStrike" cap="none">
           <a:solidFill>
             <a:srgbClr val="000000"/>
           </a:solidFill>
@@ -7004,7 +7126,7 @@
           <a:sym typeface="Arial"/>
         </a:defRPr>
       </a:lvl2pPr>
-      <a:lvl3pPr lvl="2" marR="0" rtl="0" algn="l">
+      <a:lvl3pPr marR="0" lvl="2" algn="l" rtl="0">
         <a:lnSpc>
           <a:spcPct val="100000"/>
         </a:lnSpc>
@@ -7015,7 +7137,7 @@
           <a:spcPts val="0"/>
         </a:spcAft>
         <a:buNone/>
-        <a:defRPr b="0" i="0" sz="1400" u="none" cap="none" strike="noStrike">
+        <a:defRPr sz="1400" b="0" i="0" u="none" strike="noStrike" cap="none">
           <a:solidFill>
             <a:srgbClr val="000000"/>
           </a:solidFill>
@@ -7025,7 +7147,7 @@
           <a:sym typeface="Arial"/>
         </a:defRPr>
       </a:lvl3pPr>
-      <a:lvl4pPr lvl="3" marR="0" rtl="0" algn="l">
+      <a:lvl4pPr marR="0" lvl="3" algn="l" rtl="0">
         <a:lnSpc>
           <a:spcPct val="100000"/>
         </a:lnSpc>
@@ -7036,7 +7158,7 @@
           <a:spcPts val="0"/>
         </a:spcAft>
         <a:buNone/>
-        <a:defRPr b="0" i="0" sz="1400" u="none" cap="none" strike="noStrike">
+        <a:defRPr sz="1400" b="0" i="0" u="none" strike="noStrike" cap="none">
           <a:solidFill>
             <a:srgbClr val="000000"/>
           </a:solidFill>
@@ -7046,7 +7168,7 @@
           <a:sym typeface="Arial"/>
         </a:defRPr>
       </a:lvl4pPr>
-      <a:lvl5pPr lvl="4" marR="0" rtl="0" algn="l">
+      <a:lvl5pPr marR="0" lvl="4" algn="l" rtl="0">
         <a:lnSpc>
           <a:spcPct val="100000"/>
         </a:lnSpc>
@@ -7057,7 +7179,7 @@
           <a:spcPts val="0"/>
         </a:spcAft>
         <a:buNone/>
-        <a:defRPr b="0" i="0" sz="1400" u="none" cap="none" strike="noStrike">
+        <a:defRPr sz="1400" b="0" i="0" u="none" strike="noStrike" cap="none">
           <a:solidFill>
             <a:srgbClr val="000000"/>
           </a:solidFill>
@@ -7067,7 +7189,7 @@
           <a:sym typeface="Arial"/>
         </a:defRPr>
       </a:lvl5pPr>
-      <a:lvl6pPr lvl="5" marR="0" rtl="0" algn="l">
+      <a:lvl6pPr marR="0" lvl="5" algn="l" rtl="0">
         <a:lnSpc>
           <a:spcPct val="100000"/>
         </a:lnSpc>
@@ -7078,7 +7200,7 @@
           <a:spcPts val="0"/>
         </a:spcAft>
         <a:buNone/>
-        <a:defRPr b="0" i="0" sz="1400" u="none" cap="none" strike="noStrike">
+        <a:defRPr sz="1400" b="0" i="0" u="none" strike="noStrike" cap="none">
           <a:solidFill>
             <a:srgbClr val="000000"/>
           </a:solidFill>
@@ -7088,7 +7210,7 @@
           <a:sym typeface="Arial"/>
         </a:defRPr>
       </a:lvl6pPr>
-      <a:lvl7pPr lvl="6" marR="0" rtl="0" algn="l">
+      <a:lvl7pPr marR="0" lvl="6" algn="l" rtl="0">
         <a:lnSpc>
           <a:spcPct val="100000"/>
         </a:lnSpc>
@@ -7099,7 +7221,7 @@
           <a:spcPts val="0"/>
         </a:spcAft>
         <a:buNone/>
-        <a:defRPr b="0" i="0" sz="1400" u="none" cap="none" strike="noStrike">
+        <a:defRPr sz="1400" b="0" i="0" u="none" strike="noStrike" cap="none">
           <a:solidFill>
             <a:srgbClr val="000000"/>
           </a:solidFill>
@@ -7109,7 +7231,7 @@
           <a:sym typeface="Arial"/>
         </a:defRPr>
       </a:lvl7pPr>
-      <a:lvl8pPr lvl="7" marR="0" rtl="0" algn="l">
+      <a:lvl8pPr marR="0" lvl="7" algn="l" rtl="0">
         <a:lnSpc>
           <a:spcPct val="100000"/>
         </a:lnSpc>
@@ -7120,7 +7242,7 @@
           <a:spcPts val="0"/>
         </a:spcAft>
         <a:buNone/>
-        <a:defRPr b="0" i="0" sz="1400" u="none" cap="none" strike="noStrike">
+        <a:defRPr sz="1400" b="0" i="0" u="none" strike="noStrike" cap="none">
           <a:solidFill>
             <a:srgbClr val="000000"/>
           </a:solidFill>
@@ -7130,7 +7252,7 @@
           <a:sym typeface="Arial"/>
         </a:defRPr>
       </a:lvl8pPr>
-      <a:lvl9pPr lvl="8" marR="0" rtl="0" algn="l">
+      <a:lvl9pPr marR="0" lvl="8" algn="l" rtl="0">
         <a:lnSpc>
           <a:spcPct val="100000"/>
         </a:lnSpc>
@@ -7141,7 +7263,7 @@
           <a:spcPts val="0"/>
         </a:spcAft>
         <a:buNone/>
-        <a:defRPr b="0" i="0" sz="1400" u="none" cap="none" strike="noStrike">
+        <a:defRPr sz="1400" b="0" i="0" u="none" strike="noStrike" cap="none">
           <a:solidFill>
             <a:srgbClr val="000000"/>
           </a:solidFill>
@@ -7153,7 +7275,7 @@
       </a:lvl9pPr>
     </p:bodyStyle>
     <p:otherStyle>
-      <a:defPPr lvl="0" marR="0" rtl="0" algn="l">
+      <a:defPPr marR="0" lvl="0" algn="l" rtl="0">
         <a:lnSpc>
           <a:spcPct val="100000"/>
         </a:lnSpc>
@@ -7164,7 +7286,7 @@
           <a:spcPts val="0"/>
         </a:spcAft>
       </a:defPPr>
-      <a:lvl1pPr lvl="0" marR="0" rtl="0" algn="l">
+      <a:lvl1pPr marR="0" lvl="0" algn="l" rtl="0">
         <a:lnSpc>
           <a:spcPct val="100000"/>
         </a:lnSpc>
@@ -7175,7 +7297,7 @@
           <a:spcPts val="0"/>
         </a:spcAft>
         <a:buNone/>
-        <a:defRPr b="0" i="0" sz="1400" u="none" cap="none" strike="noStrike">
+        <a:defRPr sz="1400" b="0" i="0" u="none" strike="noStrike" cap="none">
           <a:solidFill>
             <a:srgbClr val="000000"/>
           </a:solidFill>
@@ -7185,7 +7307,7 @@
           <a:sym typeface="Arial"/>
         </a:defRPr>
       </a:lvl1pPr>
-      <a:lvl2pPr lvl="1" marR="0" rtl="0" algn="l">
+      <a:lvl2pPr marR="0" lvl="1" algn="l" rtl="0">
         <a:lnSpc>
           <a:spcPct val="100000"/>
         </a:lnSpc>
@@ -7196,7 +7318,7 @@
           <a:spcPts val="0"/>
         </a:spcAft>
         <a:buNone/>
-        <a:defRPr b="0" i="0" sz="1400" u="none" cap="none" strike="noStrike">
+        <a:defRPr sz="1400" b="0" i="0" u="none" strike="noStrike" cap="none">
           <a:solidFill>
             <a:srgbClr val="000000"/>
           </a:solidFill>
@@ -7206,7 +7328,7 @@
           <a:sym typeface="Arial"/>
         </a:defRPr>
       </a:lvl2pPr>
-      <a:lvl3pPr lvl="2" marR="0" rtl="0" algn="l">
+      <a:lvl3pPr marR="0" lvl="2" algn="l" rtl="0">
         <a:lnSpc>
           <a:spcPct val="100000"/>
         </a:lnSpc>
@@ -7217,7 +7339,7 @@
           <a:spcPts val="0"/>
         </a:spcAft>
         <a:buNone/>
-        <a:defRPr b="0" i="0" sz="1400" u="none" cap="none" strike="noStrike">
+        <a:defRPr sz="1400" b="0" i="0" u="none" strike="noStrike" cap="none">
           <a:solidFill>
             <a:srgbClr val="000000"/>
           </a:solidFill>
@@ -7227,7 +7349,7 @@
           <a:sym typeface="Arial"/>
         </a:defRPr>
       </a:lvl3pPr>
-      <a:lvl4pPr lvl="3" marR="0" rtl="0" algn="l">
+      <a:lvl4pPr marR="0" lvl="3" algn="l" rtl="0">
         <a:lnSpc>
           <a:spcPct val="100000"/>
         </a:lnSpc>
@@ -7238,7 +7360,7 @@
           <a:spcPts val="0"/>
         </a:spcAft>
         <a:buNone/>
-        <a:defRPr b="0" i="0" sz="1400" u="none" cap="none" strike="noStrike">
+        <a:defRPr sz="1400" b="0" i="0" u="none" strike="noStrike" cap="none">
           <a:solidFill>
             <a:srgbClr val="000000"/>
           </a:solidFill>
@@ -7248,7 +7370,7 @@
           <a:sym typeface="Arial"/>
         </a:defRPr>
       </a:lvl4pPr>
-      <a:lvl5pPr lvl="4" marR="0" rtl="0" algn="l">
+      <a:lvl5pPr marR="0" lvl="4" algn="l" rtl="0">
         <a:lnSpc>
           <a:spcPct val="100000"/>
         </a:lnSpc>
@@ -7259,7 +7381,7 @@
           <a:spcPts val="0"/>
         </a:spcAft>
         <a:buNone/>
-        <a:defRPr b="0" i="0" sz="1400" u="none" cap="none" strike="noStrike">
+        <a:defRPr sz="1400" b="0" i="0" u="none" strike="noStrike" cap="none">
           <a:solidFill>
             <a:srgbClr val="000000"/>
           </a:solidFill>
@@ -7269,7 +7391,7 @@
           <a:sym typeface="Arial"/>
         </a:defRPr>
       </a:lvl5pPr>
-      <a:lvl6pPr lvl="5" marR="0" rtl="0" algn="l">
+      <a:lvl6pPr marR="0" lvl="5" algn="l" rtl="0">
         <a:lnSpc>
           <a:spcPct val="100000"/>
         </a:lnSpc>
@@ -7280,7 +7402,7 @@
           <a:spcPts val="0"/>
         </a:spcAft>
         <a:buNone/>
-        <a:defRPr b="0" i="0" sz="1400" u="none" cap="none" strike="noStrike">
+        <a:defRPr sz="1400" b="0" i="0" u="none" strike="noStrike" cap="none">
           <a:solidFill>
             <a:srgbClr val="000000"/>
           </a:solidFill>
@@ -7290,7 +7412,7 @@
           <a:sym typeface="Arial"/>
         </a:defRPr>
       </a:lvl6pPr>
-      <a:lvl7pPr lvl="6" marR="0" rtl="0" algn="l">
+      <a:lvl7pPr marR="0" lvl="6" algn="l" rtl="0">
         <a:lnSpc>
           <a:spcPct val="100000"/>
         </a:lnSpc>
@@ -7301,7 +7423,7 @@
           <a:spcPts val="0"/>
         </a:spcAft>
         <a:buNone/>
-        <a:defRPr b="0" i="0" sz="1400" u="none" cap="none" strike="noStrike">
+        <a:defRPr sz="1400" b="0" i="0" u="none" strike="noStrike" cap="none">
           <a:solidFill>
             <a:srgbClr val="000000"/>
           </a:solidFill>
@@ -7311,7 +7433,7 @@
           <a:sym typeface="Arial"/>
         </a:defRPr>
       </a:lvl7pPr>
-      <a:lvl8pPr lvl="7" marR="0" rtl="0" algn="l">
+      <a:lvl8pPr marR="0" lvl="7" algn="l" rtl="0">
         <a:lnSpc>
           <a:spcPct val="100000"/>
         </a:lnSpc>
@@ -7322,7 +7444,7 @@
           <a:spcPts val="0"/>
         </a:spcAft>
         <a:buNone/>
-        <a:defRPr b="0" i="0" sz="1400" u="none" cap="none" strike="noStrike">
+        <a:defRPr sz="1400" b="0" i="0" u="none" strike="noStrike" cap="none">
           <a:solidFill>
             <a:srgbClr val="000000"/>
           </a:solidFill>
@@ -7332,7 +7454,7 @@
           <a:sym typeface="Arial"/>
         </a:defRPr>
       </a:lvl8pPr>
-      <a:lvl9pPr lvl="8" marR="0" rtl="0" algn="l">
+      <a:lvl9pPr marR="0" lvl="8" algn="l" rtl="0">
         <a:lnSpc>
           <a:spcPct val="100000"/>
         </a:lnSpc>
@@ -7343,7 +7465,7 @@
           <a:spcPts val="0"/>
         </a:spcAft>
         <a:buNone/>
-        <a:defRPr b="0" i="0" sz="1400" u="none" cap="none" strike="noStrike">
+        <a:defRPr sz="1400" b="0" i="0" u="none" strike="noStrike" cap="none">
           <a:solidFill>
             <a:srgbClr val="000000"/>
           </a:solidFill>
@@ -7359,11 +7481,11 @@
 </file>
 
 <file path=ppt/slides/slide1.xml><?xml version="1.0" encoding="utf-8"?>
-<p:sld xmlns:a="http://schemas.openxmlformats.org/drawingml/2006/main" xmlns:r="http://schemas.openxmlformats.org/officeDocument/2006/relationships" xmlns:mc="http://schemas.openxmlformats.org/markup-compatibility/2006" xmlns:mv="urn:schemas-microsoft-com:mac:vml" xmlns:p="http://schemas.openxmlformats.org/presentationml/2006/main" xmlns:c="http://schemas.openxmlformats.org/drawingml/2006/chart" xmlns:dgm="http://schemas.openxmlformats.org/drawingml/2006/diagram" xmlns:o="urn:schemas-microsoft-com:office:office" xmlns:v="urn:schemas-microsoft-com:vml" xmlns:pvml="urn:schemas-microsoft-com:office:powerpoint" xmlns:com="http://schemas.openxmlformats.org/drawingml/2006/compatibility" xmlns:p14="http://schemas.microsoft.com/office/powerpoint/2010/main" xmlns:p15="http://schemas.microsoft.com/office/powerpoint/2012/main">
+<p:sld xmlns:a="http://schemas.openxmlformats.org/drawingml/2006/main" xmlns:r="http://schemas.openxmlformats.org/officeDocument/2006/relationships" xmlns:p="http://schemas.openxmlformats.org/presentationml/2006/main">
   <p:cSld>
     <p:spTree>
       <p:nvGrpSpPr>
-        <p:cNvPr id="133" name="Shape 133"/>
+        <p:cNvPr id="1" name="Shape 133"/>
         <p:cNvGrpSpPr/>
         <p:nvPr/>
       </p:nvGrpSpPr>
@@ -7378,7 +7500,9 @@
       <p:sp>
         <p:nvSpPr>
           <p:cNvPr id="134" name="Shape 134"/>
-          <p:cNvSpPr txBox="1"/>
+          <p:cNvSpPr txBox="1">
+            <a:spLocks noGrp="1"/>
+          </p:cNvSpPr>
           <p:nvPr>
             <p:ph type="ctrTitle"/>
           </p:nvPr>
@@ -7393,7 +7517,7 @@
           </a:prstGeom>
         </p:spPr>
         <p:txBody>
-          <a:bodyPr anchorCtr="0" anchor="t" bIns="91425" lIns="91425" rIns="91425" wrap="square" tIns="91425">
+          <a:bodyPr wrap="square" lIns="91425" tIns="91425" rIns="91425" bIns="91425" anchor="t" anchorCtr="0">
             <a:noAutofit/>
           </a:bodyPr>
           <a:lstStyle/>
@@ -7426,9 +7550,11 @@
       <p:sp>
         <p:nvSpPr>
           <p:cNvPr id="135" name="Shape 135"/>
-          <p:cNvSpPr txBox="1"/>
+          <p:cNvSpPr txBox="1">
+            <a:spLocks noGrp="1"/>
+          </p:cNvSpPr>
           <p:nvPr>
-            <p:ph idx="1" type="subTitle"/>
+            <p:ph type="subTitle" idx="1"/>
           </p:nvPr>
         </p:nvSpPr>
         <p:spPr>
@@ -7441,7 +7567,7 @@
           </a:prstGeom>
         </p:spPr>
         <p:txBody>
-          <a:bodyPr anchorCtr="0" anchor="t" bIns="91425" lIns="91425" rIns="91425" wrap="square" tIns="91425">
+          <a:bodyPr wrap="square" lIns="91425" tIns="91425" rIns="91425" bIns="91425" anchor="t" anchorCtr="0">
             <a:noAutofit/>
           </a:bodyPr>
           <a:lstStyle/>
@@ -7491,7 +7617,7 @@
           </a:ln>
         </p:spPr>
         <p:txBody>
-          <a:bodyPr anchorCtr="0" anchor="t" bIns="91425" lIns="91425" rIns="91425" wrap="square" tIns="91425">
+          <a:bodyPr wrap="square" lIns="91425" tIns="91425" rIns="91425" bIns="91425" anchor="t" anchorCtr="0">
             <a:noAutofit/>
           </a:bodyPr>
           <a:lstStyle/>
@@ -7522,11 +7648,11 @@
 </file>
 
 <file path=ppt/slides/slide2.xml><?xml version="1.0" encoding="utf-8"?>
-<p:sld xmlns:a="http://schemas.openxmlformats.org/drawingml/2006/main" xmlns:r="http://schemas.openxmlformats.org/officeDocument/2006/relationships" xmlns:mc="http://schemas.openxmlformats.org/markup-compatibility/2006" xmlns:mv="urn:schemas-microsoft-com:mac:vml" xmlns:p="http://schemas.openxmlformats.org/presentationml/2006/main" xmlns:c="http://schemas.openxmlformats.org/drawingml/2006/chart" xmlns:dgm="http://schemas.openxmlformats.org/drawingml/2006/diagram" xmlns:o="urn:schemas-microsoft-com:office:office" xmlns:v="urn:schemas-microsoft-com:vml" xmlns:pvml="urn:schemas-microsoft-com:office:powerpoint" xmlns:com="http://schemas.openxmlformats.org/drawingml/2006/compatibility" xmlns:p14="http://schemas.microsoft.com/office/powerpoint/2010/main" xmlns:p15="http://schemas.microsoft.com/office/powerpoint/2012/main">
+<p:sld xmlns:a="http://schemas.openxmlformats.org/drawingml/2006/main" xmlns:r="http://schemas.openxmlformats.org/officeDocument/2006/relationships" xmlns:p="http://schemas.openxmlformats.org/presentationml/2006/main">
   <p:cSld>
     <p:spTree>
       <p:nvGrpSpPr>
-        <p:cNvPr id="140" name="Shape 140"/>
+        <p:cNvPr id="1" name="Shape 140"/>
         <p:cNvGrpSpPr/>
         <p:nvPr/>
       </p:nvGrpSpPr>
@@ -7541,7 +7667,9 @@
       <p:sp>
         <p:nvSpPr>
           <p:cNvPr id="141" name="Shape 141"/>
-          <p:cNvSpPr txBox="1"/>
+          <p:cNvSpPr txBox="1">
+            <a:spLocks noGrp="1"/>
+          </p:cNvSpPr>
           <p:nvPr>
             <p:ph type="title"/>
           </p:nvPr>
@@ -7556,7 +7684,7 @@
           </a:prstGeom>
         </p:spPr>
         <p:txBody>
-          <a:bodyPr anchorCtr="0" anchor="t" bIns="91425" lIns="91425" rIns="91425" wrap="square" tIns="91425">
+          <a:bodyPr wrap="square" lIns="91425" tIns="91425" rIns="91425" bIns="91425" anchor="t" anchorCtr="0">
             <a:noAutofit/>
           </a:bodyPr>
           <a:lstStyle/>
@@ -7577,9 +7705,11 @@
       <p:sp>
         <p:nvSpPr>
           <p:cNvPr id="142" name="Shape 142"/>
-          <p:cNvSpPr txBox="1"/>
+          <p:cNvSpPr txBox="1">
+            <a:spLocks noGrp="1"/>
+          </p:cNvSpPr>
           <p:nvPr>
-            <p:ph idx="1" type="body"/>
+            <p:ph type="body" idx="1"/>
           </p:nvPr>
         </p:nvSpPr>
         <p:spPr>
@@ -7592,12 +7722,12 @@
           </a:prstGeom>
         </p:spPr>
         <p:txBody>
-          <a:bodyPr anchorCtr="0" anchor="t" bIns="91425" lIns="91425" rIns="91425" wrap="square" tIns="91425">
+          <a:bodyPr wrap="square" lIns="91425" tIns="91425" rIns="91425" bIns="91425" anchor="t" anchorCtr="0">
             <a:noAutofit/>
           </a:bodyPr>
           <a:lstStyle/>
           <a:p>
-            <a:pPr indent="-311150" lvl="0" marL="457200" rtl="0">
+            <a:pPr marL="457200" lvl="0" indent="-311150" rtl="0">
               <a:spcBef>
                 <a:spcPts val="0"/>
               </a:spcBef>
@@ -7608,37 +7738,130 @@
               <a:buChar char="❖"/>
             </a:pPr>
             <a:r>
-              <a:rPr lang="en"/>
+              <a:rPr lang="en" dirty="0"/>
               <a:t>Design Pattern</a:t>
             </a:r>
           </a:p>
           <a:p>
-            <a:pPr indent="-298450" lvl="1" marL="914400" rtl="0">
-              <a:spcBef>
-                <a:spcPts val="0"/>
-              </a:spcBef>
+            <a:pPr marL="914400" lvl="1" indent="-298450" rtl="0">
+              <a:spcBef>
+                <a:spcPts val="0"/>
+              </a:spcBef>
+              <a:spcAft>
+                <a:spcPts val="0"/>
+              </a:spcAft>
               <a:buSzPct val="100000"/>
               <a:buChar char="➢"/>
             </a:pPr>
             <a:r>
-              <a:rPr lang="en"/>
+              <a:rPr lang="en" dirty="0"/>
               <a:t>Chain of Responsibilities</a:t>
             </a:r>
           </a:p>
           <a:p>
-            <a:pPr indent="0" lvl="0" marL="457200" rtl="0">
-              <a:spcBef>
-                <a:spcPts val="0"/>
-              </a:spcBef>
+            <a:pPr marL="914400" lvl="1" indent="-298450" rtl="0">
+              <a:spcBef>
+                <a:spcPts val="0"/>
+              </a:spcBef>
+              <a:spcAft>
+                <a:spcPts val="0"/>
+              </a:spcAft>
+              <a:buSzPct val="100000"/>
+              <a:buChar char="➢"/>
+            </a:pPr>
+            <a:r>
+              <a:rPr lang="en" dirty="0"/>
+              <a:t>Observer</a:t>
+            </a:r>
+          </a:p>
+          <a:p>
+            <a:pPr marL="914400" lvl="1" indent="-298450" rtl="0">
+              <a:spcBef>
+                <a:spcPts val="0"/>
+              </a:spcBef>
+              <a:spcAft>
+                <a:spcPts val="0"/>
+              </a:spcAft>
+              <a:buSzPct val="100000"/>
+              <a:buChar char="➢"/>
+            </a:pPr>
+            <a:r>
+              <a:rPr lang="en" dirty="0"/>
+              <a:t>Strategy</a:t>
+            </a:r>
+          </a:p>
+          <a:p>
+            <a:pPr marL="914400" lvl="1" indent="-298450" rtl="0">
+              <a:spcBef>
+                <a:spcPts val="0"/>
+              </a:spcBef>
+              <a:spcAft>
+                <a:spcPts val="0"/>
+              </a:spcAft>
+              <a:buSzPct val="100000"/>
+              <a:buChar char="➢"/>
+            </a:pPr>
+            <a:r>
+              <a:rPr lang="en" dirty="0"/>
+              <a:t>Singleton </a:t>
+            </a:r>
+            <a:endParaRPr lang="en" dirty="0" smtClean="0"/>
+          </a:p>
+          <a:p>
+            <a:pPr marL="914400" lvl="1" indent="-298450" rtl="0">
+              <a:spcBef>
+                <a:spcPts val="0"/>
+              </a:spcBef>
+              <a:spcAft>
+                <a:spcPts val="0"/>
+              </a:spcAft>
+              <a:buSzPct val="100000"/>
               <a:buNone/>
             </a:pPr>
+            <a:endParaRPr lang="en" dirty="0" smtClean="0"/>
+          </a:p>
+          <a:p>
+            <a:pPr marL="914400" lvl="1" indent="-298450" rtl="0">
+              <a:spcBef>
+                <a:spcPts val="0"/>
+              </a:spcBef>
+              <a:spcAft>
+                <a:spcPts val="0"/>
+              </a:spcAft>
+              <a:buSzPct val="100000"/>
+              <a:buNone/>
+            </a:pPr>
+            <a:endParaRPr lang="en" dirty="0"/>
+          </a:p>
+          <a:p>
+            <a:pPr marL="457200" lvl="0" indent="-311150" rtl="0">
+              <a:spcBef>
+                <a:spcPts val="0"/>
+              </a:spcBef>
+              <a:buSzPct val="100000"/>
+              <a:buChar char="❖"/>
+            </a:pPr>
             <a:r>
-              <a:t/>
+              <a:rPr lang="en" dirty="0"/>
+              <a:t>Made Utility class for the functions shared by multiple </a:t>
             </a:r>
+            <a:r>
+              <a:rPr lang="en" dirty="0" smtClean="0"/>
+              <a:t>classes</a:t>
+            </a:r>
+          </a:p>
+          <a:p>
+            <a:pPr marL="457200" lvl="0" indent="-311150" rtl="0">
+              <a:spcBef>
+                <a:spcPts val="0"/>
+              </a:spcBef>
+              <a:buSzPct val="100000"/>
+              <a:buNone/>
+            </a:pPr>
             <a:endParaRPr/>
           </a:p>
           <a:p>
-            <a:pPr indent="-311150" lvl="0" marL="457200" rtl="0">
+            <a:pPr marL="457200" lvl="0" indent="-311150" rtl="0">
               <a:spcBef>
                 <a:spcPts val="0"/>
               </a:spcBef>
@@ -7646,32 +7869,7 @@
               <a:buChar char="❖"/>
             </a:pPr>
             <a:r>
-              <a:rPr lang="en"/>
-              <a:t>Made Utility class for the functions shared by multiple classes</a:t>
-            </a:r>
-          </a:p>
-          <a:p>
-            <a:pPr lvl="0" rtl="0">
-              <a:spcBef>
-                <a:spcPts val="0"/>
-              </a:spcBef>
-              <a:buNone/>
-            </a:pPr>
-            <a:r>
-              <a:t/>
-            </a:r>
-            <a:endParaRPr/>
-          </a:p>
-          <a:p>
-            <a:pPr indent="-311150" lvl="0" marL="457200" rtl="0">
-              <a:spcBef>
-                <a:spcPts val="0"/>
-              </a:spcBef>
-              <a:buSzPct val="100000"/>
-              <a:buChar char="❖"/>
-            </a:pPr>
-            <a:r>
-              <a:rPr lang="en"/>
+              <a:rPr lang="en" dirty="0"/>
               <a:t>Made reusable code</a:t>
             </a:r>
           </a:p>
@@ -7682,9 +7880,6 @@
               </a:spcBef>
               <a:buNone/>
             </a:pPr>
-            <a:r>
-              <a:t/>
-            </a:r>
             <a:endParaRPr/>
           </a:p>
           <a:p>
@@ -7694,9 +7889,6 @@
               </a:spcBef>
               <a:buNone/>
             </a:pPr>
-            <a:r>
-              <a:t/>
-            </a:r>
             <a:endParaRPr/>
           </a:p>
         </p:txBody>
@@ -7710,11 +7902,11 @@
 </file>
 
 <file path=ppt/slides/slide3.xml><?xml version="1.0" encoding="utf-8"?>
-<p:sld xmlns:a="http://schemas.openxmlformats.org/drawingml/2006/main" xmlns:r="http://schemas.openxmlformats.org/officeDocument/2006/relationships" xmlns:mc="http://schemas.openxmlformats.org/markup-compatibility/2006" xmlns:mv="urn:schemas-microsoft-com:mac:vml" xmlns:p="http://schemas.openxmlformats.org/presentationml/2006/main" xmlns:c="http://schemas.openxmlformats.org/drawingml/2006/chart" xmlns:dgm="http://schemas.openxmlformats.org/drawingml/2006/diagram" xmlns:o="urn:schemas-microsoft-com:office:office" xmlns:v="urn:schemas-microsoft-com:vml" xmlns:pvml="urn:schemas-microsoft-com:office:powerpoint" xmlns:com="http://schemas.openxmlformats.org/drawingml/2006/compatibility" xmlns:p14="http://schemas.microsoft.com/office/powerpoint/2010/main" xmlns:p15="http://schemas.microsoft.com/office/powerpoint/2012/main">
+<p:sld xmlns:a="http://schemas.openxmlformats.org/drawingml/2006/main" xmlns:r="http://schemas.openxmlformats.org/officeDocument/2006/relationships" xmlns:p="http://schemas.openxmlformats.org/presentationml/2006/main">
   <p:cSld>
     <p:spTree>
       <p:nvGrpSpPr>
-        <p:cNvPr id="146" name="Shape 146"/>
+        <p:cNvPr id="1" name="Shape 146"/>
         <p:cNvGrpSpPr/>
         <p:nvPr/>
       </p:nvGrpSpPr>
@@ -7729,7 +7921,9 @@
       <p:sp>
         <p:nvSpPr>
           <p:cNvPr id="147" name="Shape 147"/>
-          <p:cNvSpPr txBox="1"/>
+          <p:cNvSpPr txBox="1">
+            <a:spLocks noGrp="1"/>
+          </p:cNvSpPr>
           <p:nvPr>
             <p:ph type="title"/>
           </p:nvPr>
@@ -7744,7 +7938,7 @@
           </a:prstGeom>
         </p:spPr>
         <p:txBody>
-          <a:bodyPr anchorCtr="0" anchor="t" bIns="91425" lIns="91425" rIns="91425" wrap="square" tIns="91425">
+          <a:bodyPr wrap="square" lIns="91425" tIns="91425" rIns="91425" bIns="91425" anchor="t" anchorCtr="0">
             <a:noAutofit/>
           </a:bodyPr>
           <a:lstStyle/>
@@ -7765,9 +7959,11 @@
       <p:sp>
         <p:nvSpPr>
           <p:cNvPr id="148" name="Shape 148"/>
-          <p:cNvSpPr txBox="1"/>
+          <p:cNvSpPr txBox="1">
+            <a:spLocks noGrp="1"/>
+          </p:cNvSpPr>
           <p:nvPr>
-            <p:ph idx="1" type="body"/>
+            <p:ph type="body" idx="1"/>
           </p:nvPr>
         </p:nvSpPr>
         <p:spPr>
@@ -7780,12 +7976,12 @@
           </a:prstGeom>
         </p:spPr>
         <p:txBody>
-          <a:bodyPr anchorCtr="0" anchor="t" bIns="91425" lIns="91425" rIns="91425" wrap="square" tIns="91425">
+          <a:bodyPr wrap="square" lIns="91425" tIns="91425" rIns="91425" bIns="91425" anchor="t" anchorCtr="0">
             <a:noAutofit/>
           </a:bodyPr>
           <a:lstStyle/>
           <a:p>
-            <a:pPr indent="-311150" lvl="0" marL="457200" rtl="0">
+            <a:pPr marL="457200" lvl="0" indent="-311150" rtl="0">
               <a:spcBef>
                 <a:spcPts val="0"/>
               </a:spcBef>
@@ -7809,7 +8005,7 @@
             </a:r>
           </a:p>
           <a:p>
-            <a:pPr indent="-311150" lvl="0" marL="457200" rtl="0">
+            <a:pPr marL="457200" lvl="0" indent="-311150" rtl="0">
               <a:spcBef>
                 <a:spcPts val="0"/>
               </a:spcBef>
@@ -7827,13 +8023,10 @@
               </a:spcBef>
               <a:buNone/>
             </a:pPr>
-            <a:r>
-              <a:t/>
-            </a:r>
             <a:endParaRPr/>
           </a:p>
           <a:p>
-            <a:pPr indent="-311150" lvl="0" marL="457200">
+            <a:pPr marL="457200" lvl="0" indent="-311150">
               <a:spcBef>
                 <a:spcPts val="0"/>
               </a:spcBef>
@@ -7855,11 +8048,11 @@
 </file>
 
 <file path=ppt/slides/slide4.xml><?xml version="1.0" encoding="utf-8"?>
-<p:sld xmlns:a="http://schemas.openxmlformats.org/drawingml/2006/main" xmlns:r="http://schemas.openxmlformats.org/officeDocument/2006/relationships" xmlns:mc="http://schemas.openxmlformats.org/markup-compatibility/2006" xmlns:mv="urn:schemas-microsoft-com:mac:vml" xmlns:p="http://schemas.openxmlformats.org/presentationml/2006/main" xmlns:c="http://schemas.openxmlformats.org/drawingml/2006/chart" xmlns:dgm="http://schemas.openxmlformats.org/drawingml/2006/diagram" xmlns:o="urn:schemas-microsoft-com:office:office" xmlns:v="urn:schemas-microsoft-com:vml" xmlns:pvml="urn:schemas-microsoft-com:office:powerpoint" xmlns:com="http://schemas.openxmlformats.org/drawingml/2006/compatibility" xmlns:p14="http://schemas.microsoft.com/office/powerpoint/2010/main" xmlns:p15="http://schemas.microsoft.com/office/powerpoint/2012/main">
+<p:sld xmlns:a="http://schemas.openxmlformats.org/drawingml/2006/main" xmlns:r="http://schemas.openxmlformats.org/officeDocument/2006/relationships" xmlns:p="http://schemas.openxmlformats.org/presentationml/2006/main">
   <p:cSld>
     <p:spTree>
       <p:nvGrpSpPr>
-        <p:cNvPr id="152" name="Shape 152"/>
+        <p:cNvPr id="1" name="Shape 152"/>
         <p:cNvGrpSpPr/>
         <p:nvPr/>
       </p:nvGrpSpPr>
@@ -7874,7 +8067,9 @@
       <p:sp>
         <p:nvSpPr>
           <p:cNvPr id="153" name="Shape 153"/>
-          <p:cNvSpPr txBox="1"/>
+          <p:cNvSpPr txBox="1">
+            <a:spLocks noGrp="1"/>
+          </p:cNvSpPr>
           <p:nvPr>
             <p:ph type="title"/>
           </p:nvPr>
@@ -7889,12 +8084,12 @@
           </a:prstGeom>
         </p:spPr>
         <p:txBody>
-          <a:bodyPr anchorCtr="0" anchor="t" bIns="91425" lIns="91425" rIns="91425" wrap="square" tIns="91425">
+          <a:bodyPr wrap="square" lIns="91425" tIns="91425" rIns="91425" bIns="91425" anchor="t" anchorCtr="0">
             <a:noAutofit/>
           </a:bodyPr>
           <a:lstStyle/>
           <a:p>
-            <a:pPr lvl="0" rtl="0" algn="ctr">
+            <a:pPr lvl="0" algn="ctr" rtl="0">
               <a:spcBef>
                 <a:spcPts val="0"/>
               </a:spcBef>
@@ -7927,7 +8122,7 @@
           </a:ln>
         </p:spPr>
         <p:txBody>
-          <a:bodyPr anchorCtr="0" anchor="t" bIns="91425" lIns="91425" rIns="91425" wrap="square" tIns="91425">
+          <a:bodyPr wrap="square" lIns="91425" tIns="91425" rIns="91425" bIns="91425" anchor="t" anchorCtr="0">
             <a:noAutofit/>
           </a:bodyPr>
           <a:lstStyle/>
@@ -7954,9 +8149,6 @@
               </a:spcBef>
               <a:buNone/>
             </a:pPr>
-            <a:r>
-              <a:t/>
-            </a:r>
             <a:endParaRPr>
               <a:solidFill>
                 <a:srgbClr val="FFFFFF"/>
@@ -7964,7 +8156,7 @@
             </a:endParaRPr>
           </a:p>
           <a:p>
-            <a:pPr indent="-317500" lvl="0" marL="457200" rtl="0">
+            <a:pPr marL="457200" lvl="0" indent="-317500" rtl="0">
               <a:spcBef>
                 <a:spcPts val="0"/>
               </a:spcBef>
@@ -7990,9 +8182,6 @@
               </a:spcBef>
               <a:buNone/>
             </a:pPr>
-            <a:r>
-              <a:t/>
-            </a:r>
             <a:endParaRPr>
               <a:solidFill>
                 <a:srgbClr val="FFFFFF"/>
@@ -8000,7 +8189,7 @@
             </a:endParaRPr>
           </a:p>
           <a:p>
-            <a:pPr indent="-317500" lvl="0" marL="457200" rtl="0">
+            <a:pPr marL="457200" lvl="0" indent="-317500" rtl="0">
               <a:spcBef>
                 <a:spcPts val="0"/>
               </a:spcBef>
@@ -8026,9 +8215,6 @@
               </a:spcBef>
               <a:buNone/>
             </a:pPr>
-            <a:r>
-              <a:t/>
-            </a:r>
             <a:endParaRPr>
               <a:solidFill>
                 <a:srgbClr val="FFFFFF"/>
@@ -8036,7 +8222,7 @@
             </a:endParaRPr>
           </a:p>
           <a:p>
-            <a:pPr indent="-317500" lvl="0" marL="457200" rtl="0">
+            <a:pPr marL="457200" lvl="0" indent="-317500" rtl="0">
               <a:spcBef>
                 <a:spcPts val="0"/>
               </a:spcBef>
@@ -8062,9 +8248,6 @@
               </a:spcBef>
               <a:buNone/>
             </a:pPr>
-            <a:r>
-              <a:t/>
-            </a:r>
             <a:endParaRPr>
               <a:solidFill>
                 <a:srgbClr val="FFFFFF"/>
@@ -8072,7 +8255,7 @@
             </a:endParaRPr>
           </a:p>
           <a:p>
-            <a:pPr indent="-317500" lvl="0" marL="457200">
+            <a:pPr marL="457200" lvl="0" indent="-317500">
               <a:spcBef>
                 <a:spcPts val="0"/>
               </a:spcBef>
@@ -8113,7 +8296,7 @@
           </a:ln>
         </p:spPr>
         <p:txBody>
-          <a:bodyPr anchorCtr="0" anchor="t" bIns="91425" lIns="91425" rIns="91425" wrap="square" tIns="91425">
+          <a:bodyPr wrap="square" lIns="91425" tIns="91425" rIns="91425" bIns="91425" anchor="t" anchorCtr="0">
             <a:noAutofit/>
           </a:bodyPr>
           <a:lstStyle/>
@@ -8140,9 +8323,6 @@
               </a:spcBef>
               <a:buNone/>
             </a:pPr>
-            <a:r>
-              <a:t/>
-            </a:r>
             <a:endParaRPr>
               <a:solidFill>
                 <a:srgbClr val="FFFFFF"/>
@@ -8150,7 +8330,7 @@
             </a:endParaRPr>
           </a:p>
           <a:p>
-            <a:pPr indent="-317500" lvl="0" marL="457200" rtl="0">
+            <a:pPr marL="457200" lvl="0" indent="-317500" rtl="0">
               <a:spcBef>
                 <a:spcPts val="0"/>
               </a:spcBef>
@@ -8176,9 +8356,6 @@
               </a:spcBef>
               <a:buNone/>
             </a:pPr>
-            <a:r>
-              <a:t/>
-            </a:r>
             <a:endParaRPr>
               <a:solidFill>
                 <a:srgbClr val="FFFFFF"/>
@@ -8186,7 +8363,7 @@
             </a:endParaRPr>
           </a:p>
           <a:p>
-            <a:pPr indent="-317500" lvl="0" marL="457200" rtl="0">
+            <a:pPr marL="457200" lvl="0" indent="-317500" rtl="0">
               <a:spcBef>
                 <a:spcPts val="0"/>
               </a:spcBef>
@@ -8212,9 +8389,6 @@
               </a:spcBef>
               <a:buNone/>
             </a:pPr>
-            <a:r>
-              <a:t/>
-            </a:r>
             <a:endParaRPr>
               <a:solidFill>
                 <a:srgbClr val="FFFFFF"/>
@@ -8222,7 +8396,7 @@
             </a:endParaRPr>
           </a:p>
           <a:p>
-            <a:pPr indent="-317500" lvl="0" marL="457200" rtl="0">
+            <a:pPr marL="457200" lvl="0" indent="-317500" rtl="0">
               <a:spcBef>
                 <a:spcPts val="0"/>
               </a:spcBef>
@@ -8248,9 +8422,6 @@
               </a:spcBef>
               <a:buNone/>
             </a:pPr>
-            <a:r>
-              <a:t/>
-            </a:r>
             <a:endParaRPr>
               <a:solidFill>
                 <a:srgbClr val="FFFFFF"/>
@@ -8258,7 +8429,7 @@
             </a:endParaRPr>
           </a:p>
           <a:p>
-            <a:pPr indent="-317500" lvl="0" marL="457200">
+            <a:pPr marL="457200" lvl="0" indent="-317500">
               <a:spcBef>
                 <a:spcPts val="0"/>
               </a:spcBef>
@@ -8299,7 +8470,7 @@
           </a:ln>
         </p:spPr>
         <p:txBody>
-          <a:bodyPr anchorCtr="0" anchor="t" bIns="91425" lIns="91425" rIns="91425" wrap="square" tIns="91425">
+          <a:bodyPr wrap="square" lIns="91425" tIns="91425" rIns="91425" bIns="91425" anchor="t" anchorCtr="0">
             <a:noAutofit/>
           </a:bodyPr>
           <a:lstStyle/>
@@ -8330,11 +8501,11 @@
 </file>
 
 <file path=ppt/slides/slide5.xml><?xml version="1.0" encoding="utf-8"?>
-<p:sld xmlns:a="http://schemas.openxmlformats.org/drawingml/2006/main" xmlns:r="http://schemas.openxmlformats.org/officeDocument/2006/relationships" xmlns:mc="http://schemas.openxmlformats.org/markup-compatibility/2006" xmlns:mv="urn:schemas-microsoft-com:mac:vml" xmlns:p="http://schemas.openxmlformats.org/presentationml/2006/main" xmlns:c="http://schemas.openxmlformats.org/drawingml/2006/chart" xmlns:dgm="http://schemas.openxmlformats.org/drawingml/2006/diagram" xmlns:o="urn:schemas-microsoft-com:office:office" xmlns:v="urn:schemas-microsoft-com:vml" xmlns:pvml="urn:schemas-microsoft-com:office:powerpoint" xmlns:com="http://schemas.openxmlformats.org/drawingml/2006/compatibility" xmlns:p14="http://schemas.microsoft.com/office/powerpoint/2010/main" xmlns:p15="http://schemas.microsoft.com/office/powerpoint/2012/main">
+<p:sld xmlns:a="http://schemas.openxmlformats.org/drawingml/2006/main" xmlns:r="http://schemas.openxmlformats.org/officeDocument/2006/relationships" xmlns:p="http://schemas.openxmlformats.org/presentationml/2006/main">
   <p:cSld>
     <p:spTree>
       <p:nvGrpSpPr>
-        <p:cNvPr id="160" name="Shape 160"/>
+        <p:cNvPr id="1" name="Shape 160"/>
         <p:cNvGrpSpPr/>
         <p:nvPr/>
       </p:nvGrpSpPr>
@@ -8349,7 +8520,9 @@
       <p:sp>
         <p:nvSpPr>
           <p:cNvPr id="161" name="Shape 161"/>
-          <p:cNvSpPr txBox="1"/>
+          <p:cNvSpPr txBox="1">
+            <a:spLocks noGrp="1"/>
+          </p:cNvSpPr>
           <p:nvPr>
             <p:ph type="title"/>
           </p:nvPr>
@@ -8364,7 +8537,7 @@
           </a:prstGeom>
         </p:spPr>
         <p:txBody>
-          <a:bodyPr anchorCtr="0" anchor="t" bIns="91425" lIns="91425" rIns="91425" wrap="square" tIns="91425">
+          <a:bodyPr wrap="square" lIns="91425" tIns="91425" rIns="91425" bIns="91425" anchor="t" anchorCtr="0">
             <a:noAutofit/>
           </a:bodyPr>
           <a:lstStyle/>
@@ -8402,12 +8575,12 @@
           </a:ln>
         </p:spPr>
         <p:txBody>
-          <a:bodyPr anchorCtr="0" anchor="t" bIns="91425" lIns="91425" rIns="91425" wrap="square" tIns="91425">
+          <a:bodyPr wrap="square" lIns="91425" tIns="91425" rIns="91425" bIns="91425" anchor="t" anchorCtr="0">
             <a:noAutofit/>
           </a:bodyPr>
           <a:lstStyle/>
           <a:p>
-            <a:pPr indent="-342900" lvl="0" marL="457200" rtl="0">
+            <a:pPr marL="457200" lvl="0" indent="-342900" rtl="0">
               <a:lnSpc>
                 <a:spcPct val="115000"/>
               </a:lnSpc>
@@ -8415,7 +8588,7 @@
                 <a:spcPts val="0"/>
               </a:spcBef>
               <a:spcAft>
-                <a:spcPts val="0"/>
+                <a:spcPts val="1600"/>
               </a:spcAft>
               <a:buClr>
                 <a:schemeClr val="lt1"/>
@@ -8438,7 +8611,7 @@
             </a:r>
           </a:p>
           <a:p>
-            <a:pPr indent="-342900" lvl="0" marL="457200" rtl="0">
+            <a:pPr lvl="0" rtl="0">
               <a:lnSpc>
                 <a:spcPct val="115000"/>
               </a:lnSpc>
@@ -8446,7 +8619,30 @@
                 <a:spcPts val="0"/>
               </a:spcBef>
               <a:spcAft>
-                <a:spcPts val="0"/>
+                <a:spcPts val="1600"/>
+              </a:spcAft>
+              <a:buNone/>
+            </a:pPr>
+            <a:endParaRPr sz="1800">
+              <a:solidFill>
+                <a:schemeClr val="lt1"/>
+              </a:solidFill>
+              <a:latin typeface="Lato"/>
+              <a:ea typeface="Lato"/>
+              <a:cs typeface="Lato"/>
+              <a:sym typeface="Lato"/>
+            </a:endParaRPr>
+          </a:p>
+          <a:p>
+            <a:pPr marL="457200" lvl="0" indent="-342900" rtl="0">
+              <a:lnSpc>
+                <a:spcPct val="115000"/>
+              </a:lnSpc>
+              <a:spcBef>
+                <a:spcPts val="0"/>
+              </a:spcBef>
+              <a:spcAft>
+                <a:spcPts val="1600"/>
               </a:spcAft>
               <a:buClr>
                 <a:schemeClr val="lt1"/>
@@ -8469,7 +8665,30 @@
             </a:r>
           </a:p>
           <a:p>
-            <a:pPr indent="-342900" lvl="0" marL="457200" rtl="0">
+            <a:pPr lvl="0" rtl="0">
+              <a:lnSpc>
+                <a:spcPct val="115000"/>
+              </a:lnSpc>
+              <a:spcBef>
+                <a:spcPts val="0"/>
+              </a:spcBef>
+              <a:spcAft>
+                <a:spcPts val="1600"/>
+              </a:spcAft>
+              <a:buNone/>
+            </a:pPr>
+            <a:endParaRPr sz="1800">
+              <a:solidFill>
+                <a:schemeClr val="lt1"/>
+              </a:solidFill>
+              <a:latin typeface="Lato"/>
+              <a:ea typeface="Lato"/>
+              <a:cs typeface="Lato"/>
+              <a:sym typeface="Lato"/>
+            </a:endParaRPr>
+          </a:p>
+          <a:p>
+            <a:pPr marL="457200" lvl="0" indent="-342900" rtl="0">
               <a:lnSpc>
                 <a:spcPct val="115000"/>
               </a:lnSpc>
@@ -8510,7 +8729,288 @@
 </file>
 
 <file path=ppt/theme/theme1.xml><?xml version="1.0" encoding="utf-8"?>
-<a:theme xmlns:a="http://schemas.openxmlformats.org/drawingml/2006/main" xmlns:r="http://schemas.openxmlformats.org/officeDocument/2006/relationships" name="Custom Theme">
+<a:theme xmlns:a="http://schemas.openxmlformats.org/drawingml/2006/main" name="Focus">
+  <a:themeElements>
+    <a:clrScheme name="Focus">
+      <a:dk1>
+        <a:srgbClr val="1B212C"/>
+      </a:dk1>
+      <a:lt1>
+        <a:srgbClr val="FFFFFF"/>
+      </a:lt1>
+      <a:dk2>
+        <a:srgbClr val="D9D9D9"/>
+      </a:dk2>
+      <a:lt2>
+        <a:srgbClr val="82C7A5"/>
+      </a:lt2>
+      <a:accent1>
+        <a:srgbClr val="0145AC"/>
+      </a:accent1>
+      <a:accent2>
+        <a:srgbClr val="EECE1A"/>
+      </a:accent2>
+      <a:accent3>
+        <a:srgbClr val="4E5567"/>
+      </a:accent3>
+      <a:accent4>
+        <a:srgbClr val="F4D6AD"/>
+      </a:accent4>
+      <a:accent5>
+        <a:srgbClr val="7890CD"/>
+      </a:accent5>
+      <a:accent6>
+        <a:srgbClr val="F15E22"/>
+      </a:accent6>
+      <a:hlink>
+        <a:srgbClr val="7890CD"/>
+      </a:hlink>
+      <a:folHlink>
+        <a:srgbClr val="7890CD"/>
+      </a:folHlink>
+    </a:clrScheme>
+    <a:fontScheme name="Office">
+      <a:majorFont>
+        <a:latin typeface="Arial"/>
+        <a:ea typeface=""/>
+        <a:cs typeface=""/>
+        <a:font script="Jpan" typeface="ＭＳ Ｐゴシック"/>
+        <a:font script="Hang" typeface="맑은 고딕"/>
+        <a:font script="Hans" typeface="宋体"/>
+        <a:font script="Hant" typeface="新細明體"/>
+        <a:font script="Arab" typeface="Times New Roman"/>
+        <a:font script="Hebr" typeface="Times New Roman"/>
+        <a:font script="Thai" typeface="Angsana New"/>
+        <a:font script="Ethi" typeface="Nyala"/>
+        <a:font script="Beng" typeface="Vrinda"/>
+        <a:font script="Gujr" typeface="Shruti"/>
+        <a:font script="Khmr" typeface="MoolBoran"/>
+        <a:font script="Knda" typeface="Tunga"/>
+        <a:font script="Guru" typeface="Raavi"/>
+        <a:font script="Cans" typeface="Euphemia"/>
+        <a:font script="Cher" typeface="Plantagenet Cherokee"/>
+        <a:font script="Yiii" typeface="Microsoft Yi Baiti"/>
+        <a:font script="Tibt" typeface="Microsoft Himalaya"/>
+        <a:font script="Thaa" typeface="MV Boli"/>
+        <a:font script="Deva" typeface="Mangal"/>
+        <a:font script="Telu" typeface="Gautami"/>
+        <a:font script="Taml" typeface="Latha"/>
+        <a:font script="Syrc" typeface="Estrangelo Edessa"/>
+        <a:font script="Orya" typeface="Kalinga"/>
+        <a:font script="Mlym" typeface="Kartika"/>
+        <a:font script="Laoo" typeface="DokChampa"/>
+        <a:font script="Sinh" typeface="Iskoola Pota"/>
+        <a:font script="Mong" typeface="Mongolian Baiti"/>
+        <a:font script="Viet" typeface="Times New Roman"/>
+        <a:font script="Uigh" typeface="Microsoft Uighur"/>
+        <a:font script="Geor" typeface="Sylfaen"/>
+      </a:majorFont>
+      <a:minorFont>
+        <a:latin typeface="Arial"/>
+        <a:ea typeface=""/>
+        <a:cs typeface=""/>
+        <a:font script="Jpan" typeface="ＭＳ Ｐゴシック"/>
+        <a:font script="Hang" typeface="맑은 고딕"/>
+        <a:font script="Hans" typeface="宋体"/>
+        <a:font script="Hant" typeface="新細明體"/>
+        <a:font script="Arab" typeface="Arial"/>
+        <a:font script="Hebr" typeface="Arial"/>
+        <a:font script="Thai" typeface="Cordia New"/>
+        <a:font script="Ethi" typeface="Nyala"/>
+        <a:font script="Beng" typeface="Vrinda"/>
+        <a:font script="Gujr" typeface="Shruti"/>
+        <a:font script="Khmr" typeface="DaunPenh"/>
+        <a:font script="Knda" typeface="Tunga"/>
+        <a:font script="Guru" typeface="Raavi"/>
+        <a:font script="Cans" typeface="Euphemia"/>
+        <a:font script="Cher" typeface="Plantagenet Cherokee"/>
+        <a:font script="Yiii" typeface="Microsoft Yi Baiti"/>
+        <a:font script="Tibt" typeface="Microsoft Himalaya"/>
+        <a:font script="Thaa" typeface="MV Boli"/>
+        <a:font script="Deva" typeface="Mangal"/>
+        <a:font script="Telu" typeface="Gautami"/>
+        <a:font script="Taml" typeface="Latha"/>
+        <a:font script="Syrc" typeface="Estrangelo Edessa"/>
+        <a:font script="Orya" typeface="Kalinga"/>
+        <a:font script="Mlym" typeface="Kartika"/>
+        <a:font script="Laoo" typeface="DokChampa"/>
+        <a:font script="Sinh" typeface="Iskoola Pota"/>
+        <a:font script="Mong" typeface="Mongolian Baiti"/>
+        <a:font script="Viet" typeface="Arial"/>
+        <a:font script="Uigh" typeface="Microsoft Uighur"/>
+        <a:font script="Geor" typeface="Sylfaen"/>
+      </a:minorFont>
+    </a:fontScheme>
+    <a:fmtScheme name="Office">
+      <a:fillStyleLst>
+        <a:solidFill>
+          <a:schemeClr val="phClr"/>
+        </a:solidFill>
+        <a:gradFill rotWithShape="1">
+          <a:gsLst>
+            <a:gs pos="0">
+              <a:schemeClr val="phClr">
+                <a:tint val="50000"/>
+                <a:satMod val="300000"/>
+              </a:schemeClr>
+            </a:gs>
+            <a:gs pos="35000">
+              <a:schemeClr val="phClr">
+                <a:tint val="37000"/>
+                <a:satMod val="300000"/>
+              </a:schemeClr>
+            </a:gs>
+            <a:gs pos="100000">
+              <a:schemeClr val="phClr">
+                <a:tint val="15000"/>
+                <a:satMod val="350000"/>
+              </a:schemeClr>
+            </a:gs>
+          </a:gsLst>
+          <a:lin ang="16200000" scaled="1"/>
+        </a:gradFill>
+        <a:gradFill rotWithShape="1">
+          <a:gsLst>
+            <a:gs pos="0">
+              <a:schemeClr val="phClr">
+                <a:tint val="100000"/>
+                <a:shade val="100000"/>
+                <a:satMod val="130000"/>
+              </a:schemeClr>
+            </a:gs>
+            <a:gs pos="100000">
+              <a:schemeClr val="phClr">
+                <a:tint val="50000"/>
+                <a:shade val="100000"/>
+                <a:satMod val="350000"/>
+              </a:schemeClr>
+            </a:gs>
+          </a:gsLst>
+          <a:lin ang="16200000" scaled="0"/>
+        </a:gradFill>
+      </a:fillStyleLst>
+      <a:lnStyleLst>
+        <a:ln w="9525" cap="flat" cmpd="sng" algn="ctr">
+          <a:solidFill>
+            <a:schemeClr val="phClr">
+              <a:shade val="95000"/>
+              <a:satMod val="105000"/>
+            </a:schemeClr>
+          </a:solidFill>
+          <a:prstDash val="solid"/>
+        </a:ln>
+        <a:ln w="25400" cap="flat" cmpd="sng" algn="ctr">
+          <a:solidFill>
+            <a:schemeClr val="phClr"/>
+          </a:solidFill>
+          <a:prstDash val="solid"/>
+        </a:ln>
+        <a:ln w="38100" cap="flat" cmpd="sng" algn="ctr">
+          <a:solidFill>
+            <a:schemeClr val="phClr"/>
+          </a:solidFill>
+          <a:prstDash val="solid"/>
+        </a:ln>
+      </a:lnStyleLst>
+      <a:effectStyleLst>
+        <a:effectStyle>
+          <a:effectLst>
+            <a:outerShdw blurRad="40000" dist="20000" dir="5400000" rotWithShape="0">
+              <a:srgbClr val="000000">
+                <a:alpha val="38000"/>
+              </a:srgbClr>
+            </a:outerShdw>
+          </a:effectLst>
+        </a:effectStyle>
+        <a:effectStyle>
+          <a:effectLst>
+            <a:outerShdw blurRad="40000" dist="23000" dir="5400000" rotWithShape="0">
+              <a:srgbClr val="000000">
+                <a:alpha val="35000"/>
+              </a:srgbClr>
+            </a:outerShdw>
+          </a:effectLst>
+        </a:effectStyle>
+        <a:effectStyle>
+          <a:effectLst>
+            <a:outerShdw blurRad="40000" dist="23000" dir="5400000" rotWithShape="0">
+              <a:srgbClr val="000000">
+                <a:alpha val="35000"/>
+              </a:srgbClr>
+            </a:outerShdw>
+          </a:effectLst>
+          <a:scene3d>
+            <a:camera prst="orthographicFront">
+              <a:rot lat="0" lon="0" rev="0"/>
+            </a:camera>
+            <a:lightRig rig="threePt" dir="t">
+              <a:rot lat="0" lon="0" rev="1200000"/>
+            </a:lightRig>
+          </a:scene3d>
+          <a:sp3d>
+            <a:bevelT w="63500" h="25400"/>
+          </a:sp3d>
+        </a:effectStyle>
+      </a:effectStyleLst>
+      <a:bgFillStyleLst>
+        <a:solidFill>
+          <a:schemeClr val="phClr"/>
+        </a:solidFill>
+        <a:gradFill rotWithShape="1">
+          <a:gsLst>
+            <a:gs pos="0">
+              <a:schemeClr val="phClr">
+                <a:tint val="40000"/>
+                <a:satMod val="350000"/>
+              </a:schemeClr>
+            </a:gs>
+            <a:gs pos="40000">
+              <a:schemeClr val="phClr">
+                <a:tint val="45000"/>
+                <a:shade val="99000"/>
+                <a:satMod val="350000"/>
+              </a:schemeClr>
+            </a:gs>
+            <a:gs pos="100000">
+              <a:schemeClr val="phClr">
+                <a:shade val="20000"/>
+                <a:satMod val="255000"/>
+              </a:schemeClr>
+            </a:gs>
+          </a:gsLst>
+          <a:path path="circle">
+            <a:fillToRect l="50000" t="-80000" r="50000" b="180000"/>
+          </a:path>
+        </a:gradFill>
+        <a:gradFill rotWithShape="1">
+          <a:gsLst>
+            <a:gs pos="0">
+              <a:schemeClr val="phClr">
+                <a:tint val="80000"/>
+                <a:satMod val="300000"/>
+              </a:schemeClr>
+            </a:gs>
+            <a:gs pos="100000">
+              <a:schemeClr val="phClr">
+                <a:shade val="30000"/>
+                <a:satMod val="200000"/>
+              </a:schemeClr>
+            </a:gs>
+          </a:gsLst>
+          <a:path path="circle">
+            <a:fillToRect l="50000" t="50000" r="50000" b="50000"/>
+          </a:path>
+        </a:gradFill>
+      </a:bgFillStyleLst>
+    </a:fmtScheme>
+  </a:themeElements>
+  <a:objectDefaults/>
+  <a:extraClrSchemeLst/>
+</a:theme>
+</file>
+
+<file path=ppt/theme/theme2.xml><?xml version="1.0" encoding="utf-8"?>
+<a:theme xmlns:a="http://schemas.openxmlformats.org/drawingml/2006/main" name="Custom Theme">
   <a:themeElements>
     <a:clrScheme name="Default">
       <a:dk1>
@@ -8785,284 +9285,7 @@
       </a:bgFillStyleLst>
     </a:fmtScheme>
   </a:themeElements>
-</a:theme>
-</file>
-
-<file path=ppt/theme/theme2.xml><?xml version="1.0" encoding="utf-8"?>
-<a:theme xmlns:a="http://schemas.openxmlformats.org/drawingml/2006/main" xmlns:r="http://schemas.openxmlformats.org/officeDocument/2006/relationships" name="Focus">
-  <a:themeElements>
-    <a:clrScheme name="Focus">
-      <a:dk1>
-        <a:srgbClr val="1B212C"/>
-      </a:dk1>
-      <a:lt1>
-        <a:srgbClr val="FFFFFF"/>
-      </a:lt1>
-      <a:dk2>
-        <a:srgbClr val="D9D9D9"/>
-      </a:dk2>
-      <a:lt2>
-        <a:srgbClr val="82C7A5"/>
-      </a:lt2>
-      <a:accent1>
-        <a:srgbClr val="0145AC"/>
-      </a:accent1>
-      <a:accent2>
-        <a:srgbClr val="EECE1A"/>
-      </a:accent2>
-      <a:accent3>
-        <a:srgbClr val="4E5567"/>
-      </a:accent3>
-      <a:accent4>
-        <a:srgbClr val="F4D6AD"/>
-      </a:accent4>
-      <a:accent5>
-        <a:srgbClr val="7890CD"/>
-      </a:accent5>
-      <a:accent6>
-        <a:srgbClr val="F15E22"/>
-      </a:accent6>
-      <a:hlink>
-        <a:srgbClr val="7890CD"/>
-      </a:hlink>
-      <a:folHlink>
-        <a:srgbClr val="7890CD"/>
-      </a:folHlink>
-    </a:clrScheme>
-    <a:fontScheme name="Office">
-      <a:majorFont>
-        <a:latin typeface="Arial"/>
-        <a:ea typeface=""/>
-        <a:cs typeface=""/>
-        <a:font script="Jpan" typeface="ＭＳ Ｐゴシック"/>
-        <a:font script="Hang" typeface="맑은 고딕"/>
-        <a:font script="Hans" typeface="宋体"/>
-        <a:font script="Hant" typeface="新細明體"/>
-        <a:font script="Arab" typeface="Times New Roman"/>
-        <a:font script="Hebr" typeface="Times New Roman"/>
-        <a:font script="Thai" typeface="Angsana New"/>
-        <a:font script="Ethi" typeface="Nyala"/>
-        <a:font script="Beng" typeface="Vrinda"/>
-        <a:font script="Gujr" typeface="Shruti"/>
-        <a:font script="Khmr" typeface="MoolBoran"/>
-        <a:font script="Knda" typeface="Tunga"/>
-        <a:font script="Guru" typeface="Raavi"/>
-        <a:font script="Cans" typeface="Euphemia"/>
-        <a:font script="Cher" typeface="Plantagenet Cherokee"/>
-        <a:font script="Yiii" typeface="Microsoft Yi Baiti"/>
-        <a:font script="Tibt" typeface="Microsoft Himalaya"/>
-        <a:font script="Thaa" typeface="MV Boli"/>
-        <a:font script="Deva" typeface="Mangal"/>
-        <a:font script="Telu" typeface="Gautami"/>
-        <a:font script="Taml" typeface="Latha"/>
-        <a:font script="Syrc" typeface="Estrangelo Edessa"/>
-        <a:font script="Orya" typeface="Kalinga"/>
-        <a:font script="Mlym" typeface="Kartika"/>
-        <a:font script="Laoo" typeface="DokChampa"/>
-        <a:font script="Sinh" typeface="Iskoola Pota"/>
-        <a:font script="Mong" typeface="Mongolian Baiti"/>
-        <a:font script="Viet" typeface="Times New Roman"/>
-        <a:font script="Uigh" typeface="Microsoft Uighur"/>
-        <a:font script="Geor" typeface="Sylfaen"/>
-      </a:majorFont>
-      <a:minorFont>
-        <a:latin typeface="Arial"/>
-        <a:ea typeface=""/>
-        <a:cs typeface=""/>
-        <a:font script="Jpan" typeface="ＭＳ Ｐゴシック"/>
-        <a:font script="Hang" typeface="맑은 고딕"/>
-        <a:font script="Hans" typeface="宋体"/>
-        <a:font script="Hant" typeface="新細明體"/>
-        <a:font script="Arab" typeface="Arial"/>
-        <a:font script="Hebr" typeface="Arial"/>
-        <a:font script="Thai" typeface="Cordia New"/>
-        <a:font script="Ethi" typeface="Nyala"/>
-        <a:font script="Beng" typeface="Vrinda"/>
-        <a:font script="Gujr" typeface="Shruti"/>
-        <a:font script="Khmr" typeface="DaunPenh"/>
-        <a:font script="Knda" typeface="Tunga"/>
-        <a:font script="Guru" typeface="Raavi"/>
-        <a:font script="Cans" typeface="Euphemia"/>
-        <a:font script="Cher" typeface="Plantagenet Cherokee"/>
-        <a:font script="Yiii" typeface="Microsoft Yi Baiti"/>
-        <a:font script="Tibt" typeface="Microsoft Himalaya"/>
-        <a:font script="Thaa" typeface="MV Boli"/>
-        <a:font script="Deva" typeface="Mangal"/>
-        <a:font script="Telu" typeface="Gautami"/>
-        <a:font script="Taml" typeface="Latha"/>
-        <a:font script="Syrc" typeface="Estrangelo Edessa"/>
-        <a:font script="Orya" typeface="Kalinga"/>
-        <a:font script="Mlym" typeface="Kartika"/>
-        <a:font script="Laoo" typeface="DokChampa"/>
-        <a:font script="Sinh" typeface="Iskoola Pota"/>
-        <a:font script="Mong" typeface="Mongolian Baiti"/>
-        <a:font script="Viet" typeface="Arial"/>
-        <a:font script="Uigh" typeface="Microsoft Uighur"/>
-        <a:font script="Geor" typeface="Sylfaen"/>
-      </a:minorFont>
-    </a:fontScheme>
-    <a:fmtScheme name="Office">
-      <a:fillStyleLst>
-        <a:solidFill>
-          <a:schemeClr val="phClr"/>
-        </a:solidFill>
-        <a:gradFill rotWithShape="1">
-          <a:gsLst>
-            <a:gs pos="0">
-              <a:schemeClr val="phClr">
-                <a:tint val="50000"/>
-                <a:satMod val="300000"/>
-              </a:schemeClr>
-            </a:gs>
-            <a:gs pos="35000">
-              <a:schemeClr val="phClr">
-                <a:tint val="37000"/>
-                <a:satMod val="300000"/>
-              </a:schemeClr>
-            </a:gs>
-            <a:gs pos="100000">
-              <a:schemeClr val="phClr">
-                <a:tint val="15000"/>
-                <a:satMod val="350000"/>
-              </a:schemeClr>
-            </a:gs>
-          </a:gsLst>
-          <a:lin ang="16200000" scaled="1"/>
-        </a:gradFill>
-        <a:gradFill rotWithShape="1">
-          <a:gsLst>
-            <a:gs pos="0">
-              <a:schemeClr val="phClr">
-                <a:tint val="100000"/>
-                <a:shade val="100000"/>
-                <a:satMod val="130000"/>
-              </a:schemeClr>
-            </a:gs>
-            <a:gs pos="100000">
-              <a:schemeClr val="phClr">
-                <a:tint val="50000"/>
-                <a:shade val="100000"/>
-                <a:satMod val="350000"/>
-              </a:schemeClr>
-            </a:gs>
-          </a:gsLst>
-          <a:lin ang="16200000" scaled="0"/>
-        </a:gradFill>
-      </a:fillStyleLst>
-      <a:lnStyleLst>
-        <a:ln w="9525" cap="flat" cmpd="sng" algn="ctr">
-          <a:solidFill>
-            <a:schemeClr val="phClr">
-              <a:shade val="95000"/>
-              <a:satMod val="105000"/>
-            </a:schemeClr>
-          </a:solidFill>
-          <a:prstDash val="solid"/>
-        </a:ln>
-        <a:ln w="25400" cap="flat" cmpd="sng" algn="ctr">
-          <a:solidFill>
-            <a:schemeClr val="phClr"/>
-          </a:solidFill>
-          <a:prstDash val="solid"/>
-        </a:ln>
-        <a:ln w="38100" cap="flat" cmpd="sng" algn="ctr">
-          <a:solidFill>
-            <a:schemeClr val="phClr"/>
-          </a:solidFill>
-          <a:prstDash val="solid"/>
-        </a:ln>
-      </a:lnStyleLst>
-      <a:effectStyleLst>
-        <a:effectStyle>
-          <a:effectLst>
-            <a:outerShdw blurRad="40000" dist="20000" dir="5400000" rotWithShape="0">
-              <a:srgbClr val="000000">
-                <a:alpha val="38000"/>
-              </a:srgbClr>
-            </a:outerShdw>
-          </a:effectLst>
-        </a:effectStyle>
-        <a:effectStyle>
-          <a:effectLst>
-            <a:outerShdw blurRad="40000" dist="23000" dir="5400000" rotWithShape="0">
-              <a:srgbClr val="000000">
-                <a:alpha val="35000"/>
-              </a:srgbClr>
-            </a:outerShdw>
-          </a:effectLst>
-        </a:effectStyle>
-        <a:effectStyle>
-          <a:effectLst>
-            <a:outerShdw blurRad="40000" dist="23000" dir="5400000" rotWithShape="0">
-              <a:srgbClr val="000000">
-                <a:alpha val="35000"/>
-              </a:srgbClr>
-            </a:outerShdw>
-          </a:effectLst>
-          <a:scene3d>
-            <a:camera prst="orthographicFront">
-              <a:rot lat="0" lon="0" rev="0"/>
-            </a:camera>
-            <a:lightRig rig="threePt" dir="t">
-              <a:rot lat="0" lon="0" rev="1200000"/>
-            </a:lightRig>
-          </a:scene3d>
-          <a:sp3d>
-            <a:bevelT w="63500" h="25400"/>
-          </a:sp3d>
-        </a:effectStyle>
-      </a:effectStyleLst>
-      <a:bgFillStyleLst>
-        <a:solidFill>
-          <a:schemeClr val="phClr"/>
-        </a:solidFill>
-        <a:gradFill rotWithShape="1">
-          <a:gsLst>
-            <a:gs pos="0">
-              <a:schemeClr val="phClr">
-                <a:tint val="40000"/>
-                <a:satMod val="350000"/>
-              </a:schemeClr>
-            </a:gs>
-            <a:gs pos="40000">
-              <a:schemeClr val="phClr">
-                <a:tint val="45000"/>
-                <a:shade val="99000"/>
-                <a:satMod val="350000"/>
-              </a:schemeClr>
-            </a:gs>
-            <a:gs pos="100000">
-              <a:schemeClr val="phClr">
-                <a:shade val="20000"/>
-                <a:satMod val="255000"/>
-              </a:schemeClr>
-            </a:gs>
-          </a:gsLst>
-          <a:path path="circle">
-            <a:fillToRect l="50000" t="-80000" r="50000" b="180000"/>
-          </a:path>
-        </a:gradFill>
-        <a:gradFill rotWithShape="1">
-          <a:gsLst>
-            <a:gs pos="0">
-              <a:schemeClr val="phClr">
-                <a:tint val="80000"/>
-                <a:satMod val="300000"/>
-              </a:schemeClr>
-            </a:gs>
-            <a:gs pos="100000">
-              <a:schemeClr val="phClr">
-                <a:shade val="30000"/>
-                <a:satMod val="200000"/>
-              </a:schemeClr>
-            </a:gs>
-          </a:gsLst>
-          <a:path path="circle">
-            <a:fillToRect l="50000" t="50000" r="50000" b="50000"/>
-          </a:path>
-        </a:gradFill>
-      </a:bgFillStyleLst>
-    </a:fmtScheme>
-  </a:themeElements>
+  <a:objectDefaults/>
+  <a:extraClrSchemeLst/>
 </a:theme>
 </file>